--- a/16/yongki/WebServer.pptx
+++ b/16/yongki/WebServer.pptx
@@ -18,9 +18,9 @@
     <p:sldId id="328" r:id="rId9"/>
     <p:sldId id="329" r:id="rId10"/>
     <p:sldId id="330" r:id="rId11"/>
-    <p:sldId id="316" r:id="rId12"/>
-    <p:sldId id="321" r:id="rId13"/>
-    <p:sldId id="331" r:id="rId14"/>
+    <p:sldId id="332" r:id="rId12"/>
+    <p:sldId id="316" r:id="rId13"/>
+    <p:sldId id="321" r:id="rId14"/>
     <p:sldId id="301" r:id="rId15"/>
   </p:sldIdLst>
   <p:sldSz cx="9144000" cy="6858000" type="screen4x3"/>
@@ -251,7 +251,7 @@
           <a:p>
             <a:fld id="{278A5395-7299-4714-9E5C-8983F2B9A6E7}" type="datetimeFigureOut">
               <a:rPr lang="ko-KR" altLang="en-US" smtClean="0"/>
-              <a:t>2022-04-13</a:t>
+              <a:t>2022-04-16</a:t>
             </a:fld>
             <a:endParaRPr lang="ko-KR" altLang="en-US"/>
           </a:p>
@@ -4886,6 +4886,3490 @@
           </a:p>
         </p:txBody>
       </p:sp>
+      <p:sp>
+        <p:nvSpPr>
+          <p:cNvPr id="5" name="TextBox 4">
+            <a:extLst>
+              <a:ext uri="{FF2B5EF4-FFF2-40B4-BE49-F238E27FC236}">
+                <a16:creationId xmlns:a16="http://schemas.microsoft.com/office/drawing/2014/main" id="{33EE12CB-AD6B-449A-8D9B-452641E2307B}"/>
+              </a:ext>
+            </a:extLst>
+          </p:cNvPr>
+          <p:cNvSpPr txBox="1">
+            <a:spLocks noChangeArrowheads="1"/>
+          </p:cNvSpPr>
+          <p:nvPr/>
+        </p:nvSpPr>
+        <p:spPr bwMode="auto">
+          <a:xfrm>
+            <a:off x="1575300" y="6165304"/>
+            <a:ext cx="1656184" cy="307777"/>
+          </a:xfrm>
+          <a:prstGeom prst="rect">
+            <a:avLst/>
+          </a:prstGeom>
+          <a:noFill/>
+          <a:ln>
+            <a:noFill/>
+          </a:ln>
+          <a:extLst>
+            <a:ext uri="{909E8E84-426E-40DD-AFC4-6F175D3DCCD1}">
+              <a14:hiddenFill xmlns:a14="http://schemas.microsoft.com/office/drawing/2010/main">
+                <a:solidFill>
+                  <a:srgbClr val="FFFFFF"/>
+                </a:solidFill>
+              </a14:hiddenFill>
+            </a:ext>
+            <a:ext uri="{91240B29-F687-4F45-9708-019B960494DF}">
+              <a14:hiddenLine xmlns:a14="http://schemas.microsoft.com/office/drawing/2010/main" w="9525">
+                <a:solidFill>
+                  <a:srgbClr val="000000"/>
+                </a:solidFill>
+                <a:miter lim="800000"/>
+                <a:headEnd/>
+                <a:tailEnd/>
+              </a14:hiddenLine>
+            </a:ext>
+          </a:extLst>
+        </p:spPr>
+        <p:txBody>
+          <a:bodyPr wrap="square">
+            <a:spAutoFit/>
+          </a:bodyPr>
+          <a:lstStyle>
+            <a:lvl1pPr>
+              <a:spcBef>
+                <a:spcPct val="20000"/>
+              </a:spcBef>
+              <a:buChar char="•"/>
+              <a:defRPr sz="3200">
+                <a:solidFill>
+                  <a:schemeClr val="tx1"/>
+                </a:solidFill>
+                <a:latin typeface="Arial" panose="020B0604020202020204" pitchFamily="34" charset="0"/>
+                <a:ea typeface="Arial Unicode MS" panose="020B0604020202020204" pitchFamily="50" charset="-127"/>
+                <a:cs typeface="Arial" panose="020B0604020202020204" pitchFamily="34" charset="0"/>
+              </a:defRPr>
+            </a:lvl1pPr>
+            <a:lvl2pPr marL="742950" indent="-285750">
+              <a:spcBef>
+                <a:spcPct val="20000"/>
+              </a:spcBef>
+              <a:buChar char="–"/>
+              <a:defRPr sz="2800">
+                <a:solidFill>
+                  <a:schemeClr val="tx1"/>
+                </a:solidFill>
+                <a:latin typeface="Arial" panose="020B0604020202020204" pitchFamily="34" charset="0"/>
+                <a:ea typeface="Arial Unicode MS" panose="020B0604020202020204" pitchFamily="50" charset="-127"/>
+                <a:cs typeface="Arial" panose="020B0604020202020204" pitchFamily="34" charset="0"/>
+              </a:defRPr>
+            </a:lvl2pPr>
+            <a:lvl3pPr marL="1143000" indent="-228600">
+              <a:spcBef>
+                <a:spcPct val="20000"/>
+              </a:spcBef>
+              <a:buChar char="•"/>
+              <a:defRPr sz="2400">
+                <a:solidFill>
+                  <a:schemeClr val="tx1"/>
+                </a:solidFill>
+                <a:latin typeface="Arial" panose="020B0604020202020204" pitchFamily="34" charset="0"/>
+                <a:ea typeface="Arial Unicode MS" panose="020B0604020202020204" pitchFamily="50" charset="-127"/>
+                <a:cs typeface="Arial" panose="020B0604020202020204" pitchFamily="34" charset="0"/>
+              </a:defRPr>
+            </a:lvl3pPr>
+            <a:lvl4pPr marL="1600200" indent="-228600">
+              <a:spcBef>
+                <a:spcPct val="20000"/>
+              </a:spcBef>
+              <a:buChar char="–"/>
+              <a:defRPr sz="2000">
+                <a:solidFill>
+                  <a:schemeClr val="tx1"/>
+                </a:solidFill>
+                <a:latin typeface="Arial" panose="020B0604020202020204" pitchFamily="34" charset="0"/>
+                <a:ea typeface="Arial Unicode MS" panose="020B0604020202020204" pitchFamily="50" charset="-127"/>
+                <a:cs typeface="Arial" panose="020B0604020202020204" pitchFamily="34" charset="0"/>
+              </a:defRPr>
+            </a:lvl4pPr>
+            <a:lvl5pPr marL="2057400" indent="-228600">
+              <a:spcBef>
+                <a:spcPct val="20000"/>
+              </a:spcBef>
+              <a:buChar char="»"/>
+              <a:defRPr sz="2000">
+                <a:solidFill>
+                  <a:schemeClr val="tx1"/>
+                </a:solidFill>
+                <a:latin typeface="Arial" panose="020B0604020202020204" pitchFamily="34" charset="0"/>
+                <a:ea typeface="Arial Unicode MS" panose="020B0604020202020204" pitchFamily="50" charset="-127"/>
+                <a:cs typeface="Arial" panose="020B0604020202020204" pitchFamily="34" charset="0"/>
+              </a:defRPr>
+            </a:lvl5pPr>
+            <a:lvl6pPr marL="2514600" indent="-228600" eaLnBrk="0" fontAlgn="base" hangingPunct="0">
+              <a:spcBef>
+                <a:spcPct val="20000"/>
+              </a:spcBef>
+              <a:spcAft>
+                <a:spcPct val="0"/>
+              </a:spcAft>
+              <a:buChar char="»"/>
+              <a:defRPr sz="2000">
+                <a:solidFill>
+                  <a:schemeClr val="tx1"/>
+                </a:solidFill>
+                <a:latin typeface="Arial" panose="020B0604020202020204" pitchFamily="34" charset="0"/>
+                <a:ea typeface="Arial Unicode MS" panose="020B0604020202020204" pitchFamily="50" charset="-127"/>
+                <a:cs typeface="Arial" panose="020B0604020202020204" pitchFamily="34" charset="0"/>
+              </a:defRPr>
+            </a:lvl6pPr>
+            <a:lvl7pPr marL="2971800" indent="-228600" eaLnBrk="0" fontAlgn="base" hangingPunct="0">
+              <a:spcBef>
+                <a:spcPct val="20000"/>
+              </a:spcBef>
+              <a:spcAft>
+                <a:spcPct val="0"/>
+              </a:spcAft>
+              <a:buChar char="»"/>
+              <a:defRPr sz="2000">
+                <a:solidFill>
+                  <a:schemeClr val="tx1"/>
+                </a:solidFill>
+                <a:latin typeface="Arial" panose="020B0604020202020204" pitchFamily="34" charset="0"/>
+                <a:ea typeface="Arial Unicode MS" panose="020B0604020202020204" pitchFamily="50" charset="-127"/>
+                <a:cs typeface="Arial" panose="020B0604020202020204" pitchFamily="34" charset="0"/>
+              </a:defRPr>
+            </a:lvl7pPr>
+            <a:lvl8pPr marL="3429000" indent="-228600" eaLnBrk="0" fontAlgn="base" hangingPunct="0">
+              <a:spcBef>
+                <a:spcPct val="20000"/>
+              </a:spcBef>
+              <a:spcAft>
+                <a:spcPct val="0"/>
+              </a:spcAft>
+              <a:buChar char="»"/>
+              <a:defRPr sz="2000">
+                <a:solidFill>
+                  <a:schemeClr val="tx1"/>
+                </a:solidFill>
+                <a:latin typeface="Arial" panose="020B0604020202020204" pitchFamily="34" charset="0"/>
+                <a:ea typeface="Arial Unicode MS" panose="020B0604020202020204" pitchFamily="50" charset="-127"/>
+                <a:cs typeface="Arial" panose="020B0604020202020204" pitchFamily="34" charset="0"/>
+              </a:defRPr>
+            </a:lvl8pPr>
+            <a:lvl9pPr marL="3886200" indent="-228600" eaLnBrk="0" fontAlgn="base" hangingPunct="0">
+              <a:spcBef>
+                <a:spcPct val="20000"/>
+              </a:spcBef>
+              <a:spcAft>
+                <a:spcPct val="0"/>
+              </a:spcAft>
+              <a:buChar char="»"/>
+              <a:defRPr sz="2000">
+                <a:solidFill>
+                  <a:schemeClr val="tx1"/>
+                </a:solidFill>
+                <a:latin typeface="Arial" panose="020B0604020202020204" pitchFamily="34" charset="0"/>
+                <a:ea typeface="Arial Unicode MS" panose="020B0604020202020204" pitchFamily="50" charset="-127"/>
+                <a:cs typeface="Arial" panose="020B0604020202020204" pitchFamily="34" charset="0"/>
+              </a:defRPr>
+            </a:lvl9pPr>
+          </a:lstStyle>
+          <a:p>
+            <a:pPr algn="ctr" eaLnBrk="1" hangingPunct="1">
+              <a:spcBef>
+                <a:spcPct val="0"/>
+              </a:spcBef>
+              <a:buNone/>
+            </a:pPr>
+            <a:r>
+              <a:rPr lang="ko-KR" altLang="en-US" sz="1400">
+                <a:solidFill>
+                  <a:srgbClr val="000000"/>
+                </a:solidFill>
+                <a:latin typeface="맑은 고딕" panose="020B0503020000020004" pitchFamily="50" charset="-127"/>
+                <a:ea typeface="맑은 고딕" panose="020B0503020000020004" pitchFamily="50" charset="-127"/>
+              </a:rPr>
+              <a:t>멀티 스레드 방식</a:t>
+            </a:r>
+            <a:endParaRPr lang="en-US" altLang="ko-KR" sz="1400">
+              <a:solidFill>
+                <a:srgbClr val="000000"/>
+              </a:solidFill>
+              <a:latin typeface="맑은 고딕" panose="020B0503020000020004" pitchFamily="50" charset="-127"/>
+              <a:ea typeface="맑은 고딕" panose="020B0503020000020004" pitchFamily="50" charset="-127"/>
+            </a:endParaRPr>
+          </a:p>
+        </p:txBody>
+      </p:sp>
+      <p:sp>
+        <p:nvSpPr>
+          <p:cNvPr id="6" name="TextBox 5">
+            <a:extLst>
+              <a:ext uri="{FF2B5EF4-FFF2-40B4-BE49-F238E27FC236}">
+                <a16:creationId xmlns:a16="http://schemas.microsoft.com/office/drawing/2014/main" id="{DF50DDF7-A691-4DC5-B1CA-D82A72DC7C71}"/>
+              </a:ext>
+            </a:extLst>
+          </p:cNvPr>
+          <p:cNvSpPr txBox="1">
+            <a:spLocks noChangeArrowheads="1"/>
+          </p:cNvSpPr>
+          <p:nvPr/>
+        </p:nvSpPr>
+        <p:spPr bwMode="auto">
+          <a:xfrm>
+            <a:off x="6372200" y="6165304"/>
+            <a:ext cx="1188132" cy="307777"/>
+          </a:xfrm>
+          <a:prstGeom prst="rect">
+            <a:avLst/>
+          </a:prstGeom>
+          <a:noFill/>
+          <a:ln>
+            <a:noFill/>
+          </a:ln>
+          <a:extLst>
+            <a:ext uri="{909E8E84-426E-40DD-AFC4-6F175D3DCCD1}">
+              <a14:hiddenFill xmlns:a14="http://schemas.microsoft.com/office/drawing/2010/main">
+                <a:solidFill>
+                  <a:srgbClr val="FFFFFF"/>
+                </a:solidFill>
+              </a14:hiddenFill>
+            </a:ext>
+            <a:ext uri="{91240B29-F687-4F45-9708-019B960494DF}">
+              <a14:hiddenLine xmlns:a14="http://schemas.microsoft.com/office/drawing/2010/main" w="9525">
+                <a:solidFill>
+                  <a:srgbClr val="000000"/>
+                </a:solidFill>
+                <a:miter lim="800000"/>
+                <a:headEnd/>
+                <a:tailEnd/>
+              </a14:hiddenLine>
+            </a:ext>
+          </a:extLst>
+        </p:spPr>
+        <p:txBody>
+          <a:bodyPr wrap="square">
+            <a:spAutoFit/>
+          </a:bodyPr>
+          <a:lstStyle>
+            <a:lvl1pPr>
+              <a:spcBef>
+                <a:spcPct val="20000"/>
+              </a:spcBef>
+              <a:buChar char="•"/>
+              <a:defRPr sz="3200">
+                <a:solidFill>
+                  <a:schemeClr val="tx1"/>
+                </a:solidFill>
+                <a:latin typeface="Arial" panose="020B0604020202020204" pitchFamily="34" charset="0"/>
+                <a:ea typeface="Arial Unicode MS" panose="020B0604020202020204" pitchFamily="50" charset="-127"/>
+                <a:cs typeface="Arial" panose="020B0604020202020204" pitchFamily="34" charset="0"/>
+              </a:defRPr>
+            </a:lvl1pPr>
+            <a:lvl2pPr marL="742950" indent="-285750">
+              <a:spcBef>
+                <a:spcPct val="20000"/>
+              </a:spcBef>
+              <a:buChar char="–"/>
+              <a:defRPr sz="2800">
+                <a:solidFill>
+                  <a:schemeClr val="tx1"/>
+                </a:solidFill>
+                <a:latin typeface="Arial" panose="020B0604020202020204" pitchFamily="34" charset="0"/>
+                <a:ea typeface="Arial Unicode MS" panose="020B0604020202020204" pitchFamily="50" charset="-127"/>
+                <a:cs typeface="Arial" panose="020B0604020202020204" pitchFamily="34" charset="0"/>
+              </a:defRPr>
+            </a:lvl2pPr>
+            <a:lvl3pPr marL="1143000" indent="-228600">
+              <a:spcBef>
+                <a:spcPct val="20000"/>
+              </a:spcBef>
+              <a:buChar char="•"/>
+              <a:defRPr sz="2400">
+                <a:solidFill>
+                  <a:schemeClr val="tx1"/>
+                </a:solidFill>
+                <a:latin typeface="Arial" panose="020B0604020202020204" pitchFamily="34" charset="0"/>
+                <a:ea typeface="Arial Unicode MS" panose="020B0604020202020204" pitchFamily="50" charset="-127"/>
+                <a:cs typeface="Arial" panose="020B0604020202020204" pitchFamily="34" charset="0"/>
+              </a:defRPr>
+            </a:lvl3pPr>
+            <a:lvl4pPr marL="1600200" indent="-228600">
+              <a:spcBef>
+                <a:spcPct val="20000"/>
+              </a:spcBef>
+              <a:buChar char="–"/>
+              <a:defRPr sz="2000">
+                <a:solidFill>
+                  <a:schemeClr val="tx1"/>
+                </a:solidFill>
+                <a:latin typeface="Arial" panose="020B0604020202020204" pitchFamily="34" charset="0"/>
+                <a:ea typeface="Arial Unicode MS" panose="020B0604020202020204" pitchFamily="50" charset="-127"/>
+                <a:cs typeface="Arial" panose="020B0604020202020204" pitchFamily="34" charset="0"/>
+              </a:defRPr>
+            </a:lvl4pPr>
+            <a:lvl5pPr marL="2057400" indent="-228600">
+              <a:spcBef>
+                <a:spcPct val="20000"/>
+              </a:spcBef>
+              <a:buChar char="»"/>
+              <a:defRPr sz="2000">
+                <a:solidFill>
+                  <a:schemeClr val="tx1"/>
+                </a:solidFill>
+                <a:latin typeface="Arial" panose="020B0604020202020204" pitchFamily="34" charset="0"/>
+                <a:ea typeface="Arial Unicode MS" panose="020B0604020202020204" pitchFamily="50" charset="-127"/>
+                <a:cs typeface="Arial" panose="020B0604020202020204" pitchFamily="34" charset="0"/>
+              </a:defRPr>
+            </a:lvl5pPr>
+            <a:lvl6pPr marL="2514600" indent="-228600" eaLnBrk="0" fontAlgn="base" hangingPunct="0">
+              <a:spcBef>
+                <a:spcPct val="20000"/>
+              </a:spcBef>
+              <a:spcAft>
+                <a:spcPct val="0"/>
+              </a:spcAft>
+              <a:buChar char="»"/>
+              <a:defRPr sz="2000">
+                <a:solidFill>
+                  <a:schemeClr val="tx1"/>
+                </a:solidFill>
+                <a:latin typeface="Arial" panose="020B0604020202020204" pitchFamily="34" charset="0"/>
+                <a:ea typeface="Arial Unicode MS" panose="020B0604020202020204" pitchFamily="50" charset="-127"/>
+                <a:cs typeface="Arial" panose="020B0604020202020204" pitchFamily="34" charset="0"/>
+              </a:defRPr>
+            </a:lvl6pPr>
+            <a:lvl7pPr marL="2971800" indent="-228600" eaLnBrk="0" fontAlgn="base" hangingPunct="0">
+              <a:spcBef>
+                <a:spcPct val="20000"/>
+              </a:spcBef>
+              <a:spcAft>
+                <a:spcPct val="0"/>
+              </a:spcAft>
+              <a:buChar char="»"/>
+              <a:defRPr sz="2000">
+                <a:solidFill>
+                  <a:schemeClr val="tx1"/>
+                </a:solidFill>
+                <a:latin typeface="Arial" panose="020B0604020202020204" pitchFamily="34" charset="0"/>
+                <a:ea typeface="Arial Unicode MS" panose="020B0604020202020204" pitchFamily="50" charset="-127"/>
+                <a:cs typeface="Arial" panose="020B0604020202020204" pitchFamily="34" charset="0"/>
+              </a:defRPr>
+            </a:lvl7pPr>
+            <a:lvl8pPr marL="3429000" indent="-228600" eaLnBrk="0" fontAlgn="base" hangingPunct="0">
+              <a:spcBef>
+                <a:spcPct val="20000"/>
+              </a:spcBef>
+              <a:spcAft>
+                <a:spcPct val="0"/>
+              </a:spcAft>
+              <a:buChar char="»"/>
+              <a:defRPr sz="2000">
+                <a:solidFill>
+                  <a:schemeClr val="tx1"/>
+                </a:solidFill>
+                <a:latin typeface="Arial" panose="020B0604020202020204" pitchFamily="34" charset="0"/>
+                <a:ea typeface="Arial Unicode MS" panose="020B0604020202020204" pitchFamily="50" charset="-127"/>
+                <a:cs typeface="Arial" panose="020B0604020202020204" pitchFamily="34" charset="0"/>
+              </a:defRPr>
+            </a:lvl8pPr>
+            <a:lvl9pPr marL="3886200" indent="-228600" eaLnBrk="0" fontAlgn="base" hangingPunct="0">
+              <a:spcBef>
+                <a:spcPct val="20000"/>
+              </a:spcBef>
+              <a:spcAft>
+                <a:spcPct val="0"/>
+              </a:spcAft>
+              <a:buChar char="»"/>
+              <a:defRPr sz="2000">
+                <a:solidFill>
+                  <a:schemeClr val="tx1"/>
+                </a:solidFill>
+                <a:latin typeface="Arial" panose="020B0604020202020204" pitchFamily="34" charset="0"/>
+                <a:ea typeface="Arial Unicode MS" panose="020B0604020202020204" pitchFamily="50" charset="-127"/>
+                <a:cs typeface="Arial" panose="020B0604020202020204" pitchFamily="34" charset="0"/>
+              </a:defRPr>
+            </a:lvl9pPr>
+          </a:lstStyle>
+          <a:p>
+            <a:pPr algn="ctr" eaLnBrk="1" hangingPunct="1">
+              <a:spcBef>
+                <a:spcPct val="0"/>
+              </a:spcBef>
+              <a:buNone/>
+            </a:pPr>
+            <a:r>
+              <a:rPr lang="ko-KR" altLang="en-US" sz="1400">
+                <a:solidFill>
+                  <a:srgbClr val="000000"/>
+                </a:solidFill>
+                <a:latin typeface="맑은 고딕" panose="020B0503020000020004" pitchFamily="50" charset="-127"/>
+                <a:ea typeface="맑은 고딕" panose="020B0503020000020004" pitchFamily="50" charset="-127"/>
+              </a:rPr>
+              <a:t>비동기 방식</a:t>
+            </a:r>
+            <a:endParaRPr lang="en-US" altLang="ko-KR" sz="1400">
+              <a:solidFill>
+                <a:srgbClr val="000000"/>
+              </a:solidFill>
+              <a:latin typeface="맑은 고딕" panose="020B0503020000020004" pitchFamily="50" charset="-127"/>
+              <a:ea typeface="맑은 고딕" panose="020B0503020000020004" pitchFamily="50" charset="-127"/>
+            </a:endParaRPr>
+          </a:p>
+        </p:txBody>
+      </p:sp>
+      <p:sp>
+        <p:nvSpPr>
+          <p:cNvPr id="17" name="직사각형 16">
+            <a:extLst>
+              <a:ext uri="{FF2B5EF4-FFF2-40B4-BE49-F238E27FC236}">
+                <a16:creationId xmlns:a16="http://schemas.microsoft.com/office/drawing/2014/main" id="{8E3B431A-510F-4500-90F2-7054819ADFAC}"/>
+              </a:ext>
+            </a:extLst>
+          </p:cNvPr>
+          <p:cNvSpPr/>
+          <p:nvPr/>
+        </p:nvSpPr>
+        <p:spPr bwMode="auto">
+          <a:xfrm>
+            <a:off x="1811709" y="2725437"/>
+            <a:ext cx="725321" cy="1584176"/>
+          </a:xfrm>
+          <a:prstGeom prst="rect">
+            <a:avLst/>
+          </a:prstGeom>
+          <a:solidFill>
+            <a:schemeClr val="bg1"/>
+          </a:solidFill>
+          <a:ln w="25400" cap="flat" cmpd="sng" algn="ctr">
+            <a:solidFill>
+              <a:schemeClr val="tx1"/>
+            </a:solidFill>
+            <a:prstDash val="solid"/>
+            <a:round/>
+            <a:headEnd type="none" w="med" len="med"/>
+            <a:tailEnd type="none" w="med" len="med"/>
+          </a:ln>
+          <a:effectLst/>
+        </p:spPr>
+        <p:txBody>
+          <a:bodyPr vert="horz" wrap="square" lIns="91440" tIns="45720" rIns="91440" bIns="45720" numCol="1" rtlCol="0" anchor="ctr" anchorCtr="1" compatLnSpc="1">
+            <a:prstTxWarp prst="textNoShape">
+              <a:avLst/>
+            </a:prstTxWarp>
+          </a:bodyPr>
+          <a:lstStyle/>
+          <a:p>
+            <a:pPr marL="0" marR="0" indent="0" algn="l" defTabSz="914400" rtl="0" eaLnBrk="1" fontAlgn="base" latinLnBrk="0" hangingPunct="1">
+              <a:lnSpc>
+                <a:spcPct val="100000"/>
+              </a:lnSpc>
+              <a:spcBef>
+                <a:spcPct val="0"/>
+              </a:spcBef>
+              <a:spcAft>
+                <a:spcPct val="0"/>
+              </a:spcAft>
+              <a:buClrTx/>
+              <a:buSzTx/>
+              <a:buFontTx/>
+              <a:buNone/>
+              <a:tabLst/>
+            </a:pPr>
+            <a:r>
+              <a:rPr lang="ko-KR" altLang="en-US" sz="1400">
+                <a:cs typeface="Arial" panose="020B0604020202020204" pitchFamily="34" charset="0"/>
+              </a:rPr>
+              <a:t>접속</a:t>
+            </a:r>
+            <a:endParaRPr kumimoji="0" lang="en-US" altLang="ko-KR" sz="1400" b="0" i="0" u="none" strike="noStrike" cap="none" normalizeH="0" baseline="0">
+              <a:ln>
+                <a:noFill/>
+              </a:ln>
+              <a:solidFill>
+                <a:schemeClr val="tx1"/>
+              </a:solidFill>
+              <a:effectLst/>
+              <a:latin typeface="Arial" panose="020B0604020202020204" pitchFamily="34" charset="0"/>
+              <a:cs typeface="Arial" panose="020B0604020202020204" pitchFamily="34" charset="0"/>
+            </a:endParaRPr>
+          </a:p>
+          <a:p>
+            <a:pPr marL="0" marR="0" indent="0" algn="l" defTabSz="914400" rtl="0" eaLnBrk="1" fontAlgn="base" latinLnBrk="0" hangingPunct="1">
+              <a:lnSpc>
+                <a:spcPct val="100000"/>
+              </a:lnSpc>
+              <a:spcBef>
+                <a:spcPct val="0"/>
+              </a:spcBef>
+              <a:spcAft>
+                <a:spcPct val="0"/>
+              </a:spcAft>
+              <a:buClrTx/>
+              <a:buSzTx/>
+              <a:buFontTx/>
+              <a:buNone/>
+              <a:tabLst/>
+            </a:pPr>
+            <a:r>
+              <a:rPr lang="ko-KR" altLang="en-US" sz="1400">
+                <a:cs typeface="Arial" panose="020B0604020202020204" pitchFamily="34" charset="0"/>
+              </a:rPr>
+              <a:t>스레드</a:t>
+            </a:r>
+            <a:endParaRPr kumimoji="0" lang="ko-KR" altLang="en-US" sz="1400" b="0" i="0" u="none" strike="noStrike" cap="none" normalizeH="0" baseline="0">
+              <a:ln>
+                <a:noFill/>
+              </a:ln>
+              <a:solidFill>
+                <a:schemeClr val="tx1"/>
+              </a:solidFill>
+              <a:effectLst/>
+              <a:latin typeface="Arial" panose="020B0604020202020204" pitchFamily="34" charset="0"/>
+              <a:cs typeface="Arial" panose="020B0604020202020204" pitchFamily="34" charset="0"/>
+            </a:endParaRPr>
+          </a:p>
+        </p:txBody>
+      </p:sp>
+      <p:sp>
+        <p:nvSpPr>
+          <p:cNvPr id="18" name="직사각형 17">
+            <a:extLst>
+              <a:ext uri="{FF2B5EF4-FFF2-40B4-BE49-F238E27FC236}">
+                <a16:creationId xmlns:a16="http://schemas.microsoft.com/office/drawing/2014/main" id="{8081BBAF-7DC0-47CD-9A81-51C9104E4849}"/>
+              </a:ext>
+            </a:extLst>
+          </p:cNvPr>
+          <p:cNvSpPr/>
+          <p:nvPr/>
+        </p:nvSpPr>
+        <p:spPr bwMode="auto">
+          <a:xfrm>
+            <a:off x="3059832" y="2725437"/>
+            <a:ext cx="725321" cy="1584176"/>
+          </a:xfrm>
+          <a:prstGeom prst="rect">
+            <a:avLst/>
+          </a:prstGeom>
+          <a:solidFill>
+            <a:schemeClr val="bg1"/>
+          </a:solidFill>
+          <a:ln w="25400" cap="flat" cmpd="sng" algn="ctr">
+            <a:solidFill>
+              <a:schemeClr val="tx1"/>
+            </a:solidFill>
+            <a:prstDash val="solid"/>
+            <a:round/>
+            <a:headEnd type="none" w="med" len="med"/>
+            <a:tailEnd type="none" w="med" len="med"/>
+          </a:ln>
+          <a:effectLst/>
+        </p:spPr>
+        <p:txBody>
+          <a:bodyPr vert="horz" wrap="square" lIns="91440" tIns="45720" rIns="91440" bIns="45720" numCol="1" rtlCol="0" anchor="ctr" anchorCtr="1" compatLnSpc="1">
+            <a:prstTxWarp prst="textNoShape">
+              <a:avLst/>
+            </a:prstTxWarp>
+          </a:bodyPr>
+          <a:lstStyle/>
+          <a:p>
+            <a:pPr marL="0" marR="0" indent="0" algn="l" defTabSz="914400" rtl="0" eaLnBrk="1" fontAlgn="base" latinLnBrk="0" hangingPunct="1">
+              <a:lnSpc>
+                <a:spcPct val="100000"/>
+              </a:lnSpc>
+              <a:spcBef>
+                <a:spcPct val="0"/>
+              </a:spcBef>
+              <a:spcAft>
+                <a:spcPct val="0"/>
+              </a:spcAft>
+              <a:buClrTx/>
+              <a:buSzTx/>
+              <a:buFontTx/>
+              <a:buNone/>
+              <a:tabLst/>
+            </a:pPr>
+            <a:r>
+              <a:rPr kumimoji="0" lang="ko-KR" altLang="en-US" sz="1400" b="0" i="0" u="none" strike="noStrike" cap="none" normalizeH="0" baseline="0">
+                <a:ln>
+                  <a:noFill/>
+                </a:ln>
+                <a:solidFill>
+                  <a:schemeClr val="tx1"/>
+                </a:solidFill>
+                <a:effectLst/>
+                <a:latin typeface="Arial" panose="020B0604020202020204" pitchFamily="34" charset="0"/>
+                <a:cs typeface="Arial" panose="020B0604020202020204" pitchFamily="34" charset="0"/>
+              </a:rPr>
+              <a:t>작업</a:t>
+            </a:r>
+            <a:endParaRPr kumimoji="0" lang="en-US" altLang="ko-KR" sz="1400" b="0" i="0" u="none" strike="noStrike" cap="none" normalizeH="0" baseline="0">
+              <a:ln>
+                <a:noFill/>
+              </a:ln>
+              <a:solidFill>
+                <a:schemeClr val="tx1"/>
+              </a:solidFill>
+              <a:effectLst/>
+              <a:latin typeface="Arial" panose="020B0604020202020204" pitchFamily="34" charset="0"/>
+              <a:cs typeface="Arial" panose="020B0604020202020204" pitchFamily="34" charset="0"/>
+            </a:endParaRPr>
+          </a:p>
+          <a:p>
+            <a:pPr marL="0" marR="0" indent="0" algn="l" defTabSz="914400" rtl="0" eaLnBrk="1" fontAlgn="base" latinLnBrk="0" hangingPunct="1">
+              <a:lnSpc>
+                <a:spcPct val="100000"/>
+              </a:lnSpc>
+              <a:spcBef>
+                <a:spcPct val="0"/>
+              </a:spcBef>
+              <a:spcAft>
+                <a:spcPct val="0"/>
+              </a:spcAft>
+              <a:buClrTx/>
+              <a:buSzTx/>
+              <a:buFontTx/>
+              <a:buNone/>
+              <a:tabLst/>
+            </a:pPr>
+            <a:r>
+              <a:rPr lang="ko-KR" altLang="en-US" sz="1400">
+                <a:cs typeface="Arial" panose="020B0604020202020204" pitchFamily="34" charset="0"/>
+              </a:rPr>
+              <a:t>스레드</a:t>
+            </a:r>
+            <a:endParaRPr kumimoji="0" lang="ko-KR" altLang="en-US" sz="1400" b="0" i="0" u="none" strike="noStrike" cap="none" normalizeH="0" baseline="0">
+              <a:ln>
+                <a:noFill/>
+              </a:ln>
+              <a:solidFill>
+                <a:schemeClr val="tx1"/>
+              </a:solidFill>
+              <a:effectLst/>
+              <a:latin typeface="Arial" panose="020B0604020202020204" pitchFamily="34" charset="0"/>
+              <a:cs typeface="Arial" panose="020B0604020202020204" pitchFamily="34" charset="0"/>
+            </a:endParaRPr>
+          </a:p>
+        </p:txBody>
+      </p:sp>
+      <p:sp>
+        <p:nvSpPr>
+          <p:cNvPr id="19" name="직사각형 18">
+            <a:extLst>
+              <a:ext uri="{FF2B5EF4-FFF2-40B4-BE49-F238E27FC236}">
+                <a16:creationId xmlns:a16="http://schemas.microsoft.com/office/drawing/2014/main" id="{42D518F8-0348-4EE7-8E1A-0B58F65F31B5}"/>
+              </a:ext>
+            </a:extLst>
+          </p:cNvPr>
+          <p:cNvSpPr/>
+          <p:nvPr/>
+        </p:nvSpPr>
+        <p:spPr bwMode="auto">
+          <a:xfrm>
+            <a:off x="3212232" y="2877837"/>
+            <a:ext cx="725321" cy="1584176"/>
+          </a:xfrm>
+          <a:prstGeom prst="rect">
+            <a:avLst/>
+          </a:prstGeom>
+          <a:solidFill>
+            <a:schemeClr val="bg1"/>
+          </a:solidFill>
+          <a:ln w="25400" cap="flat" cmpd="sng" algn="ctr">
+            <a:solidFill>
+              <a:schemeClr val="tx1"/>
+            </a:solidFill>
+            <a:prstDash val="solid"/>
+            <a:round/>
+            <a:headEnd type="none" w="med" len="med"/>
+            <a:tailEnd type="none" w="med" len="med"/>
+          </a:ln>
+          <a:effectLst/>
+        </p:spPr>
+        <p:txBody>
+          <a:bodyPr vert="horz" wrap="square" lIns="91440" tIns="45720" rIns="91440" bIns="45720" numCol="1" rtlCol="0" anchor="ctr" anchorCtr="1" compatLnSpc="1">
+            <a:prstTxWarp prst="textNoShape">
+              <a:avLst/>
+            </a:prstTxWarp>
+          </a:bodyPr>
+          <a:lstStyle/>
+          <a:p>
+            <a:pPr marL="0" marR="0" indent="0" algn="l" defTabSz="914400" rtl="0" eaLnBrk="1" fontAlgn="base" latinLnBrk="0" hangingPunct="1">
+              <a:lnSpc>
+                <a:spcPct val="100000"/>
+              </a:lnSpc>
+              <a:spcBef>
+                <a:spcPct val="0"/>
+              </a:spcBef>
+              <a:spcAft>
+                <a:spcPct val="0"/>
+              </a:spcAft>
+              <a:buClrTx/>
+              <a:buSzTx/>
+              <a:buFontTx/>
+              <a:buNone/>
+              <a:tabLst/>
+            </a:pPr>
+            <a:r>
+              <a:rPr kumimoji="0" lang="ko-KR" altLang="en-US" sz="1400" b="0" i="0" u="none" strike="noStrike" cap="none" normalizeH="0" baseline="0">
+                <a:ln>
+                  <a:noFill/>
+                </a:ln>
+                <a:solidFill>
+                  <a:schemeClr val="tx1"/>
+                </a:solidFill>
+                <a:effectLst/>
+                <a:latin typeface="Arial" panose="020B0604020202020204" pitchFamily="34" charset="0"/>
+                <a:cs typeface="Arial" panose="020B0604020202020204" pitchFamily="34" charset="0"/>
+              </a:rPr>
+              <a:t>작업</a:t>
+            </a:r>
+            <a:endParaRPr kumimoji="0" lang="en-US" altLang="ko-KR" sz="1400" b="0" i="0" u="none" strike="noStrike" cap="none" normalizeH="0" baseline="0">
+              <a:ln>
+                <a:noFill/>
+              </a:ln>
+              <a:solidFill>
+                <a:schemeClr val="tx1"/>
+              </a:solidFill>
+              <a:effectLst/>
+              <a:latin typeface="Arial" panose="020B0604020202020204" pitchFamily="34" charset="0"/>
+              <a:cs typeface="Arial" panose="020B0604020202020204" pitchFamily="34" charset="0"/>
+            </a:endParaRPr>
+          </a:p>
+          <a:p>
+            <a:pPr marL="0" marR="0" indent="0" algn="l" defTabSz="914400" rtl="0" eaLnBrk="1" fontAlgn="base" latinLnBrk="0" hangingPunct="1">
+              <a:lnSpc>
+                <a:spcPct val="100000"/>
+              </a:lnSpc>
+              <a:spcBef>
+                <a:spcPct val="0"/>
+              </a:spcBef>
+              <a:spcAft>
+                <a:spcPct val="0"/>
+              </a:spcAft>
+              <a:buClrTx/>
+              <a:buSzTx/>
+              <a:buFontTx/>
+              <a:buNone/>
+              <a:tabLst/>
+            </a:pPr>
+            <a:r>
+              <a:rPr lang="ko-KR" altLang="en-US" sz="1400">
+                <a:cs typeface="Arial" panose="020B0604020202020204" pitchFamily="34" charset="0"/>
+              </a:rPr>
+              <a:t>스레드</a:t>
+            </a:r>
+            <a:endParaRPr kumimoji="0" lang="ko-KR" altLang="en-US" sz="1400" b="0" i="0" u="none" strike="noStrike" cap="none" normalizeH="0" baseline="0">
+              <a:ln>
+                <a:noFill/>
+              </a:ln>
+              <a:solidFill>
+                <a:schemeClr val="tx1"/>
+              </a:solidFill>
+              <a:effectLst/>
+              <a:latin typeface="Arial" panose="020B0604020202020204" pitchFamily="34" charset="0"/>
+              <a:cs typeface="Arial" panose="020B0604020202020204" pitchFamily="34" charset="0"/>
+            </a:endParaRPr>
+          </a:p>
+        </p:txBody>
+      </p:sp>
+      <p:sp>
+        <p:nvSpPr>
+          <p:cNvPr id="20" name="직사각형 19">
+            <a:extLst>
+              <a:ext uri="{FF2B5EF4-FFF2-40B4-BE49-F238E27FC236}">
+                <a16:creationId xmlns:a16="http://schemas.microsoft.com/office/drawing/2014/main" id="{BBBE09F3-7FB0-4E7C-8B2B-4E0A5213D0FB}"/>
+              </a:ext>
+            </a:extLst>
+          </p:cNvPr>
+          <p:cNvSpPr/>
+          <p:nvPr/>
+        </p:nvSpPr>
+        <p:spPr bwMode="auto">
+          <a:xfrm>
+            <a:off x="3364632" y="3030237"/>
+            <a:ext cx="725321" cy="1584176"/>
+          </a:xfrm>
+          <a:prstGeom prst="rect">
+            <a:avLst/>
+          </a:prstGeom>
+          <a:solidFill>
+            <a:schemeClr val="bg1"/>
+          </a:solidFill>
+          <a:ln w="25400" cap="flat" cmpd="sng" algn="ctr">
+            <a:solidFill>
+              <a:schemeClr val="tx1"/>
+            </a:solidFill>
+            <a:prstDash val="solid"/>
+            <a:round/>
+            <a:headEnd type="none" w="med" len="med"/>
+            <a:tailEnd type="none" w="med" len="med"/>
+          </a:ln>
+          <a:effectLst/>
+        </p:spPr>
+        <p:txBody>
+          <a:bodyPr vert="horz" wrap="square" lIns="91440" tIns="45720" rIns="91440" bIns="45720" numCol="1" rtlCol="0" anchor="ctr" anchorCtr="1" compatLnSpc="1">
+            <a:prstTxWarp prst="textNoShape">
+              <a:avLst/>
+            </a:prstTxWarp>
+          </a:bodyPr>
+          <a:lstStyle/>
+          <a:p>
+            <a:pPr marL="0" marR="0" indent="0" algn="l" defTabSz="914400" rtl="0" eaLnBrk="1" fontAlgn="base" latinLnBrk="0" hangingPunct="1">
+              <a:lnSpc>
+                <a:spcPct val="100000"/>
+              </a:lnSpc>
+              <a:spcBef>
+                <a:spcPct val="0"/>
+              </a:spcBef>
+              <a:spcAft>
+                <a:spcPct val="0"/>
+              </a:spcAft>
+              <a:buClrTx/>
+              <a:buSzTx/>
+              <a:buFontTx/>
+              <a:buNone/>
+              <a:tabLst/>
+            </a:pPr>
+            <a:r>
+              <a:rPr kumimoji="0" lang="ko-KR" altLang="en-US" sz="1400" b="0" i="0" u="none" strike="noStrike" cap="none" normalizeH="0" baseline="0">
+                <a:ln>
+                  <a:noFill/>
+                </a:ln>
+                <a:solidFill>
+                  <a:schemeClr val="tx1"/>
+                </a:solidFill>
+                <a:effectLst/>
+                <a:latin typeface="Arial" panose="020B0604020202020204" pitchFamily="34" charset="0"/>
+                <a:cs typeface="Arial" panose="020B0604020202020204" pitchFamily="34" charset="0"/>
+              </a:rPr>
+              <a:t>작업</a:t>
+            </a:r>
+            <a:endParaRPr kumimoji="0" lang="en-US" altLang="ko-KR" sz="1400" b="0" i="0" u="none" strike="noStrike" cap="none" normalizeH="0" baseline="0">
+              <a:ln>
+                <a:noFill/>
+              </a:ln>
+              <a:solidFill>
+                <a:schemeClr val="tx1"/>
+              </a:solidFill>
+              <a:effectLst/>
+              <a:latin typeface="Arial" panose="020B0604020202020204" pitchFamily="34" charset="0"/>
+              <a:cs typeface="Arial" panose="020B0604020202020204" pitchFamily="34" charset="0"/>
+            </a:endParaRPr>
+          </a:p>
+          <a:p>
+            <a:pPr marL="0" marR="0" indent="0" algn="l" defTabSz="914400" rtl="0" eaLnBrk="1" fontAlgn="base" latinLnBrk="0" hangingPunct="1">
+              <a:lnSpc>
+                <a:spcPct val="100000"/>
+              </a:lnSpc>
+              <a:spcBef>
+                <a:spcPct val="0"/>
+              </a:spcBef>
+              <a:spcAft>
+                <a:spcPct val="0"/>
+              </a:spcAft>
+              <a:buClrTx/>
+              <a:buSzTx/>
+              <a:buFontTx/>
+              <a:buNone/>
+              <a:tabLst/>
+            </a:pPr>
+            <a:r>
+              <a:rPr lang="ko-KR" altLang="en-US" sz="1400">
+                <a:cs typeface="Arial" panose="020B0604020202020204" pitchFamily="34" charset="0"/>
+              </a:rPr>
+              <a:t>스레드</a:t>
+            </a:r>
+            <a:endParaRPr kumimoji="0" lang="ko-KR" altLang="en-US" sz="1400" b="0" i="0" u="none" strike="noStrike" cap="none" normalizeH="0" baseline="0">
+              <a:ln>
+                <a:noFill/>
+              </a:ln>
+              <a:solidFill>
+                <a:schemeClr val="tx1"/>
+              </a:solidFill>
+              <a:effectLst/>
+              <a:latin typeface="Arial" panose="020B0604020202020204" pitchFamily="34" charset="0"/>
+              <a:cs typeface="Arial" panose="020B0604020202020204" pitchFamily="34" charset="0"/>
+            </a:endParaRPr>
+          </a:p>
+        </p:txBody>
+      </p:sp>
+      <p:cxnSp>
+        <p:nvCxnSpPr>
+          <p:cNvPr id="4" name="직선 연결선 3">
+            <a:extLst>
+              <a:ext uri="{FF2B5EF4-FFF2-40B4-BE49-F238E27FC236}">
+                <a16:creationId xmlns:a16="http://schemas.microsoft.com/office/drawing/2014/main" id="{C80D6F92-3F3A-4F5B-B4D0-28FAFF684527}"/>
+              </a:ext>
+            </a:extLst>
+          </p:cNvPr>
+          <p:cNvCxnSpPr>
+            <a:stCxn id="11" idx="2"/>
+          </p:cNvCxnSpPr>
+          <p:nvPr/>
+        </p:nvCxnSpPr>
+        <p:spPr bwMode="auto">
+          <a:xfrm>
+            <a:off x="4680484" y="1718524"/>
+            <a:ext cx="0" cy="4878828"/>
+          </a:xfrm>
+          <a:prstGeom prst="line">
+            <a:avLst/>
+          </a:prstGeom>
+          <a:solidFill>
+            <a:schemeClr val="accent1"/>
+          </a:solidFill>
+          <a:ln w="9525" cap="flat" cmpd="sng" algn="ctr">
+            <a:solidFill>
+              <a:schemeClr val="tx1"/>
+            </a:solidFill>
+            <a:prstDash val="solid"/>
+            <a:round/>
+            <a:headEnd type="none" w="med" len="med"/>
+            <a:tailEnd type="none" w="med" len="med"/>
+          </a:ln>
+          <a:effectLst/>
+          <a:extLst>
+            <a:ext uri="{AF507438-7753-43E0-B8FC-AC1667EBCBE1}">
+              <a14:hiddenEffects xmlns:a14="http://schemas.microsoft.com/office/drawing/2010/main">
+                <a:effectLst>
+                  <a:outerShdw dist="35921" dir="2700000" algn="ctr" rotWithShape="0">
+                    <a:schemeClr val="bg2"/>
+                  </a:outerShdw>
+                </a:effectLst>
+              </a14:hiddenEffects>
+            </a:ext>
+          </a:extLst>
+        </p:spPr>
+      </p:cxnSp>
+      <p:sp>
+        <p:nvSpPr>
+          <p:cNvPr id="25" name="직사각형 24">
+            <a:extLst>
+              <a:ext uri="{FF2B5EF4-FFF2-40B4-BE49-F238E27FC236}">
+                <a16:creationId xmlns:a16="http://schemas.microsoft.com/office/drawing/2014/main" id="{6A852B20-750C-4CCC-91C4-4627ED207E53}"/>
+              </a:ext>
+            </a:extLst>
+          </p:cNvPr>
+          <p:cNvSpPr/>
+          <p:nvPr/>
+        </p:nvSpPr>
+        <p:spPr bwMode="auto">
+          <a:xfrm>
+            <a:off x="3517032" y="3182637"/>
+            <a:ext cx="725321" cy="1584176"/>
+          </a:xfrm>
+          <a:prstGeom prst="rect">
+            <a:avLst/>
+          </a:prstGeom>
+          <a:solidFill>
+            <a:schemeClr val="bg1"/>
+          </a:solidFill>
+          <a:ln w="25400" cap="flat" cmpd="sng" algn="ctr">
+            <a:solidFill>
+              <a:schemeClr val="tx1"/>
+            </a:solidFill>
+            <a:prstDash val="solid"/>
+            <a:round/>
+            <a:headEnd type="none" w="med" len="med"/>
+            <a:tailEnd type="none" w="med" len="med"/>
+          </a:ln>
+          <a:effectLst/>
+        </p:spPr>
+        <p:txBody>
+          <a:bodyPr vert="horz" wrap="square" lIns="91440" tIns="45720" rIns="91440" bIns="45720" numCol="1" rtlCol="0" anchor="ctr" anchorCtr="1" compatLnSpc="1">
+            <a:prstTxWarp prst="textNoShape">
+              <a:avLst/>
+            </a:prstTxWarp>
+          </a:bodyPr>
+          <a:lstStyle/>
+          <a:p>
+            <a:pPr marL="0" marR="0" indent="0" algn="l" defTabSz="914400" rtl="0" eaLnBrk="1" fontAlgn="base" latinLnBrk="0" hangingPunct="1">
+              <a:lnSpc>
+                <a:spcPct val="100000"/>
+              </a:lnSpc>
+              <a:spcBef>
+                <a:spcPct val="0"/>
+              </a:spcBef>
+              <a:spcAft>
+                <a:spcPct val="0"/>
+              </a:spcAft>
+              <a:buClrTx/>
+              <a:buSzTx/>
+              <a:buFontTx/>
+              <a:buNone/>
+              <a:tabLst/>
+            </a:pPr>
+            <a:r>
+              <a:rPr kumimoji="0" lang="ko-KR" altLang="en-US" sz="1400" b="0" i="0" u="none" strike="noStrike" cap="none" normalizeH="0" baseline="0">
+                <a:ln>
+                  <a:noFill/>
+                </a:ln>
+                <a:solidFill>
+                  <a:schemeClr val="tx1"/>
+                </a:solidFill>
+                <a:effectLst/>
+                <a:latin typeface="Arial" panose="020B0604020202020204" pitchFamily="34" charset="0"/>
+                <a:cs typeface="Arial" panose="020B0604020202020204" pitchFamily="34" charset="0"/>
+              </a:rPr>
+              <a:t>작업</a:t>
+            </a:r>
+            <a:endParaRPr kumimoji="0" lang="en-US" altLang="ko-KR" sz="1400" b="0" i="0" u="none" strike="noStrike" cap="none" normalizeH="0" baseline="0">
+              <a:ln>
+                <a:noFill/>
+              </a:ln>
+              <a:solidFill>
+                <a:schemeClr val="tx1"/>
+              </a:solidFill>
+              <a:effectLst/>
+              <a:latin typeface="Arial" panose="020B0604020202020204" pitchFamily="34" charset="0"/>
+              <a:cs typeface="Arial" panose="020B0604020202020204" pitchFamily="34" charset="0"/>
+            </a:endParaRPr>
+          </a:p>
+          <a:p>
+            <a:pPr marL="0" marR="0" indent="0" algn="l" defTabSz="914400" rtl="0" eaLnBrk="1" fontAlgn="base" latinLnBrk="0" hangingPunct="1">
+              <a:lnSpc>
+                <a:spcPct val="100000"/>
+              </a:lnSpc>
+              <a:spcBef>
+                <a:spcPct val="0"/>
+              </a:spcBef>
+              <a:spcAft>
+                <a:spcPct val="0"/>
+              </a:spcAft>
+              <a:buClrTx/>
+              <a:buSzTx/>
+              <a:buFontTx/>
+              <a:buNone/>
+              <a:tabLst/>
+            </a:pPr>
+            <a:r>
+              <a:rPr lang="ko-KR" altLang="en-US" sz="1400">
+                <a:cs typeface="Arial" panose="020B0604020202020204" pitchFamily="34" charset="0"/>
+              </a:rPr>
+              <a:t>스레드</a:t>
+            </a:r>
+            <a:endParaRPr kumimoji="0" lang="ko-KR" altLang="en-US" sz="1400" b="0" i="0" u="none" strike="noStrike" cap="none" normalizeH="0" baseline="0">
+              <a:ln>
+                <a:noFill/>
+              </a:ln>
+              <a:solidFill>
+                <a:schemeClr val="tx1"/>
+              </a:solidFill>
+              <a:effectLst/>
+              <a:latin typeface="Arial" panose="020B0604020202020204" pitchFamily="34" charset="0"/>
+              <a:cs typeface="Arial" panose="020B0604020202020204" pitchFamily="34" charset="0"/>
+            </a:endParaRPr>
+          </a:p>
+        </p:txBody>
+      </p:sp>
+      <p:sp>
+        <p:nvSpPr>
+          <p:cNvPr id="26" name="직사각형 25">
+            <a:extLst>
+              <a:ext uri="{FF2B5EF4-FFF2-40B4-BE49-F238E27FC236}">
+                <a16:creationId xmlns:a16="http://schemas.microsoft.com/office/drawing/2014/main" id="{9359B8AA-56D9-4CEB-9E41-5B2EB1A44F54}"/>
+              </a:ext>
+            </a:extLst>
+          </p:cNvPr>
+          <p:cNvSpPr/>
+          <p:nvPr/>
+        </p:nvSpPr>
+        <p:spPr bwMode="auto">
+          <a:xfrm>
+            <a:off x="3669432" y="3335037"/>
+            <a:ext cx="725321" cy="1584176"/>
+          </a:xfrm>
+          <a:prstGeom prst="rect">
+            <a:avLst/>
+          </a:prstGeom>
+          <a:solidFill>
+            <a:schemeClr val="bg1"/>
+          </a:solidFill>
+          <a:ln w="25400" cap="flat" cmpd="sng" algn="ctr">
+            <a:solidFill>
+              <a:schemeClr val="tx1"/>
+            </a:solidFill>
+            <a:prstDash val="solid"/>
+            <a:round/>
+            <a:headEnd type="none" w="med" len="med"/>
+            <a:tailEnd type="none" w="med" len="med"/>
+          </a:ln>
+          <a:effectLst/>
+        </p:spPr>
+        <p:txBody>
+          <a:bodyPr vert="horz" wrap="square" lIns="91440" tIns="45720" rIns="91440" bIns="45720" numCol="1" rtlCol="0" anchor="ctr" anchorCtr="1" compatLnSpc="1">
+            <a:prstTxWarp prst="textNoShape">
+              <a:avLst/>
+            </a:prstTxWarp>
+          </a:bodyPr>
+          <a:lstStyle/>
+          <a:p>
+            <a:pPr marL="0" marR="0" indent="0" algn="l" defTabSz="914400" rtl="0" eaLnBrk="1" fontAlgn="base" latinLnBrk="0" hangingPunct="1">
+              <a:lnSpc>
+                <a:spcPct val="100000"/>
+              </a:lnSpc>
+              <a:spcBef>
+                <a:spcPct val="0"/>
+              </a:spcBef>
+              <a:spcAft>
+                <a:spcPct val="0"/>
+              </a:spcAft>
+              <a:buClrTx/>
+              <a:buSzTx/>
+              <a:buFontTx/>
+              <a:buNone/>
+              <a:tabLst/>
+            </a:pPr>
+            <a:r>
+              <a:rPr kumimoji="0" lang="ko-KR" altLang="en-US" sz="1400" b="0" i="0" u="none" strike="noStrike" cap="none" normalizeH="0" baseline="0">
+                <a:ln>
+                  <a:noFill/>
+                </a:ln>
+                <a:solidFill>
+                  <a:schemeClr val="tx1"/>
+                </a:solidFill>
+                <a:effectLst/>
+                <a:latin typeface="Arial" panose="020B0604020202020204" pitchFamily="34" charset="0"/>
+                <a:cs typeface="Arial" panose="020B0604020202020204" pitchFamily="34" charset="0"/>
+              </a:rPr>
+              <a:t>작업</a:t>
+            </a:r>
+            <a:endParaRPr kumimoji="0" lang="en-US" altLang="ko-KR" sz="1400" b="0" i="0" u="none" strike="noStrike" cap="none" normalizeH="0" baseline="0">
+              <a:ln>
+                <a:noFill/>
+              </a:ln>
+              <a:solidFill>
+                <a:schemeClr val="tx1"/>
+              </a:solidFill>
+              <a:effectLst/>
+              <a:latin typeface="Arial" panose="020B0604020202020204" pitchFamily="34" charset="0"/>
+              <a:cs typeface="Arial" panose="020B0604020202020204" pitchFamily="34" charset="0"/>
+            </a:endParaRPr>
+          </a:p>
+          <a:p>
+            <a:pPr marL="0" marR="0" indent="0" algn="l" defTabSz="914400" rtl="0" eaLnBrk="1" fontAlgn="base" latinLnBrk="0" hangingPunct="1">
+              <a:lnSpc>
+                <a:spcPct val="100000"/>
+              </a:lnSpc>
+              <a:spcBef>
+                <a:spcPct val="0"/>
+              </a:spcBef>
+              <a:spcAft>
+                <a:spcPct val="0"/>
+              </a:spcAft>
+              <a:buClrTx/>
+              <a:buSzTx/>
+              <a:buFontTx/>
+              <a:buNone/>
+              <a:tabLst/>
+            </a:pPr>
+            <a:r>
+              <a:rPr lang="ko-KR" altLang="en-US" sz="1400">
+                <a:cs typeface="Arial" panose="020B0604020202020204" pitchFamily="34" charset="0"/>
+              </a:rPr>
+              <a:t>스레드</a:t>
+            </a:r>
+            <a:endParaRPr kumimoji="0" lang="ko-KR" altLang="en-US" sz="1400" b="0" i="0" u="none" strike="noStrike" cap="none" normalizeH="0" baseline="0">
+              <a:ln>
+                <a:noFill/>
+              </a:ln>
+              <a:solidFill>
+                <a:schemeClr val="tx1"/>
+              </a:solidFill>
+              <a:effectLst/>
+              <a:latin typeface="Arial" panose="020B0604020202020204" pitchFamily="34" charset="0"/>
+              <a:cs typeface="Arial" panose="020B0604020202020204" pitchFamily="34" charset="0"/>
+            </a:endParaRPr>
+          </a:p>
+        </p:txBody>
+      </p:sp>
+      <p:sp>
+        <p:nvSpPr>
+          <p:cNvPr id="31" name="직사각형 30">
+            <a:extLst>
+              <a:ext uri="{FF2B5EF4-FFF2-40B4-BE49-F238E27FC236}">
+                <a16:creationId xmlns:a16="http://schemas.microsoft.com/office/drawing/2014/main" id="{278C0B20-E38A-4B8D-8C32-4AB3AF5023C3}"/>
+              </a:ext>
+            </a:extLst>
+          </p:cNvPr>
+          <p:cNvSpPr/>
+          <p:nvPr/>
+        </p:nvSpPr>
+        <p:spPr bwMode="auto">
+          <a:xfrm>
+            <a:off x="6554180" y="2697649"/>
+            <a:ext cx="725321" cy="1584176"/>
+          </a:xfrm>
+          <a:prstGeom prst="rect">
+            <a:avLst/>
+          </a:prstGeom>
+          <a:solidFill>
+            <a:schemeClr val="bg1"/>
+          </a:solidFill>
+          <a:ln w="25400" cap="flat" cmpd="sng" algn="ctr">
+            <a:solidFill>
+              <a:schemeClr val="tx1"/>
+            </a:solidFill>
+            <a:prstDash val="solid"/>
+            <a:round/>
+            <a:headEnd type="none" w="med" len="med"/>
+            <a:tailEnd type="none" w="med" len="med"/>
+          </a:ln>
+          <a:effectLst/>
+        </p:spPr>
+        <p:txBody>
+          <a:bodyPr vert="horz" wrap="square" lIns="91440" tIns="45720" rIns="91440" bIns="45720" numCol="1" rtlCol="0" anchor="ctr" anchorCtr="1" compatLnSpc="1">
+            <a:prstTxWarp prst="textNoShape">
+              <a:avLst/>
+            </a:prstTxWarp>
+          </a:bodyPr>
+          <a:lstStyle/>
+          <a:p>
+            <a:pPr marL="0" marR="0" indent="0" algn="l" defTabSz="914400" rtl="0" eaLnBrk="1" fontAlgn="base" latinLnBrk="0" hangingPunct="1">
+              <a:lnSpc>
+                <a:spcPct val="100000"/>
+              </a:lnSpc>
+              <a:spcBef>
+                <a:spcPct val="0"/>
+              </a:spcBef>
+              <a:spcAft>
+                <a:spcPct val="0"/>
+              </a:spcAft>
+              <a:buClrTx/>
+              <a:buSzTx/>
+              <a:buFontTx/>
+              <a:buNone/>
+              <a:tabLst/>
+            </a:pPr>
+            <a:r>
+              <a:rPr lang="ko-KR" altLang="en-US" sz="1400">
+                <a:cs typeface="Arial" panose="020B0604020202020204" pitchFamily="34" charset="0"/>
+              </a:rPr>
+              <a:t>접속</a:t>
+            </a:r>
+            <a:endParaRPr kumimoji="0" lang="en-US" altLang="ko-KR" sz="1400" b="0" i="0" u="none" strike="noStrike" cap="none" normalizeH="0" baseline="0">
+              <a:ln>
+                <a:noFill/>
+              </a:ln>
+              <a:solidFill>
+                <a:schemeClr val="tx1"/>
+              </a:solidFill>
+              <a:effectLst/>
+              <a:latin typeface="Arial" panose="020B0604020202020204" pitchFamily="34" charset="0"/>
+              <a:cs typeface="Arial" panose="020B0604020202020204" pitchFamily="34" charset="0"/>
+            </a:endParaRPr>
+          </a:p>
+          <a:p>
+            <a:pPr marL="0" marR="0" indent="0" algn="l" defTabSz="914400" rtl="0" eaLnBrk="1" fontAlgn="base" latinLnBrk="0" hangingPunct="1">
+              <a:lnSpc>
+                <a:spcPct val="100000"/>
+              </a:lnSpc>
+              <a:spcBef>
+                <a:spcPct val="0"/>
+              </a:spcBef>
+              <a:spcAft>
+                <a:spcPct val="0"/>
+              </a:spcAft>
+              <a:buClrTx/>
+              <a:buSzTx/>
+              <a:buFontTx/>
+              <a:buNone/>
+              <a:tabLst/>
+            </a:pPr>
+            <a:r>
+              <a:rPr lang="ko-KR" altLang="en-US" sz="1400">
+                <a:cs typeface="Arial" panose="020B0604020202020204" pitchFamily="34" charset="0"/>
+              </a:rPr>
+              <a:t>스레드</a:t>
+            </a:r>
+            <a:endParaRPr kumimoji="0" lang="ko-KR" altLang="en-US" sz="1400" b="0" i="0" u="none" strike="noStrike" cap="none" normalizeH="0" baseline="0">
+              <a:ln>
+                <a:noFill/>
+              </a:ln>
+              <a:solidFill>
+                <a:schemeClr val="tx1"/>
+              </a:solidFill>
+              <a:effectLst/>
+              <a:latin typeface="Arial" panose="020B0604020202020204" pitchFamily="34" charset="0"/>
+              <a:cs typeface="Arial" panose="020B0604020202020204" pitchFamily="34" charset="0"/>
+            </a:endParaRPr>
+          </a:p>
+        </p:txBody>
+      </p:sp>
+      <p:sp>
+        <p:nvSpPr>
+          <p:cNvPr id="35" name="직사각형 34">
+            <a:extLst>
+              <a:ext uri="{FF2B5EF4-FFF2-40B4-BE49-F238E27FC236}">
+                <a16:creationId xmlns:a16="http://schemas.microsoft.com/office/drawing/2014/main" id="{EA0CF623-AEA1-4BBF-888A-6530654BC6A9}"/>
+              </a:ext>
+            </a:extLst>
+          </p:cNvPr>
+          <p:cNvSpPr/>
+          <p:nvPr/>
+        </p:nvSpPr>
+        <p:spPr bwMode="auto">
+          <a:xfrm>
+            <a:off x="7842161" y="2697649"/>
+            <a:ext cx="725321" cy="1584176"/>
+          </a:xfrm>
+          <a:prstGeom prst="rect">
+            <a:avLst/>
+          </a:prstGeom>
+          <a:solidFill>
+            <a:schemeClr val="bg1"/>
+          </a:solidFill>
+          <a:ln w="25400" cap="flat" cmpd="sng" algn="ctr">
+            <a:solidFill>
+              <a:schemeClr val="tx1"/>
+            </a:solidFill>
+            <a:prstDash val="solid"/>
+            <a:round/>
+            <a:headEnd type="none" w="med" len="med"/>
+            <a:tailEnd type="none" w="med" len="med"/>
+          </a:ln>
+          <a:effectLst/>
+        </p:spPr>
+        <p:txBody>
+          <a:bodyPr vert="horz" wrap="square" lIns="91440" tIns="45720" rIns="91440" bIns="45720" numCol="1" rtlCol="0" anchor="ctr" anchorCtr="1" compatLnSpc="1">
+            <a:prstTxWarp prst="textNoShape">
+              <a:avLst/>
+            </a:prstTxWarp>
+          </a:bodyPr>
+          <a:lstStyle/>
+          <a:p>
+            <a:pPr marL="0" marR="0" indent="0" algn="l" defTabSz="914400" rtl="0" eaLnBrk="1" fontAlgn="base" latinLnBrk="0" hangingPunct="1">
+              <a:lnSpc>
+                <a:spcPct val="100000"/>
+              </a:lnSpc>
+              <a:spcBef>
+                <a:spcPct val="0"/>
+              </a:spcBef>
+              <a:spcAft>
+                <a:spcPct val="0"/>
+              </a:spcAft>
+              <a:buClrTx/>
+              <a:buSzTx/>
+              <a:buFontTx/>
+              <a:buNone/>
+              <a:tabLst/>
+            </a:pPr>
+            <a:r>
+              <a:rPr kumimoji="0" lang="ko-KR" altLang="en-US" sz="1400" b="0" i="0" u="none" strike="noStrike" cap="none" normalizeH="0" baseline="0">
+                <a:ln>
+                  <a:noFill/>
+                </a:ln>
+                <a:solidFill>
+                  <a:schemeClr val="tx1"/>
+                </a:solidFill>
+                <a:effectLst/>
+                <a:latin typeface="Arial" panose="020B0604020202020204" pitchFamily="34" charset="0"/>
+                <a:cs typeface="Arial" panose="020B0604020202020204" pitchFamily="34" charset="0"/>
+              </a:rPr>
+              <a:t>작업</a:t>
+            </a:r>
+            <a:endParaRPr kumimoji="0" lang="en-US" altLang="ko-KR" sz="1400" b="0" i="0" u="none" strike="noStrike" cap="none" normalizeH="0" baseline="0">
+              <a:ln>
+                <a:noFill/>
+              </a:ln>
+              <a:solidFill>
+                <a:schemeClr val="tx1"/>
+              </a:solidFill>
+              <a:effectLst/>
+              <a:latin typeface="Arial" panose="020B0604020202020204" pitchFamily="34" charset="0"/>
+              <a:cs typeface="Arial" panose="020B0604020202020204" pitchFamily="34" charset="0"/>
+            </a:endParaRPr>
+          </a:p>
+          <a:p>
+            <a:pPr marL="0" marR="0" indent="0" algn="l" defTabSz="914400" rtl="0" eaLnBrk="1" fontAlgn="base" latinLnBrk="0" hangingPunct="1">
+              <a:lnSpc>
+                <a:spcPct val="100000"/>
+              </a:lnSpc>
+              <a:spcBef>
+                <a:spcPct val="0"/>
+              </a:spcBef>
+              <a:spcAft>
+                <a:spcPct val="0"/>
+              </a:spcAft>
+              <a:buClrTx/>
+              <a:buSzTx/>
+              <a:buFontTx/>
+              <a:buNone/>
+              <a:tabLst/>
+            </a:pPr>
+            <a:r>
+              <a:rPr lang="ko-KR" altLang="en-US" sz="1400">
+                <a:cs typeface="Arial" panose="020B0604020202020204" pitchFamily="34" charset="0"/>
+              </a:rPr>
+              <a:t>스레드</a:t>
+            </a:r>
+            <a:endParaRPr kumimoji="0" lang="ko-KR" altLang="en-US" sz="1400" b="0" i="0" u="none" strike="noStrike" cap="none" normalizeH="0" baseline="0">
+              <a:ln>
+                <a:noFill/>
+              </a:ln>
+              <a:solidFill>
+                <a:schemeClr val="tx1"/>
+              </a:solidFill>
+              <a:effectLst/>
+              <a:latin typeface="Arial" panose="020B0604020202020204" pitchFamily="34" charset="0"/>
+              <a:cs typeface="Arial" panose="020B0604020202020204" pitchFamily="34" charset="0"/>
+            </a:endParaRPr>
+          </a:p>
+        </p:txBody>
+      </p:sp>
+      <p:sp>
+        <p:nvSpPr>
+          <p:cNvPr id="36" name="직사각형 35">
+            <a:extLst>
+              <a:ext uri="{FF2B5EF4-FFF2-40B4-BE49-F238E27FC236}">
+                <a16:creationId xmlns:a16="http://schemas.microsoft.com/office/drawing/2014/main" id="{4A623216-84EF-4BBE-B15F-A9C5506ED5B4}"/>
+              </a:ext>
+            </a:extLst>
+          </p:cNvPr>
+          <p:cNvSpPr/>
+          <p:nvPr/>
+        </p:nvSpPr>
+        <p:spPr bwMode="auto">
+          <a:xfrm>
+            <a:off x="7994561" y="2850049"/>
+            <a:ext cx="725321" cy="1584176"/>
+          </a:xfrm>
+          <a:prstGeom prst="rect">
+            <a:avLst/>
+          </a:prstGeom>
+          <a:solidFill>
+            <a:schemeClr val="bg1"/>
+          </a:solidFill>
+          <a:ln w="25400" cap="flat" cmpd="sng" algn="ctr">
+            <a:solidFill>
+              <a:schemeClr val="tx1"/>
+            </a:solidFill>
+            <a:prstDash val="solid"/>
+            <a:round/>
+            <a:headEnd type="none" w="med" len="med"/>
+            <a:tailEnd type="none" w="med" len="med"/>
+          </a:ln>
+          <a:effectLst/>
+        </p:spPr>
+        <p:txBody>
+          <a:bodyPr vert="horz" wrap="square" lIns="91440" tIns="45720" rIns="91440" bIns="45720" numCol="1" rtlCol="0" anchor="ctr" anchorCtr="1" compatLnSpc="1">
+            <a:prstTxWarp prst="textNoShape">
+              <a:avLst/>
+            </a:prstTxWarp>
+          </a:bodyPr>
+          <a:lstStyle/>
+          <a:p>
+            <a:pPr marL="0" marR="0" indent="0" algn="l" defTabSz="914400" rtl="0" eaLnBrk="1" fontAlgn="base" latinLnBrk="0" hangingPunct="1">
+              <a:lnSpc>
+                <a:spcPct val="100000"/>
+              </a:lnSpc>
+              <a:spcBef>
+                <a:spcPct val="0"/>
+              </a:spcBef>
+              <a:spcAft>
+                <a:spcPct val="0"/>
+              </a:spcAft>
+              <a:buClrTx/>
+              <a:buSzTx/>
+              <a:buFontTx/>
+              <a:buNone/>
+              <a:tabLst/>
+            </a:pPr>
+            <a:r>
+              <a:rPr kumimoji="0" lang="ko-KR" altLang="en-US" sz="1400" b="0" i="0" u="none" strike="noStrike" cap="none" normalizeH="0" baseline="0">
+                <a:ln>
+                  <a:noFill/>
+                </a:ln>
+                <a:solidFill>
+                  <a:schemeClr val="tx1"/>
+                </a:solidFill>
+                <a:effectLst/>
+                <a:latin typeface="Arial" panose="020B0604020202020204" pitchFamily="34" charset="0"/>
+                <a:cs typeface="Arial" panose="020B0604020202020204" pitchFamily="34" charset="0"/>
+              </a:rPr>
+              <a:t>작업</a:t>
+            </a:r>
+            <a:endParaRPr kumimoji="0" lang="en-US" altLang="ko-KR" sz="1400" b="0" i="0" u="none" strike="noStrike" cap="none" normalizeH="0" baseline="0">
+              <a:ln>
+                <a:noFill/>
+              </a:ln>
+              <a:solidFill>
+                <a:schemeClr val="tx1"/>
+              </a:solidFill>
+              <a:effectLst/>
+              <a:latin typeface="Arial" panose="020B0604020202020204" pitchFamily="34" charset="0"/>
+              <a:cs typeface="Arial" panose="020B0604020202020204" pitchFamily="34" charset="0"/>
+            </a:endParaRPr>
+          </a:p>
+          <a:p>
+            <a:pPr marL="0" marR="0" indent="0" algn="l" defTabSz="914400" rtl="0" eaLnBrk="1" fontAlgn="base" latinLnBrk="0" hangingPunct="1">
+              <a:lnSpc>
+                <a:spcPct val="100000"/>
+              </a:lnSpc>
+              <a:spcBef>
+                <a:spcPct val="0"/>
+              </a:spcBef>
+              <a:spcAft>
+                <a:spcPct val="0"/>
+              </a:spcAft>
+              <a:buClrTx/>
+              <a:buSzTx/>
+              <a:buFontTx/>
+              <a:buNone/>
+              <a:tabLst/>
+            </a:pPr>
+            <a:r>
+              <a:rPr lang="ko-KR" altLang="en-US" sz="1400">
+                <a:cs typeface="Arial" panose="020B0604020202020204" pitchFamily="34" charset="0"/>
+              </a:rPr>
+              <a:t>스레드</a:t>
+            </a:r>
+            <a:endParaRPr kumimoji="0" lang="ko-KR" altLang="en-US" sz="1400" b="0" i="0" u="none" strike="noStrike" cap="none" normalizeH="0" baseline="0">
+              <a:ln>
+                <a:noFill/>
+              </a:ln>
+              <a:solidFill>
+                <a:schemeClr val="tx1"/>
+              </a:solidFill>
+              <a:effectLst/>
+              <a:latin typeface="Arial" panose="020B0604020202020204" pitchFamily="34" charset="0"/>
+              <a:cs typeface="Arial" panose="020B0604020202020204" pitchFamily="34" charset="0"/>
+            </a:endParaRPr>
+          </a:p>
+        </p:txBody>
+      </p:sp>
+      <p:sp>
+        <p:nvSpPr>
+          <p:cNvPr id="37" name="직사각형 36">
+            <a:extLst>
+              <a:ext uri="{FF2B5EF4-FFF2-40B4-BE49-F238E27FC236}">
+                <a16:creationId xmlns:a16="http://schemas.microsoft.com/office/drawing/2014/main" id="{FE26D9A9-750C-4502-8E59-32FAC4467620}"/>
+              </a:ext>
+            </a:extLst>
+          </p:cNvPr>
+          <p:cNvSpPr/>
+          <p:nvPr/>
+        </p:nvSpPr>
+        <p:spPr bwMode="auto">
+          <a:xfrm>
+            <a:off x="8146961" y="3002449"/>
+            <a:ext cx="725321" cy="1584176"/>
+          </a:xfrm>
+          <a:prstGeom prst="rect">
+            <a:avLst/>
+          </a:prstGeom>
+          <a:solidFill>
+            <a:schemeClr val="bg1"/>
+          </a:solidFill>
+          <a:ln w="25400" cap="flat" cmpd="sng" algn="ctr">
+            <a:solidFill>
+              <a:schemeClr val="tx1"/>
+            </a:solidFill>
+            <a:prstDash val="solid"/>
+            <a:round/>
+            <a:headEnd type="none" w="med" len="med"/>
+            <a:tailEnd type="none" w="med" len="med"/>
+          </a:ln>
+          <a:effectLst/>
+        </p:spPr>
+        <p:txBody>
+          <a:bodyPr vert="horz" wrap="square" lIns="91440" tIns="45720" rIns="91440" bIns="45720" numCol="1" rtlCol="0" anchor="ctr" anchorCtr="1" compatLnSpc="1">
+            <a:prstTxWarp prst="textNoShape">
+              <a:avLst/>
+            </a:prstTxWarp>
+          </a:bodyPr>
+          <a:lstStyle/>
+          <a:p>
+            <a:pPr marL="0" marR="0" indent="0" algn="l" defTabSz="914400" rtl="0" eaLnBrk="1" fontAlgn="base" latinLnBrk="0" hangingPunct="1">
+              <a:lnSpc>
+                <a:spcPct val="100000"/>
+              </a:lnSpc>
+              <a:spcBef>
+                <a:spcPct val="0"/>
+              </a:spcBef>
+              <a:spcAft>
+                <a:spcPct val="0"/>
+              </a:spcAft>
+              <a:buClrTx/>
+              <a:buSzTx/>
+              <a:buFontTx/>
+              <a:buNone/>
+              <a:tabLst/>
+            </a:pPr>
+            <a:r>
+              <a:rPr kumimoji="0" lang="ko-KR" altLang="en-US" sz="1400" b="0" i="0" u="none" strike="noStrike" cap="none" normalizeH="0" baseline="0">
+                <a:ln>
+                  <a:noFill/>
+                </a:ln>
+                <a:solidFill>
+                  <a:schemeClr val="tx1"/>
+                </a:solidFill>
+                <a:effectLst/>
+                <a:latin typeface="Arial" panose="020B0604020202020204" pitchFamily="34" charset="0"/>
+                <a:cs typeface="Arial" panose="020B0604020202020204" pitchFamily="34" charset="0"/>
+              </a:rPr>
+              <a:t>작업</a:t>
+            </a:r>
+            <a:endParaRPr kumimoji="0" lang="en-US" altLang="ko-KR" sz="1400" b="0" i="0" u="none" strike="noStrike" cap="none" normalizeH="0" baseline="0">
+              <a:ln>
+                <a:noFill/>
+              </a:ln>
+              <a:solidFill>
+                <a:schemeClr val="tx1"/>
+              </a:solidFill>
+              <a:effectLst/>
+              <a:latin typeface="Arial" panose="020B0604020202020204" pitchFamily="34" charset="0"/>
+              <a:cs typeface="Arial" panose="020B0604020202020204" pitchFamily="34" charset="0"/>
+            </a:endParaRPr>
+          </a:p>
+          <a:p>
+            <a:pPr marL="0" marR="0" indent="0" algn="l" defTabSz="914400" rtl="0" eaLnBrk="1" fontAlgn="base" latinLnBrk="0" hangingPunct="1">
+              <a:lnSpc>
+                <a:spcPct val="100000"/>
+              </a:lnSpc>
+              <a:spcBef>
+                <a:spcPct val="0"/>
+              </a:spcBef>
+              <a:spcAft>
+                <a:spcPct val="0"/>
+              </a:spcAft>
+              <a:buClrTx/>
+              <a:buSzTx/>
+              <a:buFontTx/>
+              <a:buNone/>
+              <a:tabLst/>
+            </a:pPr>
+            <a:r>
+              <a:rPr lang="ko-KR" altLang="en-US" sz="1400">
+                <a:cs typeface="Arial" panose="020B0604020202020204" pitchFamily="34" charset="0"/>
+              </a:rPr>
+              <a:t>스레드</a:t>
+            </a:r>
+            <a:endParaRPr kumimoji="0" lang="ko-KR" altLang="en-US" sz="1400" b="0" i="0" u="none" strike="noStrike" cap="none" normalizeH="0" baseline="0">
+              <a:ln>
+                <a:noFill/>
+              </a:ln>
+              <a:solidFill>
+                <a:schemeClr val="tx1"/>
+              </a:solidFill>
+              <a:effectLst/>
+              <a:latin typeface="Arial" panose="020B0604020202020204" pitchFamily="34" charset="0"/>
+              <a:cs typeface="Arial" panose="020B0604020202020204" pitchFamily="34" charset="0"/>
+            </a:endParaRPr>
+          </a:p>
+        </p:txBody>
+      </p:sp>
+      <p:sp>
+        <p:nvSpPr>
+          <p:cNvPr id="38" name="직사각형 37">
+            <a:extLst>
+              <a:ext uri="{FF2B5EF4-FFF2-40B4-BE49-F238E27FC236}">
+                <a16:creationId xmlns:a16="http://schemas.microsoft.com/office/drawing/2014/main" id="{0E5DCFE8-B139-4EA7-955E-36D7111C047D}"/>
+              </a:ext>
+            </a:extLst>
+          </p:cNvPr>
+          <p:cNvSpPr/>
+          <p:nvPr/>
+        </p:nvSpPr>
+        <p:spPr bwMode="auto">
+          <a:xfrm>
+            <a:off x="115070" y="2706147"/>
+            <a:ext cx="648072" cy="1584176"/>
+          </a:xfrm>
+          <a:prstGeom prst="rect">
+            <a:avLst/>
+          </a:prstGeom>
+          <a:solidFill>
+            <a:schemeClr val="bg1"/>
+          </a:solidFill>
+          <a:ln w="25400" cap="flat" cmpd="sng" algn="ctr">
+            <a:solidFill>
+              <a:schemeClr val="tx1"/>
+            </a:solidFill>
+            <a:prstDash val="solid"/>
+            <a:round/>
+            <a:headEnd type="none" w="med" len="med"/>
+            <a:tailEnd type="none" w="med" len="med"/>
+          </a:ln>
+          <a:effectLst/>
+        </p:spPr>
+        <p:txBody>
+          <a:bodyPr vert="horz" wrap="square" lIns="91440" tIns="45720" rIns="91440" bIns="45720" numCol="1" rtlCol="0" anchor="ctr" anchorCtr="1" compatLnSpc="1">
+            <a:prstTxWarp prst="textNoShape">
+              <a:avLst/>
+            </a:prstTxWarp>
+          </a:bodyPr>
+          <a:lstStyle/>
+          <a:p>
+            <a:pPr marL="0" marR="0" indent="0" algn="l" defTabSz="914400" rtl="0" eaLnBrk="1" fontAlgn="base" latinLnBrk="0" hangingPunct="1">
+              <a:lnSpc>
+                <a:spcPct val="100000"/>
+              </a:lnSpc>
+              <a:spcBef>
+                <a:spcPct val="0"/>
+              </a:spcBef>
+              <a:spcAft>
+                <a:spcPct val="0"/>
+              </a:spcAft>
+              <a:buClrTx/>
+              <a:buSzTx/>
+              <a:buFontTx/>
+              <a:buNone/>
+              <a:tabLst/>
+            </a:pPr>
+            <a:r>
+              <a:rPr kumimoji="0" lang="en-US" altLang="ko-KR" sz="1400" b="0" i="0" u="none" strike="noStrike" cap="none" normalizeH="0" baseline="0">
+                <a:ln>
+                  <a:noFill/>
+                </a:ln>
+                <a:solidFill>
+                  <a:schemeClr val="tx1"/>
+                </a:solidFill>
+                <a:effectLst/>
+                <a:latin typeface="Arial" panose="020B0604020202020204" pitchFamily="34" charset="0"/>
+                <a:cs typeface="Arial" panose="020B0604020202020204" pitchFamily="34" charset="0"/>
+              </a:rPr>
+              <a:t>Client</a:t>
+            </a:r>
+            <a:r>
+              <a:rPr kumimoji="0" lang="ko-KR" altLang="en-US" sz="1400" b="0" i="0" u="none" strike="noStrike" cap="none" normalizeH="0" baseline="0">
+                <a:ln>
+                  <a:noFill/>
+                </a:ln>
+                <a:solidFill>
+                  <a:schemeClr val="tx1"/>
+                </a:solidFill>
+                <a:effectLst/>
+                <a:latin typeface="Arial" panose="020B0604020202020204" pitchFamily="34" charset="0"/>
+                <a:cs typeface="Arial" panose="020B0604020202020204" pitchFamily="34" charset="0"/>
+              </a:rPr>
+              <a:t> </a:t>
+            </a:r>
+          </a:p>
+        </p:txBody>
+      </p:sp>
+      <p:sp>
+        <p:nvSpPr>
+          <p:cNvPr id="39" name="직사각형 38">
+            <a:extLst>
+              <a:ext uri="{FF2B5EF4-FFF2-40B4-BE49-F238E27FC236}">
+                <a16:creationId xmlns:a16="http://schemas.microsoft.com/office/drawing/2014/main" id="{B2C69C67-2AE5-4B51-95DE-6DF2C646ECE3}"/>
+              </a:ext>
+            </a:extLst>
+          </p:cNvPr>
+          <p:cNvSpPr/>
+          <p:nvPr/>
+        </p:nvSpPr>
+        <p:spPr bwMode="auto">
+          <a:xfrm>
+            <a:off x="267470" y="2858547"/>
+            <a:ext cx="648072" cy="1584176"/>
+          </a:xfrm>
+          <a:prstGeom prst="rect">
+            <a:avLst/>
+          </a:prstGeom>
+          <a:solidFill>
+            <a:schemeClr val="bg1"/>
+          </a:solidFill>
+          <a:ln w="25400" cap="flat" cmpd="sng" algn="ctr">
+            <a:solidFill>
+              <a:schemeClr val="tx1"/>
+            </a:solidFill>
+            <a:prstDash val="solid"/>
+            <a:round/>
+            <a:headEnd type="none" w="med" len="med"/>
+            <a:tailEnd type="none" w="med" len="med"/>
+          </a:ln>
+          <a:effectLst/>
+        </p:spPr>
+        <p:txBody>
+          <a:bodyPr vert="horz" wrap="square" lIns="91440" tIns="45720" rIns="91440" bIns="45720" numCol="1" rtlCol="0" anchor="ctr" anchorCtr="1" compatLnSpc="1">
+            <a:prstTxWarp prst="textNoShape">
+              <a:avLst/>
+            </a:prstTxWarp>
+          </a:bodyPr>
+          <a:lstStyle/>
+          <a:p>
+            <a:pPr marL="0" marR="0" indent="0" algn="l" defTabSz="914400" rtl="0" eaLnBrk="1" fontAlgn="base" latinLnBrk="0" hangingPunct="1">
+              <a:lnSpc>
+                <a:spcPct val="100000"/>
+              </a:lnSpc>
+              <a:spcBef>
+                <a:spcPct val="0"/>
+              </a:spcBef>
+              <a:spcAft>
+                <a:spcPct val="0"/>
+              </a:spcAft>
+              <a:buClrTx/>
+              <a:buSzTx/>
+              <a:buFontTx/>
+              <a:buNone/>
+              <a:tabLst/>
+            </a:pPr>
+            <a:r>
+              <a:rPr kumimoji="0" lang="en-US" altLang="ko-KR" sz="1400" b="0" i="0" u="none" strike="noStrike" cap="none" normalizeH="0" baseline="0">
+                <a:ln>
+                  <a:noFill/>
+                </a:ln>
+                <a:solidFill>
+                  <a:schemeClr val="tx1"/>
+                </a:solidFill>
+                <a:effectLst/>
+                <a:latin typeface="Arial" panose="020B0604020202020204" pitchFamily="34" charset="0"/>
+                <a:cs typeface="Arial" panose="020B0604020202020204" pitchFamily="34" charset="0"/>
+              </a:rPr>
+              <a:t>Client</a:t>
+            </a:r>
+            <a:r>
+              <a:rPr kumimoji="0" lang="ko-KR" altLang="en-US" sz="1400" b="0" i="0" u="none" strike="noStrike" cap="none" normalizeH="0" baseline="0">
+                <a:ln>
+                  <a:noFill/>
+                </a:ln>
+                <a:solidFill>
+                  <a:schemeClr val="tx1"/>
+                </a:solidFill>
+                <a:effectLst/>
+                <a:latin typeface="Arial" panose="020B0604020202020204" pitchFamily="34" charset="0"/>
+                <a:cs typeface="Arial" panose="020B0604020202020204" pitchFamily="34" charset="0"/>
+              </a:rPr>
+              <a:t> </a:t>
+            </a:r>
+          </a:p>
+        </p:txBody>
+      </p:sp>
+      <p:sp>
+        <p:nvSpPr>
+          <p:cNvPr id="40" name="직사각형 39">
+            <a:extLst>
+              <a:ext uri="{FF2B5EF4-FFF2-40B4-BE49-F238E27FC236}">
+                <a16:creationId xmlns:a16="http://schemas.microsoft.com/office/drawing/2014/main" id="{EB71D49C-03D5-411B-A166-0E9EF1BFB3B2}"/>
+              </a:ext>
+            </a:extLst>
+          </p:cNvPr>
+          <p:cNvSpPr/>
+          <p:nvPr/>
+        </p:nvSpPr>
+        <p:spPr bwMode="auto">
+          <a:xfrm>
+            <a:off x="419870" y="3010947"/>
+            <a:ext cx="648072" cy="1584176"/>
+          </a:xfrm>
+          <a:prstGeom prst="rect">
+            <a:avLst/>
+          </a:prstGeom>
+          <a:solidFill>
+            <a:schemeClr val="bg1"/>
+          </a:solidFill>
+          <a:ln w="25400" cap="flat" cmpd="sng" algn="ctr">
+            <a:solidFill>
+              <a:schemeClr val="tx1"/>
+            </a:solidFill>
+            <a:prstDash val="solid"/>
+            <a:round/>
+            <a:headEnd type="none" w="med" len="med"/>
+            <a:tailEnd type="none" w="med" len="med"/>
+          </a:ln>
+          <a:effectLst/>
+        </p:spPr>
+        <p:txBody>
+          <a:bodyPr vert="horz" wrap="square" lIns="91440" tIns="45720" rIns="91440" bIns="45720" numCol="1" rtlCol="0" anchor="ctr" anchorCtr="1" compatLnSpc="1">
+            <a:prstTxWarp prst="textNoShape">
+              <a:avLst/>
+            </a:prstTxWarp>
+          </a:bodyPr>
+          <a:lstStyle/>
+          <a:p>
+            <a:pPr marL="0" marR="0" indent="0" algn="l" defTabSz="914400" rtl="0" eaLnBrk="1" fontAlgn="base" latinLnBrk="0" hangingPunct="1">
+              <a:lnSpc>
+                <a:spcPct val="100000"/>
+              </a:lnSpc>
+              <a:spcBef>
+                <a:spcPct val="0"/>
+              </a:spcBef>
+              <a:spcAft>
+                <a:spcPct val="0"/>
+              </a:spcAft>
+              <a:buClrTx/>
+              <a:buSzTx/>
+              <a:buFontTx/>
+              <a:buNone/>
+              <a:tabLst/>
+            </a:pPr>
+            <a:r>
+              <a:rPr kumimoji="0" lang="en-US" altLang="ko-KR" sz="1400" b="0" i="0" u="none" strike="noStrike" cap="none" normalizeH="0" baseline="0">
+                <a:ln>
+                  <a:noFill/>
+                </a:ln>
+                <a:solidFill>
+                  <a:schemeClr val="tx1"/>
+                </a:solidFill>
+                <a:effectLst/>
+                <a:latin typeface="Arial" panose="020B0604020202020204" pitchFamily="34" charset="0"/>
+                <a:cs typeface="Arial" panose="020B0604020202020204" pitchFamily="34" charset="0"/>
+              </a:rPr>
+              <a:t>Client</a:t>
+            </a:r>
+            <a:r>
+              <a:rPr kumimoji="0" lang="ko-KR" altLang="en-US" sz="1400" b="0" i="0" u="none" strike="noStrike" cap="none" normalizeH="0" baseline="0">
+                <a:ln>
+                  <a:noFill/>
+                </a:ln>
+                <a:solidFill>
+                  <a:schemeClr val="tx1"/>
+                </a:solidFill>
+                <a:effectLst/>
+                <a:latin typeface="Arial" panose="020B0604020202020204" pitchFamily="34" charset="0"/>
+                <a:cs typeface="Arial" panose="020B0604020202020204" pitchFamily="34" charset="0"/>
+              </a:rPr>
+              <a:t> </a:t>
+            </a:r>
+          </a:p>
+        </p:txBody>
+      </p:sp>
+      <p:sp>
+        <p:nvSpPr>
+          <p:cNvPr id="41" name="직사각형 40">
+            <a:extLst>
+              <a:ext uri="{FF2B5EF4-FFF2-40B4-BE49-F238E27FC236}">
+                <a16:creationId xmlns:a16="http://schemas.microsoft.com/office/drawing/2014/main" id="{4621E0FC-2160-4E2C-A5C5-4EC3A4E9E8AC}"/>
+              </a:ext>
+            </a:extLst>
+          </p:cNvPr>
+          <p:cNvSpPr/>
+          <p:nvPr/>
+        </p:nvSpPr>
+        <p:spPr bwMode="auto">
+          <a:xfrm>
+            <a:off x="572270" y="3163347"/>
+            <a:ext cx="648072" cy="1584176"/>
+          </a:xfrm>
+          <a:prstGeom prst="rect">
+            <a:avLst/>
+          </a:prstGeom>
+          <a:solidFill>
+            <a:schemeClr val="bg1"/>
+          </a:solidFill>
+          <a:ln w="25400" cap="flat" cmpd="sng" algn="ctr">
+            <a:solidFill>
+              <a:schemeClr val="tx1"/>
+            </a:solidFill>
+            <a:prstDash val="solid"/>
+            <a:round/>
+            <a:headEnd type="none" w="med" len="med"/>
+            <a:tailEnd type="none" w="med" len="med"/>
+          </a:ln>
+          <a:effectLst/>
+        </p:spPr>
+        <p:txBody>
+          <a:bodyPr vert="horz" wrap="square" lIns="91440" tIns="45720" rIns="91440" bIns="45720" numCol="1" rtlCol="0" anchor="ctr" anchorCtr="1" compatLnSpc="1">
+            <a:prstTxWarp prst="textNoShape">
+              <a:avLst/>
+            </a:prstTxWarp>
+          </a:bodyPr>
+          <a:lstStyle/>
+          <a:p>
+            <a:pPr marL="0" marR="0" indent="0" algn="l" defTabSz="914400" rtl="0" eaLnBrk="1" fontAlgn="base" latinLnBrk="0" hangingPunct="1">
+              <a:lnSpc>
+                <a:spcPct val="100000"/>
+              </a:lnSpc>
+              <a:spcBef>
+                <a:spcPct val="0"/>
+              </a:spcBef>
+              <a:spcAft>
+                <a:spcPct val="0"/>
+              </a:spcAft>
+              <a:buClrTx/>
+              <a:buSzTx/>
+              <a:buFontTx/>
+              <a:buNone/>
+              <a:tabLst/>
+            </a:pPr>
+            <a:r>
+              <a:rPr kumimoji="0" lang="en-US" altLang="ko-KR" sz="1400" b="0" i="0" u="none" strike="noStrike" cap="none" normalizeH="0" baseline="0">
+                <a:ln>
+                  <a:noFill/>
+                </a:ln>
+                <a:solidFill>
+                  <a:schemeClr val="tx1"/>
+                </a:solidFill>
+                <a:effectLst/>
+                <a:latin typeface="Arial" panose="020B0604020202020204" pitchFamily="34" charset="0"/>
+                <a:cs typeface="Arial" panose="020B0604020202020204" pitchFamily="34" charset="0"/>
+              </a:rPr>
+              <a:t>Client</a:t>
+            </a:r>
+            <a:r>
+              <a:rPr kumimoji="0" lang="ko-KR" altLang="en-US" sz="1400" b="0" i="0" u="none" strike="noStrike" cap="none" normalizeH="0" baseline="0">
+                <a:ln>
+                  <a:noFill/>
+                </a:ln>
+                <a:solidFill>
+                  <a:schemeClr val="tx1"/>
+                </a:solidFill>
+                <a:effectLst/>
+                <a:latin typeface="Arial" panose="020B0604020202020204" pitchFamily="34" charset="0"/>
+                <a:cs typeface="Arial" panose="020B0604020202020204" pitchFamily="34" charset="0"/>
+              </a:rPr>
+              <a:t> </a:t>
+            </a:r>
+          </a:p>
+        </p:txBody>
+      </p:sp>
+      <p:sp>
+        <p:nvSpPr>
+          <p:cNvPr id="42" name="직사각형 41">
+            <a:extLst>
+              <a:ext uri="{FF2B5EF4-FFF2-40B4-BE49-F238E27FC236}">
+                <a16:creationId xmlns:a16="http://schemas.microsoft.com/office/drawing/2014/main" id="{A450C739-AC50-49BE-A00B-9BA23E1BE506}"/>
+              </a:ext>
+            </a:extLst>
+          </p:cNvPr>
+          <p:cNvSpPr/>
+          <p:nvPr/>
+        </p:nvSpPr>
+        <p:spPr bwMode="auto">
+          <a:xfrm>
+            <a:off x="724670" y="3315747"/>
+            <a:ext cx="648072" cy="1584176"/>
+          </a:xfrm>
+          <a:prstGeom prst="rect">
+            <a:avLst/>
+          </a:prstGeom>
+          <a:solidFill>
+            <a:schemeClr val="bg1"/>
+          </a:solidFill>
+          <a:ln w="25400" cap="flat" cmpd="sng" algn="ctr">
+            <a:solidFill>
+              <a:schemeClr val="tx1"/>
+            </a:solidFill>
+            <a:prstDash val="solid"/>
+            <a:round/>
+            <a:headEnd type="none" w="med" len="med"/>
+            <a:tailEnd type="none" w="med" len="med"/>
+          </a:ln>
+          <a:effectLst/>
+        </p:spPr>
+        <p:txBody>
+          <a:bodyPr vert="horz" wrap="square" lIns="91440" tIns="45720" rIns="91440" bIns="45720" numCol="1" rtlCol="0" anchor="ctr" anchorCtr="1" compatLnSpc="1">
+            <a:prstTxWarp prst="textNoShape">
+              <a:avLst/>
+            </a:prstTxWarp>
+          </a:bodyPr>
+          <a:lstStyle/>
+          <a:p>
+            <a:pPr marL="0" marR="0" indent="0" algn="l" defTabSz="914400" rtl="0" eaLnBrk="1" fontAlgn="base" latinLnBrk="0" hangingPunct="1">
+              <a:lnSpc>
+                <a:spcPct val="100000"/>
+              </a:lnSpc>
+              <a:spcBef>
+                <a:spcPct val="0"/>
+              </a:spcBef>
+              <a:spcAft>
+                <a:spcPct val="0"/>
+              </a:spcAft>
+              <a:buClrTx/>
+              <a:buSzTx/>
+              <a:buFontTx/>
+              <a:buNone/>
+              <a:tabLst/>
+            </a:pPr>
+            <a:r>
+              <a:rPr kumimoji="0" lang="en-US" altLang="ko-KR" sz="1400" b="0" i="0" u="none" strike="noStrike" cap="none" normalizeH="0" baseline="0">
+                <a:ln>
+                  <a:noFill/>
+                </a:ln>
+                <a:solidFill>
+                  <a:schemeClr val="tx1"/>
+                </a:solidFill>
+                <a:effectLst/>
+                <a:latin typeface="Arial" panose="020B0604020202020204" pitchFamily="34" charset="0"/>
+                <a:cs typeface="Arial" panose="020B0604020202020204" pitchFamily="34" charset="0"/>
+              </a:rPr>
+              <a:t>Client</a:t>
+            </a:r>
+            <a:r>
+              <a:rPr kumimoji="0" lang="ko-KR" altLang="en-US" sz="1400" b="0" i="0" u="none" strike="noStrike" cap="none" normalizeH="0" baseline="0">
+                <a:ln>
+                  <a:noFill/>
+                </a:ln>
+                <a:solidFill>
+                  <a:schemeClr val="tx1"/>
+                </a:solidFill>
+                <a:effectLst/>
+                <a:latin typeface="Arial" panose="020B0604020202020204" pitchFamily="34" charset="0"/>
+                <a:cs typeface="Arial" panose="020B0604020202020204" pitchFamily="34" charset="0"/>
+              </a:rPr>
+              <a:t> </a:t>
+            </a:r>
+          </a:p>
+        </p:txBody>
+      </p:sp>
+      <p:sp>
+        <p:nvSpPr>
+          <p:cNvPr id="43" name="직사각형 42">
+            <a:extLst>
+              <a:ext uri="{FF2B5EF4-FFF2-40B4-BE49-F238E27FC236}">
+                <a16:creationId xmlns:a16="http://schemas.microsoft.com/office/drawing/2014/main" id="{32DB74AC-B37E-4056-BB3E-3ACBEF637A54}"/>
+              </a:ext>
+            </a:extLst>
+          </p:cNvPr>
+          <p:cNvSpPr/>
+          <p:nvPr/>
+        </p:nvSpPr>
+        <p:spPr bwMode="auto">
+          <a:xfrm>
+            <a:off x="4929353" y="2706147"/>
+            <a:ext cx="648072" cy="1584176"/>
+          </a:xfrm>
+          <a:prstGeom prst="rect">
+            <a:avLst/>
+          </a:prstGeom>
+          <a:solidFill>
+            <a:schemeClr val="bg1"/>
+          </a:solidFill>
+          <a:ln w="25400" cap="flat" cmpd="sng" algn="ctr">
+            <a:solidFill>
+              <a:schemeClr val="tx1"/>
+            </a:solidFill>
+            <a:prstDash val="solid"/>
+            <a:round/>
+            <a:headEnd type="none" w="med" len="med"/>
+            <a:tailEnd type="none" w="med" len="med"/>
+          </a:ln>
+          <a:effectLst/>
+        </p:spPr>
+        <p:txBody>
+          <a:bodyPr vert="horz" wrap="square" lIns="91440" tIns="45720" rIns="91440" bIns="45720" numCol="1" rtlCol="0" anchor="ctr" anchorCtr="1" compatLnSpc="1">
+            <a:prstTxWarp prst="textNoShape">
+              <a:avLst/>
+            </a:prstTxWarp>
+          </a:bodyPr>
+          <a:lstStyle/>
+          <a:p>
+            <a:pPr marL="0" marR="0" indent="0" algn="l" defTabSz="914400" rtl="0" eaLnBrk="1" fontAlgn="base" latinLnBrk="0" hangingPunct="1">
+              <a:lnSpc>
+                <a:spcPct val="100000"/>
+              </a:lnSpc>
+              <a:spcBef>
+                <a:spcPct val="0"/>
+              </a:spcBef>
+              <a:spcAft>
+                <a:spcPct val="0"/>
+              </a:spcAft>
+              <a:buClrTx/>
+              <a:buSzTx/>
+              <a:buFontTx/>
+              <a:buNone/>
+              <a:tabLst/>
+            </a:pPr>
+            <a:r>
+              <a:rPr kumimoji="0" lang="en-US" altLang="ko-KR" sz="1400" b="0" i="0" u="none" strike="noStrike" cap="none" normalizeH="0" baseline="0">
+                <a:ln>
+                  <a:noFill/>
+                </a:ln>
+                <a:solidFill>
+                  <a:schemeClr val="tx1"/>
+                </a:solidFill>
+                <a:effectLst/>
+                <a:latin typeface="Arial" panose="020B0604020202020204" pitchFamily="34" charset="0"/>
+                <a:cs typeface="Arial" panose="020B0604020202020204" pitchFamily="34" charset="0"/>
+              </a:rPr>
+              <a:t>Client</a:t>
+            </a:r>
+            <a:r>
+              <a:rPr kumimoji="0" lang="ko-KR" altLang="en-US" sz="1400" b="0" i="0" u="none" strike="noStrike" cap="none" normalizeH="0" baseline="0">
+                <a:ln>
+                  <a:noFill/>
+                </a:ln>
+                <a:solidFill>
+                  <a:schemeClr val="tx1"/>
+                </a:solidFill>
+                <a:effectLst/>
+                <a:latin typeface="Arial" panose="020B0604020202020204" pitchFamily="34" charset="0"/>
+                <a:cs typeface="Arial" panose="020B0604020202020204" pitchFamily="34" charset="0"/>
+              </a:rPr>
+              <a:t> </a:t>
+            </a:r>
+          </a:p>
+        </p:txBody>
+      </p:sp>
+      <p:sp>
+        <p:nvSpPr>
+          <p:cNvPr id="44" name="직사각형 43">
+            <a:extLst>
+              <a:ext uri="{FF2B5EF4-FFF2-40B4-BE49-F238E27FC236}">
+                <a16:creationId xmlns:a16="http://schemas.microsoft.com/office/drawing/2014/main" id="{F2E569A6-8FE9-4C23-AADF-DF7EAD46E68C}"/>
+              </a:ext>
+            </a:extLst>
+          </p:cNvPr>
+          <p:cNvSpPr/>
+          <p:nvPr/>
+        </p:nvSpPr>
+        <p:spPr bwMode="auto">
+          <a:xfrm>
+            <a:off x="5081753" y="2858547"/>
+            <a:ext cx="648072" cy="1584176"/>
+          </a:xfrm>
+          <a:prstGeom prst="rect">
+            <a:avLst/>
+          </a:prstGeom>
+          <a:solidFill>
+            <a:schemeClr val="bg1"/>
+          </a:solidFill>
+          <a:ln w="25400" cap="flat" cmpd="sng" algn="ctr">
+            <a:solidFill>
+              <a:schemeClr val="tx1"/>
+            </a:solidFill>
+            <a:prstDash val="solid"/>
+            <a:round/>
+            <a:headEnd type="none" w="med" len="med"/>
+            <a:tailEnd type="none" w="med" len="med"/>
+          </a:ln>
+          <a:effectLst/>
+        </p:spPr>
+        <p:txBody>
+          <a:bodyPr vert="horz" wrap="square" lIns="91440" tIns="45720" rIns="91440" bIns="45720" numCol="1" rtlCol="0" anchor="ctr" anchorCtr="1" compatLnSpc="1">
+            <a:prstTxWarp prst="textNoShape">
+              <a:avLst/>
+            </a:prstTxWarp>
+          </a:bodyPr>
+          <a:lstStyle/>
+          <a:p>
+            <a:pPr marL="0" marR="0" indent="0" algn="l" defTabSz="914400" rtl="0" eaLnBrk="1" fontAlgn="base" latinLnBrk="0" hangingPunct="1">
+              <a:lnSpc>
+                <a:spcPct val="100000"/>
+              </a:lnSpc>
+              <a:spcBef>
+                <a:spcPct val="0"/>
+              </a:spcBef>
+              <a:spcAft>
+                <a:spcPct val="0"/>
+              </a:spcAft>
+              <a:buClrTx/>
+              <a:buSzTx/>
+              <a:buFontTx/>
+              <a:buNone/>
+              <a:tabLst/>
+            </a:pPr>
+            <a:r>
+              <a:rPr kumimoji="0" lang="en-US" altLang="ko-KR" sz="1400" b="0" i="0" u="none" strike="noStrike" cap="none" normalizeH="0" baseline="0">
+                <a:ln>
+                  <a:noFill/>
+                </a:ln>
+                <a:solidFill>
+                  <a:schemeClr val="tx1"/>
+                </a:solidFill>
+                <a:effectLst/>
+                <a:latin typeface="Arial" panose="020B0604020202020204" pitchFamily="34" charset="0"/>
+                <a:cs typeface="Arial" panose="020B0604020202020204" pitchFamily="34" charset="0"/>
+              </a:rPr>
+              <a:t>Client</a:t>
+            </a:r>
+            <a:r>
+              <a:rPr kumimoji="0" lang="ko-KR" altLang="en-US" sz="1400" b="0" i="0" u="none" strike="noStrike" cap="none" normalizeH="0" baseline="0">
+                <a:ln>
+                  <a:noFill/>
+                </a:ln>
+                <a:solidFill>
+                  <a:schemeClr val="tx1"/>
+                </a:solidFill>
+                <a:effectLst/>
+                <a:latin typeface="Arial" panose="020B0604020202020204" pitchFamily="34" charset="0"/>
+                <a:cs typeface="Arial" panose="020B0604020202020204" pitchFamily="34" charset="0"/>
+              </a:rPr>
+              <a:t> </a:t>
+            </a:r>
+          </a:p>
+        </p:txBody>
+      </p:sp>
+      <p:sp>
+        <p:nvSpPr>
+          <p:cNvPr id="45" name="직사각형 44">
+            <a:extLst>
+              <a:ext uri="{FF2B5EF4-FFF2-40B4-BE49-F238E27FC236}">
+                <a16:creationId xmlns:a16="http://schemas.microsoft.com/office/drawing/2014/main" id="{88A56D17-8F91-478E-9DA0-38E483ACB82F}"/>
+              </a:ext>
+            </a:extLst>
+          </p:cNvPr>
+          <p:cNvSpPr/>
+          <p:nvPr/>
+        </p:nvSpPr>
+        <p:spPr bwMode="auto">
+          <a:xfrm>
+            <a:off x="5234153" y="3010947"/>
+            <a:ext cx="648072" cy="1584176"/>
+          </a:xfrm>
+          <a:prstGeom prst="rect">
+            <a:avLst/>
+          </a:prstGeom>
+          <a:solidFill>
+            <a:schemeClr val="bg1"/>
+          </a:solidFill>
+          <a:ln w="25400" cap="flat" cmpd="sng" algn="ctr">
+            <a:solidFill>
+              <a:schemeClr val="tx1"/>
+            </a:solidFill>
+            <a:prstDash val="solid"/>
+            <a:round/>
+            <a:headEnd type="none" w="med" len="med"/>
+            <a:tailEnd type="none" w="med" len="med"/>
+          </a:ln>
+          <a:effectLst/>
+        </p:spPr>
+        <p:txBody>
+          <a:bodyPr vert="horz" wrap="square" lIns="91440" tIns="45720" rIns="91440" bIns="45720" numCol="1" rtlCol="0" anchor="ctr" anchorCtr="1" compatLnSpc="1">
+            <a:prstTxWarp prst="textNoShape">
+              <a:avLst/>
+            </a:prstTxWarp>
+          </a:bodyPr>
+          <a:lstStyle/>
+          <a:p>
+            <a:pPr marL="0" marR="0" indent="0" algn="l" defTabSz="914400" rtl="0" eaLnBrk="1" fontAlgn="base" latinLnBrk="0" hangingPunct="1">
+              <a:lnSpc>
+                <a:spcPct val="100000"/>
+              </a:lnSpc>
+              <a:spcBef>
+                <a:spcPct val="0"/>
+              </a:spcBef>
+              <a:spcAft>
+                <a:spcPct val="0"/>
+              </a:spcAft>
+              <a:buClrTx/>
+              <a:buSzTx/>
+              <a:buFontTx/>
+              <a:buNone/>
+              <a:tabLst/>
+            </a:pPr>
+            <a:r>
+              <a:rPr kumimoji="0" lang="en-US" altLang="ko-KR" sz="1400" b="0" i="0" u="none" strike="noStrike" cap="none" normalizeH="0" baseline="0">
+                <a:ln>
+                  <a:noFill/>
+                </a:ln>
+                <a:solidFill>
+                  <a:schemeClr val="tx1"/>
+                </a:solidFill>
+                <a:effectLst/>
+                <a:latin typeface="Arial" panose="020B0604020202020204" pitchFamily="34" charset="0"/>
+                <a:cs typeface="Arial" panose="020B0604020202020204" pitchFamily="34" charset="0"/>
+              </a:rPr>
+              <a:t>Client</a:t>
+            </a:r>
+            <a:r>
+              <a:rPr kumimoji="0" lang="ko-KR" altLang="en-US" sz="1400" b="0" i="0" u="none" strike="noStrike" cap="none" normalizeH="0" baseline="0">
+                <a:ln>
+                  <a:noFill/>
+                </a:ln>
+                <a:solidFill>
+                  <a:schemeClr val="tx1"/>
+                </a:solidFill>
+                <a:effectLst/>
+                <a:latin typeface="Arial" panose="020B0604020202020204" pitchFamily="34" charset="0"/>
+                <a:cs typeface="Arial" panose="020B0604020202020204" pitchFamily="34" charset="0"/>
+              </a:rPr>
+              <a:t> </a:t>
+            </a:r>
+          </a:p>
+        </p:txBody>
+      </p:sp>
+      <p:sp>
+        <p:nvSpPr>
+          <p:cNvPr id="46" name="직사각형 45">
+            <a:extLst>
+              <a:ext uri="{FF2B5EF4-FFF2-40B4-BE49-F238E27FC236}">
+                <a16:creationId xmlns:a16="http://schemas.microsoft.com/office/drawing/2014/main" id="{AF429C43-D829-462B-B445-716383FA7264}"/>
+              </a:ext>
+            </a:extLst>
+          </p:cNvPr>
+          <p:cNvSpPr/>
+          <p:nvPr/>
+        </p:nvSpPr>
+        <p:spPr bwMode="auto">
+          <a:xfrm>
+            <a:off x="5386553" y="3163347"/>
+            <a:ext cx="648072" cy="1584176"/>
+          </a:xfrm>
+          <a:prstGeom prst="rect">
+            <a:avLst/>
+          </a:prstGeom>
+          <a:solidFill>
+            <a:schemeClr val="bg1"/>
+          </a:solidFill>
+          <a:ln w="25400" cap="flat" cmpd="sng" algn="ctr">
+            <a:solidFill>
+              <a:schemeClr val="tx1"/>
+            </a:solidFill>
+            <a:prstDash val="solid"/>
+            <a:round/>
+            <a:headEnd type="none" w="med" len="med"/>
+            <a:tailEnd type="none" w="med" len="med"/>
+          </a:ln>
+          <a:effectLst/>
+        </p:spPr>
+        <p:txBody>
+          <a:bodyPr vert="horz" wrap="square" lIns="91440" tIns="45720" rIns="91440" bIns="45720" numCol="1" rtlCol="0" anchor="ctr" anchorCtr="1" compatLnSpc="1">
+            <a:prstTxWarp prst="textNoShape">
+              <a:avLst/>
+            </a:prstTxWarp>
+          </a:bodyPr>
+          <a:lstStyle/>
+          <a:p>
+            <a:pPr marL="0" marR="0" indent="0" algn="l" defTabSz="914400" rtl="0" eaLnBrk="1" fontAlgn="base" latinLnBrk="0" hangingPunct="1">
+              <a:lnSpc>
+                <a:spcPct val="100000"/>
+              </a:lnSpc>
+              <a:spcBef>
+                <a:spcPct val="0"/>
+              </a:spcBef>
+              <a:spcAft>
+                <a:spcPct val="0"/>
+              </a:spcAft>
+              <a:buClrTx/>
+              <a:buSzTx/>
+              <a:buFontTx/>
+              <a:buNone/>
+              <a:tabLst/>
+            </a:pPr>
+            <a:r>
+              <a:rPr kumimoji="0" lang="en-US" altLang="ko-KR" sz="1400" b="0" i="0" u="none" strike="noStrike" cap="none" normalizeH="0" baseline="0">
+                <a:ln>
+                  <a:noFill/>
+                </a:ln>
+                <a:solidFill>
+                  <a:schemeClr val="tx1"/>
+                </a:solidFill>
+                <a:effectLst/>
+                <a:latin typeface="Arial" panose="020B0604020202020204" pitchFamily="34" charset="0"/>
+                <a:cs typeface="Arial" panose="020B0604020202020204" pitchFamily="34" charset="0"/>
+              </a:rPr>
+              <a:t>Client</a:t>
+            </a:r>
+            <a:r>
+              <a:rPr kumimoji="0" lang="ko-KR" altLang="en-US" sz="1400" b="0" i="0" u="none" strike="noStrike" cap="none" normalizeH="0" baseline="0">
+                <a:ln>
+                  <a:noFill/>
+                </a:ln>
+                <a:solidFill>
+                  <a:schemeClr val="tx1"/>
+                </a:solidFill>
+                <a:effectLst/>
+                <a:latin typeface="Arial" panose="020B0604020202020204" pitchFamily="34" charset="0"/>
+                <a:cs typeface="Arial" panose="020B0604020202020204" pitchFamily="34" charset="0"/>
+              </a:rPr>
+              <a:t> </a:t>
+            </a:r>
+          </a:p>
+        </p:txBody>
+      </p:sp>
+      <p:sp>
+        <p:nvSpPr>
+          <p:cNvPr id="47" name="직사각형 46">
+            <a:extLst>
+              <a:ext uri="{FF2B5EF4-FFF2-40B4-BE49-F238E27FC236}">
+                <a16:creationId xmlns:a16="http://schemas.microsoft.com/office/drawing/2014/main" id="{53AC99EB-EA73-48E8-82D6-F17C65CE6DF6}"/>
+              </a:ext>
+            </a:extLst>
+          </p:cNvPr>
+          <p:cNvSpPr/>
+          <p:nvPr/>
+        </p:nvSpPr>
+        <p:spPr bwMode="auto">
+          <a:xfrm>
+            <a:off x="5538953" y="3315747"/>
+            <a:ext cx="648072" cy="1584176"/>
+          </a:xfrm>
+          <a:prstGeom prst="rect">
+            <a:avLst/>
+          </a:prstGeom>
+          <a:solidFill>
+            <a:schemeClr val="bg1"/>
+          </a:solidFill>
+          <a:ln w="25400" cap="flat" cmpd="sng" algn="ctr">
+            <a:solidFill>
+              <a:schemeClr val="tx1"/>
+            </a:solidFill>
+            <a:prstDash val="solid"/>
+            <a:round/>
+            <a:headEnd type="none" w="med" len="med"/>
+            <a:tailEnd type="none" w="med" len="med"/>
+          </a:ln>
+          <a:effectLst/>
+        </p:spPr>
+        <p:txBody>
+          <a:bodyPr vert="horz" wrap="square" lIns="91440" tIns="45720" rIns="91440" bIns="45720" numCol="1" rtlCol="0" anchor="ctr" anchorCtr="1" compatLnSpc="1">
+            <a:prstTxWarp prst="textNoShape">
+              <a:avLst/>
+            </a:prstTxWarp>
+          </a:bodyPr>
+          <a:lstStyle/>
+          <a:p>
+            <a:pPr marL="0" marR="0" indent="0" algn="l" defTabSz="914400" rtl="0" eaLnBrk="1" fontAlgn="base" latinLnBrk="0" hangingPunct="1">
+              <a:lnSpc>
+                <a:spcPct val="100000"/>
+              </a:lnSpc>
+              <a:spcBef>
+                <a:spcPct val="0"/>
+              </a:spcBef>
+              <a:spcAft>
+                <a:spcPct val="0"/>
+              </a:spcAft>
+              <a:buClrTx/>
+              <a:buSzTx/>
+              <a:buFontTx/>
+              <a:buNone/>
+              <a:tabLst/>
+            </a:pPr>
+            <a:r>
+              <a:rPr kumimoji="0" lang="en-US" altLang="ko-KR" sz="1400" b="0" i="0" u="none" strike="noStrike" cap="none" normalizeH="0" baseline="0">
+                <a:ln>
+                  <a:noFill/>
+                </a:ln>
+                <a:solidFill>
+                  <a:schemeClr val="tx1"/>
+                </a:solidFill>
+                <a:effectLst/>
+                <a:latin typeface="Arial" panose="020B0604020202020204" pitchFamily="34" charset="0"/>
+                <a:cs typeface="Arial" panose="020B0604020202020204" pitchFamily="34" charset="0"/>
+              </a:rPr>
+              <a:t>Client</a:t>
+            </a:r>
+            <a:r>
+              <a:rPr kumimoji="0" lang="ko-KR" altLang="en-US" sz="1400" b="0" i="0" u="none" strike="noStrike" cap="none" normalizeH="0" baseline="0">
+                <a:ln>
+                  <a:noFill/>
+                </a:ln>
+                <a:solidFill>
+                  <a:schemeClr val="tx1"/>
+                </a:solidFill>
+                <a:effectLst/>
+                <a:latin typeface="Arial" panose="020B0604020202020204" pitchFamily="34" charset="0"/>
+                <a:cs typeface="Arial" panose="020B0604020202020204" pitchFamily="34" charset="0"/>
+              </a:rPr>
+              <a:t> </a:t>
+            </a:r>
+          </a:p>
+        </p:txBody>
+      </p:sp>
+      <p:sp>
+        <p:nvSpPr>
+          <p:cNvPr id="48" name="TextBox 47">
+            <a:extLst>
+              <a:ext uri="{FF2B5EF4-FFF2-40B4-BE49-F238E27FC236}">
+                <a16:creationId xmlns:a16="http://schemas.microsoft.com/office/drawing/2014/main" id="{31E73D08-AAD6-4B90-A18C-D78551736F21}"/>
+              </a:ext>
+            </a:extLst>
+          </p:cNvPr>
+          <p:cNvSpPr txBox="1">
+            <a:spLocks noChangeArrowheads="1"/>
+          </p:cNvSpPr>
+          <p:nvPr/>
+        </p:nvSpPr>
+        <p:spPr bwMode="auto">
+          <a:xfrm>
+            <a:off x="426009" y="5052323"/>
+            <a:ext cx="694928" cy="307777"/>
+          </a:xfrm>
+          <a:prstGeom prst="rect">
+            <a:avLst/>
+          </a:prstGeom>
+          <a:noFill/>
+          <a:ln>
+            <a:noFill/>
+          </a:ln>
+          <a:extLst>
+            <a:ext uri="{909E8E84-426E-40DD-AFC4-6F175D3DCCD1}">
+              <a14:hiddenFill xmlns:a14="http://schemas.microsoft.com/office/drawing/2010/main">
+                <a:solidFill>
+                  <a:srgbClr val="FFFFFF"/>
+                </a:solidFill>
+              </a14:hiddenFill>
+            </a:ext>
+            <a:ext uri="{91240B29-F687-4F45-9708-019B960494DF}">
+              <a14:hiddenLine xmlns:a14="http://schemas.microsoft.com/office/drawing/2010/main" w="9525">
+                <a:solidFill>
+                  <a:srgbClr val="000000"/>
+                </a:solidFill>
+                <a:miter lim="800000"/>
+                <a:headEnd/>
+                <a:tailEnd/>
+              </a14:hiddenLine>
+            </a:ext>
+          </a:extLst>
+        </p:spPr>
+        <p:txBody>
+          <a:bodyPr wrap="square">
+            <a:spAutoFit/>
+          </a:bodyPr>
+          <a:lstStyle>
+            <a:lvl1pPr>
+              <a:spcBef>
+                <a:spcPct val="20000"/>
+              </a:spcBef>
+              <a:buChar char="•"/>
+              <a:defRPr sz="3200">
+                <a:solidFill>
+                  <a:schemeClr val="tx1"/>
+                </a:solidFill>
+                <a:latin typeface="Arial" panose="020B0604020202020204" pitchFamily="34" charset="0"/>
+                <a:ea typeface="Arial Unicode MS" panose="020B0604020202020204" pitchFamily="50" charset="-127"/>
+                <a:cs typeface="Arial" panose="020B0604020202020204" pitchFamily="34" charset="0"/>
+              </a:defRPr>
+            </a:lvl1pPr>
+            <a:lvl2pPr marL="742950" indent="-285750">
+              <a:spcBef>
+                <a:spcPct val="20000"/>
+              </a:spcBef>
+              <a:buChar char="–"/>
+              <a:defRPr sz="2800">
+                <a:solidFill>
+                  <a:schemeClr val="tx1"/>
+                </a:solidFill>
+                <a:latin typeface="Arial" panose="020B0604020202020204" pitchFamily="34" charset="0"/>
+                <a:ea typeface="Arial Unicode MS" panose="020B0604020202020204" pitchFamily="50" charset="-127"/>
+                <a:cs typeface="Arial" panose="020B0604020202020204" pitchFamily="34" charset="0"/>
+              </a:defRPr>
+            </a:lvl2pPr>
+            <a:lvl3pPr marL="1143000" indent="-228600">
+              <a:spcBef>
+                <a:spcPct val="20000"/>
+              </a:spcBef>
+              <a:buChar char="•"/>
+              <a:defRPr sz="2400">
+                <a:solidFill>
+                  <a:schemeClr val="tx1"/>
+                </a:solidFill>
+                <a:latin typeface="Arial" panose="020B0604020202020204" pitchFamily="34" charset="0"/>
+                <a:ea typeface="Arial Unicode MS" panose="020B0604020202020204" pitchFamily="50" charset="-127"/>
+                <a:cs typeface="Arial" panose="020B0604020202020204" pitchFamily="34" charset="0"/>
+              </a:defRPr>
+            </a:lvl3pPr>
+            <a:lvl4pPr marL="1600200" indent="-228600">
+              <a:spcBef>
+                <a:spcPct val="20000"/>
+              </a:spcBef>
+              <a:buChar char="–"/>
+              <a:defRPr sz="2000">
+                <a:solidFill>
+                  <a:schemeClr val="tx1"/>
+                </a:solidFill>
+                <a:latin typeface="Arial" panose="020B0604020202020204" pitchFamily="34" charset="0"/>
+                <a:ea typeface="Arial Unicode MS" panose="020B0604020202020204" pitchFamily="50" charset="-127"/>
+                <a:cs typeface="Arial" panose="020B0604020202020204" pitchFamily="34" charset="0"/>
+              </a:defRPr>
+            </a:lvl4pPr>
+            <a:lvl5pPr marL="2057400" indent="-228600">
+              <a:spcBef>
+                <a:spcPct val="20000"/>
+              </a:spcBef>
+              <a:buChar char="»"/>
+              <a:defRPr sz="2000">
+                <a:solidFill>
+                  <a:schemeClr val="tx1"/>
+                </a:solidFill>
+                <a:latin typeface="Arial" panose="020B0604020202020204" pitchFamily="34" charset="0"/>
+                <a:ea typeface="Arial Unicode MS" panose="020B0604020202020204" pitchFamily="50" charset="-127"/>
+                <a:cs typeface="Arial" panose="020B0604020202020204" pitchFamily="34" charset="0"/>
+              </a:defRPr>
+            </a:lvl5pPr>
+            <a:lvl6pPr marL="2514600" indent="-228600" eaLnBrk="0" fontAlgn="base" hangingPunct="0">
+              <a:spcBef>
+                <a:spcPct val="20000"/>
+              </a:spcBef>
+              <a:spcAft>
+                <a:spcPct val="0"/>
+              </a:spcAft>
+              <a:buChar char="»"/>
+              <a:defRPr sz="2000">
+                <a:solidFill>
+                  <a:schemeClr val="tx1"/>
+                </a:solidFill>
+                <a:latin typeface="Arial" panose="020B0604020202020204" pitchFamily="34" charset="0"/>
+                <a:ea typeface="Arial Unicode MS" panose="020B0604020202020204" pitchFamily="50" charset="-127"/>
+                <a:cs typeface="Arial" panose="020B0604020202020204" pitchFamily="34" charset="0"/>
+              </a:defRPr>
+            </a:lvl6pPr>
+            <a:lvl7pPr marL="2971800" indent="-228600" eaLnBrk="0" fontAlgn="base" hangingPunct="0">
+              <a:spcBef>
+                <a:spcPct val="20000"/>
+              </a:spcBef>
+              <a:spcAft>
+                <a:spcPct val="0"/>
+              </a:spcAft>
+              <a:buChar char="»"/>
+              <a:defRPr sz="2000">
+                <a:solidFill>
+                  <a:schemeClr val="tx1"/>
+                </a:solidFill>
+                <a:latin typeface="Arial" panose="020B0604020202020204" pitchFamily="34" charset="0"/>
+                <a:ea typeface="Arial Unicode MS" panose="020B0604020202020204" pitchFamily="50" charset="-127"/>
+                <a:cs typeface="Arial" panose="020B0604020202020204" pitchFamily="34" charset="0"/>
+              </a:defRPr>
+            </a:lvl7pPr>
+            <a:lvl8pPr marL="3429000" indent="-228600" eaLnBrk="0" fontAlgn="base" hangingPunct="0">
+              <a:spcBef>
+                <a:spcPct val="20000"/>
+              </a:spcBef>
+              <a:spcAft>
+                <a:spcPct val="0"/>
+              </a:spcAft>
+              <a:buChar char="»"/>
+              <a:defRPr sz="2000">
+                <a:solidFill>
+                  <a:schemeClr val="tx1"/>
+                </a:solidFill>
+                <a:latin typeface="Arial" panose="020B0604020202020204" pitchFamily="34" charset="0"/>
+                <a:ea typeface="Arial Unicode MS" panose="020B0604020202020204" pitchFamily="50" charset="-127"/>
+                <a:cs typeface="Arial" panose="020B0604020202020204" pitchFamily="34" charset="0"/>
+              </a:defRPr>
+            </a:lvl8pPr>
+            <a:lvl9pPr marL="3886200" indent="-228600" eaLnBrk="0" fontAlgn="base" hangingPunct="0">
+              <a:spcBef>
+                <a:spcPct val="20000"/>
+              </a:spcBef>
+              <a:spcAft>
+                <a:spcPct val="0"/>
+              </a:spcAft>
+              <a:buChar char="»"/>
+              <a:defRPr sz="2000">
+                <a:solidFill>
+                  <a:schemeClr val="tx1"/>
+                </a:solidFill>
+                <a:latin typeface="Arial" panose="020B0604020202020204" pitchFamily="34" charset="0"/>
+                <a:ea typeface="Arial Unicode MS" panose="020B0604020202020204" pitchFamily="50" charset="-127"/>
+                <a:cs typeface="Arial" panose="020B0604020202020204" pitchFamily="34" charset="0"/>
+              </a:defRPr>
+            </a:lvl9pPr>
+          </a:lstStyle>
+          <a:p>
+            <a:pPr eaLnBrk="1" hangingPunct="1">
+              <a:spcBef>
+                <a:spcPct val="0"/>
+              </a:spcBef>
+              <a:buNone/>
+            </a:pPr>
+            <a:r>
+              <a:rPr lang="en-US" altLang="ko-KR" sz="1400">
+                <a:solidFill>
+                  <a:srgbClr val="000000"/>
+                </a:solidFill>
+                <a:latin typeface="맑은 고딕" panose="020B0503020000020004" pitchFamily="50" charset="-127"/>
+                <a:ea typeface="맑은 고딕" panose="020B0503020000020004" pitchFamily="50" charset="-127"/>
+              </a:rPr>
+              <a:t>100</a:t>
+            </a:r>
+            <a:r>
+              <a:rPr lang="ko-KR" altLang="en-US" sz="1400">
+                <a:solidFill>
+                  <a:srgbClr val="000000"/>
+                </a:solidFill>
+                <a:latin typeface="맑은 고딕" panose="020B0503020000020004" pitchFamily="50" charset="-127"/>
+                <a:ea typeface="맑은 고딕" panose="020B0503020000020004" pitchFamily="50" charset="-127"/>
+              </a:rPr>
+              <a:t>개</a:t>
+            </a:r>
+            <a:endParaRPr lang="en-US" altLang="ko-KR" sz="1400">
+              <a:solidFill>
+                <a:srgbClr val="000000"/>
+              </a:solidFill>
+              <a:latin typeface="맑은 고딕" panose="020B0503020000020004" pitchFamily="50" charset="-127"/>
+              <a:ea typeface="맑은 고딕" panose="020B0503020000020004" pitchFamily="50" charset="-127"/>
+            </a:endParaRPr>
+          </a:p>
+        </p:txBody>
+      </p:sp>
+      <p:sp>
+        <p:nvSpPr>
+          <p:cNvPr id="49" name="TextBox 48">
+            <a:extLst>
+              <a:ext uri="{FF2B5EF4-FFF2-40B4-BE49-F238E27FC236}">
+                <a16:creationId xmlns:a16="http://schemas.microsoft.com/office/drawing/2014/main" id="{58002F0E-A2BC-46DB-A73C-20193344DBD3}"/>
+              </a:ext>
+            </a:extLst>
+          </p:cNvPr>
+          <p:cNvSpPr txBox="1">
+            <a:spLocks noChangeArrowheads="1"/>
+          </p:cNvSpPr>
+          <p:nvPr/>
+        </p:nvSpPr>
+        <p:spPr bwMode="auto">
+          <a:xfrm>
+            <a:off x="3321968" y="5083570"/>
+            <a:ext cx="694928" cy="307777"/>
+          </a:xfrm>
+          <a:prstGeom prst="rect">
+            <a:avLst/>
+          </a:prstGeom>
+          <a:noFill/>
+          <a:ln>
+            <a:noFill/>
+          </a:ln>
+          <a:extLst>
+            <a:ext uri="{909E8E84-426E-40DD-AFC4-6F175D3DCCD1}">
+              <a14:hiddenFill xmlns:a14="http://schemas.microsoft.com/office/drawing/2010/main">
+                <a:solidFill>
+                  <a:srgbClr val="FFFFFF"/>
+                </a:solidFill>
+              </a14:hiddenFill>
+            </a:ext>
+            <a:ext uri="{91240B29-F687-4F45-9708-019B960494DF}">
+              <a14:hiddenLine xmlns:a14="http://schemas.microsoft.com/office/drawing/2010/main" w="9525">
+                <a:solidFill>
+                  <a:srgbClr val="000000"/>
+                </a:solidFill>
+                <a:miter lim="800000"/>
+                <a:headEnd/>
+                <a:tailEnd/>
+              </a14:hiddenLine>
+            </a:ext>
+          </a:extLst>
+        </p:spPr>
+        <p:txBody>
+          <a:bodyPr wrap="square">
+            <a:spAutoFit/>
+          </a:bodyPr>
+          <a:lstStyle>
+            <a:lvl1pPr>
+              <a:spcBef>
+                <a:spcPct val="20000"/>
+              </a:spcBef>
+              <a:buChar char="•"/>
+              <a:defRPr sz="3200">
+                <a:solidFill>
+                  <a:schemeClr val="tx1"/>
+                </a:solidFill>
+                <a:latin typeface="Arial" panose="020B0604020202020204" pitchFamily="34" charset="0"/>
+                <a:ea typeface="Arial Unicode MS" panose="020B0604020202020204" pitchFamily="50" charset="-127"/>
+                <a:cs typeface="Arial" panose="020B0604020202020204" pitchFamily="34" charset="0"/>
+              </a:defRPr>
+            </a:lvl1pPr>
+            <a:lvl2pPr marL="742950" indent="-285750">
+              <a:spcBef>
+                <a:spcPct val="20000"/>
+              </a:spcBef>
+              <a:buChar char="–"/>
+              <a:defRPr sz="2800">
+                <a:solidFill>
+                  <a:schemeClr val="tx1"/>
+                </a:solidFill>
+                <a:latin typeface="Arial" panose="020B0604020202020204" pitchFamily="34" charset="0"/>
+                <a:ea typeface="Arial Unicode MS" panose="020B0604020202020204" pitchFamily="50" charset="-127"/>
+                <a:cs typeface="Arial" panose="020B0604020202020204" pitchFamily="34" charset="0"/>
+              </a:defRPr>
+            </a:lvl2pPr>
+            <a:lvl3pPr marL="1143000" indent="-228600">
+              <a:spcBef>
+                <a:spcPct val="20000"/>
+              </a:spcBef>
+              <a:buChar char="•"/>
+              <a:defRPr sz="2400">
+                <a:solidFill>
+                  <a:schemeClr val="tx1"/>
+                </a:solidFill>
+                <a:latin typeface="Arial" panose="020B0604020202020204" pitchFamily="34" charset="0"/>
+                <a:ea typeface="Arial Unicode MS" panose="020B0604020202020204" pitchFamily="50" charset="-127"/>
+                <a:cs typeface="Arial" panose="020B0604020202020204" pitchFamily="34" charset="0"/>
+              </a:defRPr>
+            </a:lvl3pPr>
+            <a:lvl4pPr marL="1600200" indent="-228600">
+              <a:spcBef>
+                <a:spcPct val="20000"/>
+              </a:spcBef>
+              <a:buChar char="–"/>
+              <a:defRPr sz="2000">
+                <a:solidFill>
+                  <a:schemeClr val="tx1"/>
+                </a:solidFill>
+                <a:latin typeface="Arial" panose="020B0604020202020204" pitchFamily="34" charset="0"/>
+                <a:ea typeface="Arial Unicode MS" panose="020B0604020202020204" pitchFamily="50" charset="-127"/>
+                <a:cs typeface="Arial" panose="020B0604020202020204" pitchFamily="34" charset="0"/>
+              </a:defRPr>
+            </a:lvl4pPr>
+            <a:lvl5pPr marL="2057400" indent="-228600">
+              <a:spcBef>
+                <a:spcPct val="20000"/>
+              </a:spcBef>
+              <a:buChar char="»"/>
+              <a:defRPr sz="2000">
+                <a:solidFill>
+                  <a:schemeClr val="tx1"/>
+                </a:solidFill>
+                <a:latin typeface="Arial" panose="020B0604020202020204" pitchFamily="34" charset="0"/>
+                <a:ea typeface="Arial Unicode MS" panose="020B0604020202020204" pitchFamily="50" charset="-127"/>
+                <a:cs typeface="Arial" panose="020B0604020202020204" pitchFamily="34" charset="0"/>
+              </a:defRPr>
+            </a:lvl5pPr>
+            <a:lvl6pPr marL="2514600" indent="-228600" eaLnBrk="0" fontAlgn="base" hangingPunct="0">
+              <a:spcBef>
+                <a:spcPct val="20000"/>
+              </a:spcBef>
+              <a:spcAft>
+                <a:spcPct val="0"/>
+              </a:spcAft>
+              <a:buChar char="»"/>
+              <a:defRPr sz="2000">
+                <a:solidFill>
+                  <a:schemeClr val="tx1"/>
+                </a:solidFill>
+                <a:latin typeface="Arial" panose="020B0604020202020204" pitchFamily="34" charset="0"/>
+                <a:ea typeface="Arial Unicode MS" panose="020B0604020202020204" pitchFamily="50" charset="-127"/>
+                <a:cs typeface="Arial" panose="020B0604020202020204" pitchFamily="34" charset="0"/>
+              </a:defRPr>
+            </a:lvl6pPr>
+            <a:lvl7pPr marL="2971800" indent="-228600" eaLnBrk="0" fontAlgn="base" hangingPunct="0">
+              <a:spcBef>
+                <a:spcPct val="20000"/>
+              </a:spcBef>
+              <a:spcAft>
+                <a:spcPct val="0"/>
+              </a:spcAft>
+              <a:buChar char="»"/>
+              <a:defRPr sz="2000">
+                <a:solidFill>
+                  <a:schemeClr val="tx1"/>
+                </a:solidFill>
+                <a:latin typeface="Arial" panose="020B0604020202020204" pitchFamily="34" charset="0"/>
+                <a:ea typeface="Arial Unicode MS" panose="020B0604020202020204" pitchFamily="50" charset="-127"/>
+                <a:cs typeface="Arial" panose="020B0604020202020204" pitchFamily="34" charset="0"/>
+              </a:defRPr>
+            </a:lvl7pPr>
+            <a:lvl8pPr marL="3429000" indent="-228600" eaLnBrk="0" fontAlgn="base" hangingPunct="0">
+              <a:spcBef>
+                <a:spcPct val="20000"/>
+              </a:spcBef>
+              <a:spcAft>
+                <a:spcPct val="0"/>
+              </a:spcAft>
+              <a:buChar char="»"/>
+              <a:defRPr sz="2000">
+                <a:solidFill>
+                  <a:schemeClr val="tx1"/>
+                </a:solidFill>
+                <a:latin typeface="Arial" panose="020B0604020202020204" pitchFamily="34" charset="0"/>
+                <a:ea typeface="Arial Unicode MS" panose="020B0604020202020204" pitchFamily="50" charset="-127"/>
+                <a:cs typeface="Arial" panose="020B0604020202020204" pitchFamily="34" charset="0"/>
+              </a:defRPr>
+            </a:lvl8pPr>
+            <a:lvl9pPr marL="3886200" indent="-228600" eaLnBrk="0" fontAlgn="base" hangingPunct="0">
+              <a:spcBef>
+                <a:spcPct val="20000"/>
+              </a:spcBef>
+              <a:spcAft>
+                <a:spcPct val="0"/>
+              </a:spcAft>
+              <a:buChar char="»"/>
+              <a:defRPr sz="2000">
+                <a:solidFill>
+                  <a:schemeClr val="tx1"/>
+                </a:solidFill>
+                <a:latin typeface="Arial" panose="020B0604020202020204" pitchFamily="34" charset="0"/>
+                <a:ea typeface="Arial Unicode MS" panose="020B0604020202020204" pitchFamily="50" charset="-127"/>
+                <a:cs typeface="Arial" panose="020B0604020202020204" pitchFamily="34" charset="0"/>
+              </a:defRPr>
+            </a:lvl9pPr>
+          </a:lstStyle>
+          <a:p>
+            <a:pPr eaLnBrk="1" hangingPunct="1">
+              <a:spcBef>
+                <a:spcPct val="0"/>
+              </a:spcBef>
+              <a:buNone/>
+            </a:pPr>
+            <a:r>
+              <a:rPr lang="en-US" altLang="ko-KR" sz="1400">
+                <a:solidFill>
+                  <a:srgbClr val="000000"/>
+                </a:solidFill>
+                <a:latin typeface="맑은 고딕" panose="020B0503020000020004" pitchFamily="50" charset="-127"/>
+                <a:ea typeface="맑은 고딕" panose="020B0503020000020004" pitchFamily="50" charset="-127"/>
+              </a:rPr>
+              <a:t>100</a:t>
+            </a:r>
+            <a:r>
+              <a:rPr lang="ko-KR" altLang="en-US" sz="1400">
+                <a:solidFill>
+                  <a:srgbClr val="000000"/>
+                </a:solidFill>
+                <a:latin typeface="맑은 고딕" panose="020B0503020000020004" pitchFamily="50" charset="-127"/>
+                <a:ea typeface="맑은 고딕" panose="020B0503020000020004" pitchFamily="50" charset="-127"/>
+              </a:rPr>
+              <a:t>개</a:t>
+            </a:r>
+            <a:endParaRPr lang="en-US" altLang="ko-KR" sz="1400">
+              <a:solidFill>
+                <a:srgbClr val="000000"/>
+              </a:solidFill>
+              <a:latin typeface="맑은 고딕" panose="020B0503020000020004" pitchFamily="50" charset="-127"/>
+              <a:ea typeface="맑은 고딕" panose="020B0503020000020004" pitchFamily="50" charset="-127"/>
+            </a:endParaRPr>
+          </a:p>
+        </p:txBody>
+      </p:sp>
+      <p:sp>
+        <p:nvSpPr>
+          <p:cNvPr id="50" name="TextBox 49">
+            <a:extLst>
+              <a:ext uri="{FF2B5EF4-FFF2-40B4-BE49-F238E27FC236}">
+                <a16:creationId xmlns:a16="http://schemas.microsoft.com/office/drawing/2014/main" id="{58354597-06B9-4BF1-BC46-67719A876FC5}"/>
+              </a:ext>
+            </a:extLst>
+          </p:cNvPr>
+          <p:cNvSpPr txBox="1">
+            <a:spLocks noChangeArrowheads="1"/>
+          </p:cNvSpPr>
+          <p:nvPr/>
+        </p:nvSpPr>
+        <p:spPr bwMode="auto">
+          <a:xfrm>
+            <a:off x="5229961" y="5083570"/>
+            <a:ext cx="694928" cy="307777"/>
+          </a:xfrm>
+          <a:prstGeom prst="rect">
+            <a:avLst/>
+          </a:prstGeom>
+          <a:noFill/>
+          <a:ln>
+            <a:noFill/>
+          </a:ln>
+          <a:extLst>
+            <a:ext uri="{909E8E84-426E-40DD-AFC4-6F175D3DCCD1}">
+              <a14:hiddenFill xmlns:a14="http://schemas.microsoft.com/office/drawing/2010/main">
+                <a:solidFill>
+                  <a:srgbClr val="FFFFFF"/>
+                </a:solidFill>
+              </a14:hiddenFill>
+            </a:ext>
+            <a:ext uri="{91240B29-F687-4F45-9708-019B960494DF}">
+              <a14:hiddenLine xmlns:a14="http://schemas.microsoft.com/office/drawing/2010/main" w="9525">
+                <a:solidFill>
+                  <a:srgbClr val="000000"/>
+                </a:solidFill>
+                <a:miter lim="800000"/>
+                <a:headEnd/>
+                <a:tailEnd/>
+              </a14:hiddenLine>
+            </a:ext>
+          </a:extLst>
+        </p:spPr>
+        <p:txBody>
+          <a:bodyPr wrap="square">
+            <a:spAutoFit/>
+          </a:bodyPr>
+          <a:lstStyle>
+            <a:lvl1pPr>
+              <a:spcBef>
+                <a:spcPct val="20000"/>
+              </a:spcBef>
+              <a:buChar char="•"/>
+              <a:defRPr sz="3200">
+                <a:solidFill>
+                  <a:schemeClr val="tx1"/>
+                </a:solidFill>
+                <a:latin typeface="Arial" panose="020B0604020202020204" pitchFamily="34" charset="0"/>
+                <a:ea typeface="Arial Unicode MS" panose="020B0604020202020204" pitchFamily="50" charset="-127"/>
+                <a:cs typeface="Arial" panose="020B0604020202020204" pitchFamily="34" charset="0"/>
+              </a:defRPr>
+            </a:lvl1pPr>
+            <a:lvl2pPr marL="742950" indent="-285750">
+              <a:spcBef>
+                <a:spcPct val="20000"/>
+              </a:spcBef>
+              <a:buChar char="–"/>
+              <a:defRPr sz="2800">
+                <a:solidFill>
+                  <a:schemeClr val="tx1"/>
+                </a:solidFill>
+                <a:latin typeface="Arial" panose="020B0604020202020204" pitchFamily="34" charset="0"/>
+                <a:ea typeface="Arial Unicode MS" panose="020B0604020202020204" pitchFamily="50" charset="-127"/>
+                <a:cs typeface="Arial" panose="020B0604020202020204" pitchFamily="34" charset="0"/>
+              </a:defRPr>
+            </a:lvl2pPr>
+            <a:lvl3pPr marL="1143000" indent="-228600">
+              <a:spcBef>
+                <a:spcPct val="20000"/>
+              </a:spcBef>
+              <a:buChar char="•"/>
+              <a:defRPr sz="2400">
+                <a:solidFill>
+                  <a:schemeClr val="tx1"/>
+                </a:solidFill>
+                <a:latin typeface="Arial" panose="020B0604020202020204" pitchFamily="34" charset="0"/>
+                <a:ea typeface="Arial Unicode MS" panose="020B0604020202020204" pitchFamily="50" charset="-127"/>
+                <a:cs typeface="Arial" panose="020B0604020202020204" pitchFamily="34" charset="0"/>
+              </a:defRPr>
+            </a:lvl3pPr>
+            <a:lvl4pPr marL="1600200" indent="-228600">
+              <a:spcBef>
+                <a:spcPct val="20000"/>
+              </a:spcBef>
+              <a:buChar char="–"/>
+              <a:defRPr sz="2000">
+                <a:solidFill>
+                  <a:schemeClr val="tx1"/>
+                </a:solidFill>
+                <a:latin typeface="Arial" panose="020B0604020202020204" pitchFamily="34" charset="0"/>
+                <a:ea typeface="Arial Unicode MS" panose="020B0604020202020204" pitchFamily="50" charset="-127"/>
+                <a:cs typeface="Arial" panose="020B0604020202020204" pitchFamily="34" charset="0"/>
+              </a:defRPr>
+            </a:lvl4pPr>
+            <a:lvl5pPr marL="2057400" indent="-228600">
+              <a:spcBef>
+                <a:spcPct val="20000"/>
+              </a:spcBef>
+              <a:buChar char="»"/>
+              <a:defRPr sz="2000">
+                <a:solidFill>
+                  <a:schemeClr val="tx1"/>
+                </a:solidFill>
+                <a:latin typeface="Arial" panose="020B0604020202020204" pitchFamily="34" charset="0"/>
+                <a:ea typeface="Arial Unicode MS" panose="020B0604020202020204" pitchFamily="50" charset="-127"/>
+                <a:cs typeface="Arial" panose="020B0604020202020204" pitchFamily="34" charset="0"/>
+              </a:defRPr>
+            </a:lvl5pPr>
+            <a:lvl6pPr marL="2514600" indent="-228600" eaLnBrk="0" fontAlgn="base" hangingPunct="0">
+              <a:spcBef>
+                <a:spcPct val="20000"/>
+              </a:spcBef>
+              <a:spcAft>
+                <a:spcPct val="0"/>
+              </a:spcAft>
+              <a:buChar char="»"/>
+              <a:defRPr sz="2000">
+                <a:solidFill>
+                  <a:schemeClr val="tx1"/>
+                </a:solidFill>
+                <a:latin typeface="Arial" panose="020B0604020202020204" pitchFamily="34" charset="0"/>
+                <a:ea typeface="Arial Unicode MS" panose="020B0604020202020204" pitchFamily="50" charset="-127"/>
+                <a:cs typeface="Arial" panose="020B0604020202020204" pitchFamily="34" charset="0"/>
+              </a:defRPr>
+            </a:lvl6pPr>
+            <a:lvl7pPr marL="2971800" indent="-228600" eaLnBrk="0" fontAlgn="base" hangingPunct="0">
+              <a:spcBef>
+                <a:spcPct val="20000"/>
+              </a:spcBef>
+              <a:spcAft>
+                <a:spcPct val="0"/>
+              </a:spcAft>
+              <a:buChar char="»"/>
+              <a:defRPr sz="2000">
+                <a:solidFill>
+                  <a:schemeClr val="tx1"/>
+                </a:solidFill>
+                <a:latin typeface="Arial" panose="020B0604020202020204" pitchFamily="34" charset="0"/>
+                <a:ea typeface="Arial Unicode MS" panose="020B0604020202020204" pitchFamily="50" charset="-127"/>
+                <a:cs typeface="Arial" panose="020B0604020202020204" pitchFamily="34" charset="0"/>
+              </a:defRPr>
+            </a:lvl7pPr>
+            <a:lvl8pPr marL="3429000" indent="-228600" eaLnBrk="0" fontAlgn="base" hangingPunct="0">
+              <a:spcBef>
+                <a:spcPct val="20000"/>
+              </a:spcBef>
+              <a:spcAft>
+                <a:spcPct val="0"/>
+              </a:spcAft>
+              <a:buChar char="»"/>
+              <a:defRPr sz="2000">
+                <a:solidFill>
+                  <a:schemeClr val="tx1"/>
+                </a:solidFill>
+                <a:latin typeface="Arial" panose="020B0604020202020204" pitchFamily="34" charset="0"/>
+                <a:ea typeface="Arial Unicode MS" panose="020B0604020202020204" pitchFamily="50" charset="-127"/>
+                <a:cs typeface="Arial" panose="020B0604020202020204" pitchFamily="34" charset="0"/>
+              </a:defRPr>
+            </a:lvl8pPr>
+            <a:lvl9pPr marL="3886200" indent="-228600" eaLnBrk="0" fontAlgn="base" hangingPunct="0">
+              <a:spcBef>
+                <a:spcPct val="20000"/>
+              </a:spcBef>
+              <a:spcAft>
+                <a:spcPct val="0"/>
+              </a:spcAft>
+              <a:buChar char="»"/>
+              <a:defRPr sz="2000">
+                <a:solidFill>
+                  <a:schemeClr val="tx1"/>
+                </a:solidFill>
+                <a:latin typeface="Arial" panose="020B0604020202020204" pitchFamily="34" charset="0"/>
+                <a:ea typeface="Arial Unicode MS" panose="020B0604020202020204" pitchFamily="50" charset="-127"/>
+                <a:cs typeface="Arial" panose="020B0604020202020204" pitchFamily="34" charset="0"/>
+              </a:defRPr>
+            </a:lvl9pPr>
+          </a:lstStyle>
+          <a:p>
+            <a:pPr eaLnBrk="1" hangingPunct="1">
+              <a:spcBef>
+                <a:spcPct val="0"/>
+              </a:spcBef>
+              <a:buNone/>
+            </a:pPr>
+            <a:r>
+              <a:rPr lang="en-US" altLang="ko-KR" sz="1400">
+                <a:solidFill>
+                  <a:srgbClr val="000000"/>
+                </a:solidFill>
+                <a:latin typeface="맑은 고딕" panose="020B0503020000020004" pitchFamily="50" charset="-127"/>
+                <a:ea typeface="맑은 고딕" panose="020B0503020000020004" pitchFamily="50" charset="-127"/>
+              </a:rPr>
+              <a:t>100</a:t>
+            </a:r>
+            <a:r>
+              <a:rPr lang="ko-KR" altLang="en-US" sz="1400">
+                <a:solidFill>
+                  <a:srgbClr val="000000"/>
+                </a:solidFill>
+                <a:latin typeface="맑은 고딕" panose="020B0503020000020004" pitchFamily="50" charset="-127"/>
+                <a:ea typeface="맑은 고딕" panose="020B0503020000020004" pitchFamily="50" charset="-127"/>
+              </a:rPr>
+              <a:t>개</a:t>
+            </a:r>
+            <a:endParaRPr lang="en-US" altLang="ko-KR" sz="1400">
+              <a:solidFill>
+                <a:srgbClr val="000000"/>
+              </a:solidFill>
+              <a:latin typeface="맑은 고딕" panose="020B0503020000020004" pitchFamily="50" charset="-127"/>
+              <a:ea typeface="맑은 고딕" panose="020B0503020000020004" pitchFamily="50" charset="-127"/>
+            </a:endParaRPr>
+          </a:p>
+        </p:txBody>
+      </p:sp>
+      <p:sp>
+        <p:nvSpPr>
+          <p:cNvPr id="51" name="TextBox 50">
+            <a:extLst>
+              <a:ext uri="{FF2B5EF4-FFF2-40B4-BE49-F238E27FC236}">
+                <a16:creationId xmlns:a16="http://schemas.microsoft.com/office/drawing/2014/main" id="{A51521BB-8AFF-46B6-8A92-33E129C2EEEB}"/>
+              </a:ext>
+            </a:extLst>
+          </p:cNvPr>
+          <p:cNvSpPr txBox="1">
+            <a:spLocks noChangeArrowheads="1"/>
+          </p:cNvSpPr>
+          <p:nvPr/>
+        </p:nvSpPr>
+        <p:spPr bwMode="auto">
+          <a:xfrm>
+            <a:off x="7842161" y="5052323"/>
+            <a:ext cx="1094688" cy="307777"/>
+          </a:xfrm>
+          <a:prstGeom prst="rect">
+            <a:avLst/>
+          </a:prstGeom>
+          <a:noFill/>
+          <a:ln>
+            <a:noFill/>
+          </a:ln>
+          <a:extLst>
+            <a:ext uri="{909E8E84-426E-40DD-AFC4-6F175D3DCCD1}">
+              <a14:hiddenFill xmlns:a14="http://schemas.microsoft.com/office/drawing/2010/main">
+                <a:solidFill>
+                  <a:srgbClr val="FFFFFF"/>
+                </a:solidFill>
+              </a14:hiddenFill>
+            </a:ext>
+            <a:ext uri="{91240B29-F687-4F45-9708-019B960494DF}">
+              <a14:hiddenLine xmlns:a14="http://schemas.microsoft.com/office/drawing/2010/main" w="9525">
+                <a:solidFill>
+                  <a:srgbClr val="000000"/>
+                </a:solidFill>
+                <a:miter lim="800000"/>
+                <a:headEnd/>
+                <a:tailEnd/>
+              </a14:hiddenLine>
+            </a:ext>
+          </a:extLst>
+        </p:spPr>
+        <p:txBody>
+          <a:bodyPr wrap="square">
+            <a:spAutoFit/>
+          </a:bodyPr>
+          <a:lstStyle>
+            <a:lvl1pPr>
+              <a:spcBef>
+                <a:spcPct val="20000"/>
+              </a:spcBef>
+              <a:buChar char="•"/>
+              <a:defRPr sz="3200">
+                <a:solidFill>
+                  <a:schemeClr val="tx1"/>
+                </a:solidFill>
+                <a:latin typeface="Arial" panose="020B0604020202020204" pitchFamily="34" charset="0"/>
+                <a:ea typeface="Arial Unicode MS" panose="020B0604020202020204" pitchFamily="50" charset="-127"/>
+                <a:cs typeface="Arial" panose="020B0604020202020204" pitchFamily="34" charset="0"/>
+              </a:defRPr>
+            </a:lvl1pPr>
+            <a:lvl2pPr marL="742950" indent="-285750">
+              <a:spcBef>
+                <a:spcPct val="20000"/>
+              </a:spcBef>
+              <a:buChar char="–"/>
+              <a:defRPr sz="2800">
+                <a:solidFill>
+                  <a:schemeClr val="tx1"/>
+                </a:solidFill>
+                <a:latin typeface="Arial" panose="020B0604020202020204" pitchFamily="34" charset="0"/>
+                <a:ea typeface="Arial Unicode MS" panose="020B0604020202020204" pitchFamily="50" charset="-127"/>
+                <a:cs typeface="Arial" panose="020B0604020202020204" pitchFamily="34" charset="0"/>
+              </a:defRPr>
+            </a:lvl2pPr>
+            <a:lvl3pPr marL="1143000" indent="-228600">
+              <a:spcBef>
+                <a:spcPct val="20000"/>
+              </a:spcBef>
+              <a:buChar char="•"/>
+              <a:defRPr sz="2400">
+                <a:solidFill>
+                  <a:schemeClr val="tx1"/>
+                </a:solidFill>
+                <a:latin typeface="Arial" panose="020B0604020202020204" pitchFamily="34" charset="0"/>
+                <a:ea typeface="Arial Unicode MS" panose="020B0604020202020204" pitchFamily="50" charset="-127"/>
+                <a:cs typeface="Arial" panose="020B0604020202020204" pitchFamily="34" charset="0"/>
+              </a:defRPr>
+            </a:lvl3pPr>
+            <a:lvl4pPr marL="1600200" indent="-228600">
+              <a:spcBef>
+                <a:spcPct val="20000"/>
+              </a:spcBef>
+              <a:buChar char="–"/>
+              <a:defRPr sz="2000">
+                <a:solidFill>
+                  <a:schemeClr val="tx1"/>
+                </a:solidFill>
+                <a:latin typeface="Arial" panose="020B0604020202020204" pitchFamily="34" charset="0"/>
+                <a:ea typeface="Arial Unicode MS" panose="020B0604020202020204" pitchFamily="50" charset="-127"/>
+                <a:cs typeface="Arial" panose="020B0604020202020204" pitchFamily="34" charset="0"/>
+              </a:defRPr>
+            </a:lvl4pPr>
+            <a:lvl5pPr marL="2057400" indent="-228600">
+              <a:spcBef>
+                <a:spcPct val="20000"/>
+              </a:spcBef>
+              <a:buChar char="»"/>
+              <a:defRPr sz="2000">
+                <a:solidFill>
+                  <a:schemeClr val="tx1"/>
+                </a:solidFill>
+                <a:latin typeface="Arial" panose="020B0604020202020204" pitchFamily="34" charset="0"/>
+                <a:ea typeface="Arial Unicode MS" panose="020B0604020202020204" pitchFamily="50" charset="-127"/>
+                <a:cs typeface="Arial" panose="020B0604020202020204" pitchFamily="34" charset="0"/>
+              </a:defRPr>
+            </a:lvl5pPr>
+            <a:lvl6pPr marL="2514600" indent="-228600" eaLnBrk="0" fontAlgn="base" hangingPunct="0">
+              <a:spcBef>
+                <a:spcPct val="20000"/>
+              </a:spcBef>
+              <a:spcAft>
+                <a:spcPct val="0"/>
+              </a:spcAft>
+              <a:buChar char="»"/>
+              <a:defRPr sz="2000">
+                <a:solidFill>
+                  <a:schemeClr val="tx1"/>
+                </a:solidFill>
+                <a:latin typeface="Arial" panose="020B0604020202020204" pitchFamily="34" charset="0"/>
+                <a:ea typeface="Arial Unicode MS" panose="020B0604020202020204" pitchFamily="50" charset="-127"/>
+                <a:cs typeface="Arial" panose="020B0604020202020204" pitchFamily="34" charset="0"/>
+              </a:defRPr>
+            </a:lvl6pPr>
+            <a:lvl7pPr marL="2971800" indent="-228600" eaLnBrk="0" fontAlgn="base" hangingPunct="0">
+              <a:spcBef>
+                <a:spcPct val="20000"/>
+              </a:spcBef>
+              <a:spcAft>
+                <a:spcPct val="0"/>
+              </a:spcAft>
+              <a:buChar char="»"/>
+              <a:defRPr sz="2000">
+                <a:solidFill>
+                  <a:schemeClr val="tx1"/>
+                </a:solidFill>
+                <a:latin typeface="Arial" panose="020B0604020202020204" pitchFamily="34" charset="0"/>
+                <a:ea typeface="Arial Unicode MS" panose="020B0604020202020204" pitchFamily="50" charset="-127"/>
+                <a:cs typeface="Arial" panose="020B0604020202020204" pitchFamily="34" charset="0"/>
+              </a:defRPr>
+            </a:lvl7pPr>
+            <a:lvl8pPr marL="3429000" indent="-228600" eaLnBrk="0" fontAlgn="base" hangingPunct="0">
+              <a:spcBef>
+                <a:spcPct val="20000"/>
+              </a:spcBef>
+              <a:spcAft>
+                <a:spcPct val="0"/>
+              </a:spcAft>
+              <a:buChar char="»"/>
+              <a:defRPr sz="2000">
+                <a:solidFill>
+                  <a:schemeClr val="tx1"/>
+                </a:solidFill>
+                <a:latin typeface="Arial" panose="020B0604020202020204" pitchFamily="34" charset="0"/>
+                <a:ea typeface="Arial Unicode MS" panose="020B0604020202020204" pitchFamily="50" charset="-127"/>
+                <a:cs typeface="Arial" panose="020B0604020202020204" pitchFamily="34" charset="0"/>
+              </a:defRPr>
+            </a:lvl8pPr>
+            <a:lvl9pPr marL="3886200" indent="-228600" eaLnBrk="0" fontAlgn="base" hangingPunct="0">
+              <a:spcBef>
+                <a:spcPct val="20000"/>
+              </a:spcBef>
+              <a:spcAft>
+                <a:spcPct val="0"/>
+              </a:spcAft>
+              <a:buChar char="»"/>
+              <a:defRPr sz="2000">
+                <a:solidFill>
+                  <a:schemeClr val="tx1"/>
+                </a:solidFill>
+                <a:latin typeface="Arial" panose="020B0604020202020204" pitchFamily="34" charset="0"/>
+                <a:ea typeface="Arial Unicode MS" panose="020B0604020202020204" pitchFamily="50" charset="-127"/>
+                <a:cs typeface="Arial" panose="020B0604020202020204" pitchFamily="34" charset="0"/>
+              </a:defRPr>
+            </a:lvl9pPr>
+          </a:lstStyle>
+          <a:p>
+            <a:pPr eaLnBrk="1" hangingPunct="1">
+              <a:spcBef>
+                <a:spcPct val="0"/>
+              </a:spcBef>
+              <a:buNone/>
+            </a:pPr>
+            <a:r>
+              <a:rPr lang="ko-KR" altLang="en-US" sz="1400">
+                <a:solidFill>
+                  <a:srgbClr val="000000"/>
+                </a:solidFill>
+                <a:latin typeface="맑은 고딕" panose="020B0503020000020004" pitchFamily="50" charset="-127"/>
+                <a:ea typeface="맑은 고딕" panose="020B0503020000020004" pitchFamily="50" charset="-127"/>
+              </a:rPr>
+              <a:t>제한된 </a:t>
+            </a:r>
+            <a:r>
+              <a:rPr lang="en-US" altLang="ko-KR" sz="1400">
+                <a:solidFill>
+                  <a:srgbClr val="000000"/>
+                </a:solidFill>
+                <a:latin typeface="맑은 고딕" panose="020B0503020000020004" pitchFamily="50" charset="-127"/>
+                <a:ea typeface="맑은 고딕" panose="020B0503020000020004" pitchFamily="50" charset="-127"/>
+              </a:rPr>
+              <a:t>n</a:t>
+            </a:r>
+            <a:r>
+              <a:rPr lang="ko-KR" altLang="en-US" sz="1400">
+                <a:solidFill>
+                  <a:srgbClr val="000000"/>
+                </a:solidFill>
+                <a:latin typeface="맑은 고딕" panose="020B0503020000020004" pitchFamily="50" charset="-127"/>
+                <a:ea typeface="맑은 고딕" panose="020B0503020000020004" pitchFamily="50" charset="-127"/>
+              </a:rPr>
+              <a:t>개</a:t>
+            </a:r>
+            <a:endParaRPr lang="en-US" altLang="ko-KR" sz="1400">
+              <a:solidFill>
+                <a:srgbClr val="000000"/>
+              </a:solidFill>
+              <a:latin typeface="맑은 고딕" panose="020B0503020000020004" pitchFamily="50" charset="-127"/>
+              <a:ea typeface="맑은 고딕" panose="020B0503020000020004" pitchFamily="50" charset="-127"/>
+            </a:endParaRPr>
+          </a:p>
+        </p:txBody>
+      </p:sp>
     </p:spTree>
     <p:extLst>
       <p:ext uri="{BB962C8B-B14F-4D97-AF65-F5344CB8AC3E}">
@@ -4900,266 +8384,6 @@
 </file>
 
 <file path=ppt/slides/slide11.xml><?xml version="1.0" encoding="utf-8"?>
-<p:sld xmlns:a="http://schemas.openxmlformats.org/drawingml/2006/main" xmlns:r="http://schemas.openxmlformats.org/officeDocument/2006/relationships" xmlns:p="http://schemas.openxmlformats.org/presentationml/2006/main">
-  <p:cSld>
-    <p:spTree>
-      <p:nvGrpSpPr>
-        <p:cNvPr id="1" name=""/>
-        <p:cNvGrpSpPr/>
-        <p:nvPr/>
-      </p:nvGrpSpPr>
-      <p:grpSpPr>
-        <a:xfrm>
-          <a:off x="0" y="0"/>
-          <a:ext cx="0" cy="0"/>
-          <a:chOff x="0" y="0"/>
-          <a:chExt cx="0" cy="0"/>
-        </a:xfrm>
-      </p:grpSpPr>
-      <p:sp>
-        <p:nvSpPr>
-          <p:cNvPr id="9" name="Rectangle 150">
-            <a:extLst>
-              <a:ext uri="{FF2B5EF4-FFF2-40B4-BE49-F238E27FC236}">
-                <a16:creationId xmlns:a16="http://schemas.microsoft.com/office/drawing/2014/main" id="{B6D2B44A-A8AF-419F-A2C5-7317925249E9}"/>
-              </a:ext>
-            </a:extLst>
-          </p:cNvPr>
-          <p:cNvSpPr txBox="1">
-            <a:spLocks noChangeArrowheads="1"/>
-          </p:cNvSpPr>
-          <p:nvPr/>
-        </p:nvSpPr>
-        <p:spPr bwMode="auto">
-          <a:xfrm>
-            <a:off x="1925737" y="2852936"/>
-            <a:ext cx="5292526" cy="647700"/>
-          </a:xfrm>
-          <a:prstGeom prst="rect">
-            <a:avLst/>
-          </a:prstGeom>
-          <a:noFill/>
-          <a:ln>
-            <a:noFill/>
-          </a:ln>
-          <a:effectLst/>
-          <a:extLst>
-            <a:ext uri="{909E8E84-426E-40DD-AFC4-6F175D3DCCD1}">
-              <a14:hiddenFill xmlns:a14="http://schemas.microsoft.com/office/drawing/2010/main">
-                <a:solidFill>
-                  <a:schemeClr val="accent1"/>
-                </a:solidFill>
-              </a14:hiddenFill>
-            </a:ext>
-            <a:ext uri="{91240B29-F687-4F45-9708-019B960494DF}">
-              <a14:hiddenLine xmlns:a14="http://schemas.microsoft.com/office/drawing/2010/main" w="9525">
-                <a:solidFill>
-                  <a:schemeClr val="tx1"/>
-                </a:solidFill>
-                <a:miter lim="800000"/>
-                <a:headEnd/>
-                <a:tailEnd/>
-              </a14:hiddenLine>
-            </a:ext>
-            <a:ext uri="{AF507438-7753-43E0-B8FC-AC1667EBCBE1}">
-              <a14:hiddenEffects xmlns:a14="http://schemas.microsoft.com/office/drawing/2010/main">
-                <a:effectLst>
-                  <a:outerShdw dist="35921" dir="2700000" algn="ctr" rotWithShape="0">
-                    <a:schemeClr val="bg2"/>
-                  </a:outerShdw>
-                </a:effectLst>
-              </a14:hiddenEffects>
-            </a:ext>
-          </a:extLst>
-        </p:spPr>
-        <p:txBody>
-          <a:bodyPr vert="horz" wrap="square" lIns="91440" tIns="45720" rIns="91440" bIns="45720" numCol="1" anchor="ctr" anchorCtr="0" compatLnSpc="1">
-            <a:prstTxWarp prst="textNoShape">
-              <a:avLst/>
-            </a:prstTxWarp>
-          </a:bodyPr>
-          <a:lstStyle>
-            <a:lvl1pPr algn="ctr" rtl="0" eaLnBrk="0" fontAlgn="base" hangingPunct="0">
-              <a:spcBef>
-                <a:spcPct val="0"/>
-              </a:spcBef>
-              <a:spcAft>
-                <a:spcPct val="0"/>
-              </a:spcAft>
-              <a:defRPr sz="4400" kern="1200">
-                <a:solidFill>
-                  <a:schemeClr val="tx2"/>
-                </a:solidFill>
-                <a:latin typeface="맑은 고딕" panose="020B0503020000020004" pitchFamily="50" charset="-127"/>
-                <a:ea typeface="맑은 고딕" panose="020B0503020000020004" pitchFamily="50" charset="-127"/>
-                <a:cs typeface="+mj-cs"/>
-              </a:defRPr>
-            </a:lvl1pPr>
-            <a:lvl2pPr algn="ctr" rtl="0" eaLnBrk="0" fontAlgn="base" hangingPunct="0">
-              <a:spcBef>
-                <a:spcPct val="0"/>
-              </a:spcBef>
-              <a:spcAft>
-                <a:spcPct val="0"/>
-              </a:spcAft>
-              <a:defRPr sz="4400">
-                <a:solidFill>
-                  <a:schemeClr val="tx2"/>
-                </a:solidFill>
-                <a:latin typeface="Arial" panose="020B0604020202020204" pitchFamily="34" charset="0"/>
-                <a:ea typeface="Arial Unicode MS" panose="020B0604020202020204" pitchFamily="50" charset="-127"/>
-                <a:cs typeface="Arial" panose="020B0604020202020204" pitchFamily="34" charset="0"/>
-              </a:defRPr>
-            </a:lvl2pPr>
-            <a:lvl3pPr algn="ctr" rtl="0" eaLnBrk="0" fontAlgn="base" hangingPunct="0">
-              <a:spcBef>
-                <a:spcPct val="0"/>
-              </a:spcBef>
-              <a:spcAft>
-                <a:spcPct val="0"/>
-              </a:spcAft>
-              <a:defRPr sz="4400">
-                <a:solidFill>
-                  <a:schemeClr val="tx2"/>
-                </a:solidFill>
-                <a:latin typeface="Arial" panose="020B0604020202020204" pitchFamily="34" charset="0"/>
-                <a:ea typeface="Arial Unicode MS" panose="020B0604020202020204" pitchFamily="50" charset="-127"/>
-                <a:cs typeface="Arial" panose="020B0604020202020204" pitchFamily="34" charset="0"/>
-              </a:defRPr>
-            </a:lvl3pPr>
-            <a:lvl4pPr algn="ctr" rtl="0" eaLnBrk="0" fontAlgn="base" hangingPunct="0">
-              <a:spcBef>
-                <a:spcPct val="0"/>
-              </a:spcBef>
-              <a:spcAft>
-                <a:spcPct val="0"/>
-              </a:spcAft>
-              <a:defRPr sz="4400">
-                <a:solidFill>
-                  <a:schemeClr val="tx2"/>
-                </a:solidFill>
-                <a:latin typeface="Arial" panose="020B0604020202020204" pitchFamily="34" charset="0"/>
-                <a:ea typeface="Arial Unicode MS" panose="020B0604020202020204" pitchFamily="50" charset="-127"/>
-                <a:cs typeface="Arial" panose="020B0604020202020204" pitchFamily="34" charset="0"/>
-              </a:defRPr>
-            </a:lvl4pPr>
-            <a:lvl5pPr algn="ctr" rtl="0" eaLnBrk="0" fontAlgn="base" hangingPunct="0">
-              <a:spcBef>
-                <a:spcPct val="0"/>
-              </a:spcBef>
-              <a:spcAft>
-                <a:spcPct val="0"/>
-              </a:spcAft>
-              <a:defRPr sz="4400">
-                <a:solidFill>
-                  <a:schemeClr val="tx2"/>
-                </a:solidFill>
-                <a:latin typeface="Arial" panose="020B0604020202020204" pitchFamily="34" charset="0"/>
-                <a:ea typeface="Arial Unicode MS" panose="020B0604020202020204" pitchFamily="50" charset="-127"/>
-                <a:cs typeface="Arial" panose="020B0604020202020204" pitchFamily="34" charset="0"/>
-              </a:defRPr>
-            </a:lvl5pPr>
-            <a:lvl6pPr marL="457200" algn="ctr" rtl="0" fontAlgn="base">
-              <a:spcBef>
-                <a:spcPct val="0"/>
-              </a:spcBef>
-              <a:spcAft>
-                <a:spcPct val="0"/>
-              </a:spcAft>
-              <a:defRPr sz="4400">
-                <a:solidFill>
-                  <a:schemeClr val="tx2"/>
-                </a:solidFill>
-                <a:latin typeface="Arial" panose="020B0604020202020204" pitchFamily="34" charset="0"/>
-                <a:cs typeface="Arial" panose="020B0604020202020204" pitchFamily="34" charset="0"/>
-              </a:defRPr>
-            </a:lvl6pPr>
-            <a:lvl7pPr marL="914400" algn="ctr" rtl="0" fontAlgn="base">
-              <a:spcBef>
-                <a:spcPct val="0"/>
-              </a:spcBef>
-              <a:spcAft>
-                <a:spcPct val="0"/>
-              </a:spcAft>
-              <a:defRPr sz="4400">
-                <a:solidFill>
-                  <a:schemeClr val="tx2"/>
-                </a:solidFill>
-                <a:latin typeface="Arial" panose="020B0604020202020204" pitchFamily="34" charset="0"/>
-                <a:cs typeface="Arial" panose="020B0604020202020204" pitchFamily="34" charset="0"/>
-              </a:defRPr>
-            </a:lvl7pPr>
-            <a:lvl8pPr marL="1371600" algn="ctr" rtl="0" fontAlgn="base">
-              <a:spcBef>
-                <a:spcPct val="0"/>
-              </a:spcBef>
-              <a:spcAft>
-                <a:spcPct val="0"/>
-              </a:spcAft>
-              <a:defRPr sz="4400">
-                <a:solidFill>
-                  <a:schemeClr val="tx2"/>
-                </a:solidFill>
-                <a:latin typeface="Arial" panose="020B0604020202020204" pitchFamily="34" charset="0"/>
-                <a:cs typeface="Arial" panose="020B0604020202020204" pitchFamily="34" charset="0"/>
-              </a:defRPr>
-            </a:lvl8pPr>
-            <a:lvl9pPr marL="1828800" algn="ctr" rtl="0" fontAlgn="base">
-              <a:spcBef>
-                <a:spcPct val="0"/>
-              </a:spcBef>
-              <a:spcAft>
-                <a:spcPct val="0"/>
-              </a:spcAft>
-              <a:defRPr sz="4400">
-                <a:solidFill>
-                  <a:schemeClr val="tx2"/>
-                </a:solidFill>
-                <a:latin typeface="Arial" panose="020B0604020202020204" pitchFamily="34" charset="0"/>
-                <a:cs typeface="Arial" panose="020B0604020202020204" pitchFamily="34" charset="0"/>
-              </a:defRPr>
-            </a:lvl9pPr>
-          </a:lstStyle>
-          <a:p>
-            <a:pPr eaLnBrk="1" hangingPunct="1"/>
-            <a:r>
-              <a:rPr lang="en-US" altLang="ko-KR" sz="3200" b="1">
-                <a:solidFill>
-                  <a:schemeClr val="tx1"/>
-                </a:solidFill>
-              </a:rPr>
-              <a:t>HTTP</a:t>
-            </a:r>
-            <a:r>
-              <a:rPr lang="ko-KR" altLang="en-US" sz="3200" b="1">
-                <a:solidFill>
-                  <a:schemeClr val="tx1"/>
-                </a:solidFill>
-              </a:rPr>
-              <a:t> 버전별 특징</a:t>
-            </a:r>
-            <a:endParaRPr lang="es-ES" altLang="ko-KR" sz="3200" b="1">
-              <a:solidFill>
-                <a:schemeClr val="tx1"/>
-              </a:solidFill>
-            </a:endParaRPr>
-          </a:p>
-        </p:txBody>
-      </p:sp>
-    </p:spTree>
-    <p:extLst>
-      <p:ext uri="{BB962C8B-B14F-4D97-AF65-F5344CB8AC3E}">
-        <p14:creationId xmlns:p14="http://schemas.microsoft.com/office/powerpoint/2010/main" val="3114659128"/>
-      </p:ext>
-    </p:extLst>
-  </p:cSld>
-  <p:clrMapOvr>
-    <a:masterClrMapping/>
-  </p:clrMapOvr>
-</p:sld>
-</file>
-
-<file path=ppt/slides/slide12.xml><?xml version="1.0" encoding="utf-8"?>
 <p:sld xmlns:a="http://schemas.openxmlformats.org/drawingml/2006/main" xmlns:r="http://schemas.openxmlformats.org/officeDocument/2006/relationships" xmlns:p="http://schemas.openxmlformats.org/presentationml/2006/main">
   <p:cSld>
     <p:spTree>
@@ -5202,22 +8426,21 @@
           <a:bodyPr/>
           <a:lstStyle/>
           <a:p>
-            <a:pPr algn="l"/>
-            <a:r>
-              <a:rPr lang="en-US" altLang="ko-KR" sz="3200">
-                <a:solidFill>
-                  <a:srgbClr val="24292F"/>
-                </a:solidFill>
-                <a:latin typeface="-apple-system"/>
+            <a:pPr algn="l" eaLnBrk="1" hangingPunct="1">
+              <a:defRPr/>
+            </a:pPr>
+            <a:r>
+              <a:rPr lang="ko-KR" altLang="en-US" sz="3200">
+                <a:solidFill>
+                  <a:schemeClr val="tx1"/>
+                </a:solidFill>
               </a:rPr>
-              <a:t>HTTP 1 ver</a:t>
-            </a:r>
-            <a:endParaRPr lang="en-US" altLang="ko-KR" sz="3200" i="0">
+              <a:t>비동기 방식</a:t>
+            </a:r>
+            <a:endParaRPr lang="ko-KR" altLang="ko-KR" sz="2000">
               <a:solidFill>
-                <a:srgbClr val="24292F"/>
+                <a:schemeClr val="tx1"/>
               </a:solidFill>
-              <a:effectLst/>
-              <a:latin typeface="-apple-system"/>
             </a:endParaRPr>
           </a:p>
         </p:txBody>
@@ -5268,10 +8491,568 @@
           </a:extLst>
         </p:spPr>
       </p:cxnSp>
+      <p:sp>
+        <p:nvSpPr>
+          <p:cNvPr id="11" name="TextBox 10">
+            <a:extLst>
+              <a:ext uri="{FF2B5EF4-FFF2-40B4-BE49-F238E27FC236}">
+                <a16:creationId xmlns:a16="http://schemas.microsoft.com/office/drawing/2014/main" id="{3DCDACFF-084A-4185-9EBD-77E9A292B634}"/>
+              </a:ext>
+            </a:extLst>
+          </p:cNvPr>
+          <p:cNvSpPr txBox="1">
+            <a:spLocks noChangeArrowheads="1"/>
+          </p:cNvSpPr>
+          <p:nvPr/>
+        </p:nvSpPr>
+        <p:spPr bwMode="auto">
+          <a:xfrm>
+            <a:off x="565684" y="1410747"/>
+            <a:ext cx="8229600" cy="307777"/>
+          </a:xfrm>
+          <a:prstGeom prst="rect">
+            <a:avLst/>
+          </a:prstGeom>
+          <a:noFill/>
+          <a:ln>
+            <a:noFill/>
+          </a:ln>
+          <a:extLst>
+            <a:ext uri="{909E8E84-426E-40DD-AFC4-6F175D3DCCD1}">
+              <a14:hiddenFill xmlns:a14="http://schemas.microsoft.com/office/drawing/2010/main">
+                <a:solidFill>
+                  <a:srgbClr val="FFFFFF"/>
+                </a:solidFill>
+              </a14:hiddenFill>
+            </a:ext>
+            <a:ext uri="{91240B29-F687-4F45-9708-019B960494DF}">
+              <a14:hiddenLine xmlns:a14="http://schemas.microsoft.com/office/drawing/2010/main" w="9525">
+                <a:solidFill>
+                  <a:srgbClr val="000000"/>
+                </a:solidFill>
+                <a:miter lim="800000"/>
+                <a:headEnd/>
+                <a:tailEnd/>
+              </a14:hiddenLine>
+            </a:ext>
+          </a:extLst>
+        </p:spPr>
+        <p:txBody>
+          <a:bodyPr>
+            <a:spAutoFit/>
+          </a:bodyPr>
+          <a:lstStyle>
+            <a:lvl1pPr>
+              <a:spcBef>
+                <a:spcPct val="20000"/>
+              </a:spcBef>
+              <a:buChar char="•"/>
+              <a:defRPr sz="3200">
+                <a:solidFill>
+                  <a:schemeClr val="tx1"/>
+                </a:solidFill>
+                <a:latin typeface="Arial" panose="020B0604020202020204" pitchFamily="34" charset="0"/>
+                <a:ea typeface="Arial Unicode MS" panose="020B0604020202020204" pitchFamily="50" charset="-127"/>
+                <a:cs typeface="Arial" panose="020B0604020202020204" pitchFamily="34" charset="0"/>
+              </a:defRPr>
+            </a:lvl1pPr>
+            <a:lvl2pPr marL="742950" indent="-285750">
+              <a:spcBef>
+                <a:spcPct val="20000"/>
+              </a:spcBef>
+              <a:buChar char="–"/>
+              <a:defRPr sz="2800">
+                <a:solidFill>
+                  <a:schemeClr val="tx1"/>
+                </a:solidFill>
+                <a:latin typeface="Arial" panose="020B0604020202020204" pitchFamily="34" charset="0"/>
+                <a:ea typeface="Arial Unicode MS" panose="020B0604020202020204" pitchFamily="50" charset="-127"/>
+                <a:cs typeface="Arial" panose="020B0604020202020204" pitchFamily="34" charset="0"/>
+              </a:defRPr>
+            </a:lvl2pPr>
+            <a:lvl3pPr marL="1143000" indent="-228600">
+              <a:spcBef>
+                <a:spcPct val="20000"/>
+              </a:spcBef>
+              <a:buChar char="•"/>
+              <a:defRPr sz="2400">
+                <a:solidFill>
+                  <a:schemeClr val="tx1"/>
+                </a:solidFill>
+                <a:latin typeface="Arial" panose="020B0604020202020204" pitchFamily="34" charset="0"/>
+                <a:ea typeface="Arial Unicode MS" panose="020B0604020202020204" pitchFamily="50" charset="-127"/>
+                <a:cs typeface="Arial" panose="020B0604020202020204" pitchFamily="34" charset="0"/>
+              </a:defRPr>
+            </a:lvl3pPr>
+            <a:lvl4pPr marL="1600200" indent="-228600">
+              <a:spcBef>
+                <a:spcPct val="20000"/>
+              </a:spcBef>
+              <a:buChar char="–"/>
+              <a:defRPr sz="2000">
+                <a:solidFill>
+                  <a:schemeClr val="tx1"/>
+                </a:solidFill>
+                <a:latin typeface="Arial" panose="020B0604020202020204" pitchFamily="34" charset="0"/>
+                <a:ea typeface="Arial Unicode MS" panose="020B0604020202020204" pitchFamily="50" charset="-127"/>
+                <a:cs typeface="Arial" panose="020B0604020202020204" pitchFamily="34" charset="0"/>
+              </a:defRPr>
+            </a:lvl4pPr>
+            <a:lvl5pPr marL="2057400" indent="-228600">
+              <a:spcBef>
+                <a:spcPct val="20000"/>
+              </a:spcBef>
+              <a:buChar char="»"/>
+              <a:defRPr sz="2000">
+                <a:solidFill>
+                  <a:schemeClr val="tx1"/>
+                </a:solidFill>
+                <a:latin typeface="Arial" panose="020B0604020202020204" pitchFamily="34" charset="0"/>
+                <a:ea typeface="Arial Unicode MS" panose="020B0604020202020204" pitchFamily="50" charset="-127"/>
+                <a:cs typeface="Arial" panose="020B0604020202020204" pitchFamily="34" charset="0"/>
+              </a:defRPr>
+            </a:lvl5pPr>
+            <a:lvl6pPr marL="2514600" indent="-228600" eaLnBrk="0" fontAlgn="base" hangingPunct="0">
+              <a:spcBef>
+                <a:spcPct val="20000"/>
+              </a:spcBef>
+              <a:spcAft>
+                <a:spcPct val="0"/>
+              </a:spcAft>
+              <a:buChar char="»"/>
+              <a:defRPr sz="2000">
+                <a:solidFill>
+                  <a:schemeClr val="tx1"/>
+                </a:solidFill>
+                <a:latin typeface="Arial" panose="020B0604020202020204" pitchFamily="34" charset="0"/>
+                <a:ea typeface="Arial Unicode MS" panose="020B0604020202020204" pitchFamily="50" charset="-127"/>
+                <a:cs typeface="Arial" panose="020B0604020202020204" pitchFamily="34" charset="0"/>
+              </a:defRPr>
+            </a:lvl6pPr>
+            <a:lvl7pPr marL="2971800" indent="-228600" eaLnBrk="0" fontAlgn="base" hangingPunct="0">
+              <a:spcBef>
+                <a:spcPct val="20000"/>
+              </a:spcBef>
+              <a:spcAft>
+                <a:spcPct val="0"/>
+              </a:spcAft>
+              <a:buChar char="»"/>
+              <a:defRPr sz="2000">
+                <a:solidFill>
+                  <a:schemeClr val="tx1"/>
+                </a:solidFill>
+                <a:latin typeface="Arial" panose="020B0604020202020204" pitchFamily="34" charset="0"/>
+                <a:ea typeface="Arial Unicode MS" panose="020B0604020202020204" pitchFamily="50" charset="-127"/>
+                <a:cs typeface="Arial" panose="020B0604020202020204" pitchFamily="34" charset="0"/>
+              </a:defRPr>
+            </a:lvl7pPr>
+            <a:lvl8pPr marL="3429000" indent="-228600" eaLnBrk="0" fontAlgn="base" hangingPunct="0">
+              <a:spcBef>
+                <a:spcPct val="20000"/>
+              </a:spcBef>
+              <a:spcAft>
+                <a:spcPct val="0"/>
+              </a:spcAft>
+              <a:buChar char="»"/>
+              <a:defRPr sz="2000">
+                <a:solidFill>
+                  <a:schemeClr val="tx1"/>
+                </a:solidFill>
+                <a:latin typeface="Arial" panose="020B0604020202020204" pitchFamily="34" charset="0"/>
+                <a:ea typeface="Arial Unicode MS" panose="020B0604020202020204" pitchFamily="50" charset="-127"/>
+                <a:cs typeface="Arial" panose="020B0604020202020204" pitchFamily="34" charset="0"/>
+              </a:defRPr>
+            </a:lvl8pPr>
+            <a:lvl9pPr marL="3886200" indent="-228600" eaLnBrk="0" fontAlgn="base" hangingPunct="0">
+              <a:spcBef>
+                <a:spcPct val="20000"/>
+              </a:spcBef>
+              <a:spcAft>
+                <a:spcPct val="0"/>
+              </a:spcAft>
+              <a:buChar char="»"/>
+              <a:defRPr sz="2000">
+                <a:solidFill>
+                  <a:schemeClr val="tx1"/>
+                </a:solidFill>
+                <a:latin typeface="Arial" panose="020B0604020202020204" pitchFamily="34" charset="0"/>
+                <a:ea typeface="Arial Unicode MS" panose="020B0604020202020204" pitchFamily="50" charset="-127"/>
+                <a:cs typeface="Arial" panose="020B0604020202020204" pitchFamily="34" charset="0"/>
+              </a:defRPr>
+            </a:lvl9pPr>
+          </a:lstStyle>
+          <a:p>
+            <a:pPr eaLnBrk="1" hangingPunct="1">
+              <a:spcBef>
+                <a:spcPct val="0"/>
+              </a:spcBef>
+              <a:buNone/>
+            </a:pPr>
+            <a:r>
+              <a:rPr lang="ko-KR" altLang="en-US" sz="1400">
+                <a:solidFill>
+                  <a:srgbClr val="000000"/>
+                </a:solidFill>
+                <a:latin typeface="맑은 고딕" panose="020B0503020000020004" pitchFamily="50" charset="-127"/>
+                <a:ea typeface="맑은 고딕" panose="020B0503020000020004" pitchFamily="50" charset="-127"/>
+              </a:rPr>
+              <a:t>학부 수업에서 해본 방식은 </a:t>
+            </a:r>
+            <a:r>
+              <a:rPr lang="en-US" altLang="ko-KR" sz="1400">
+                <a:solidFill>
+                  <a:srgbClr val="000000"/>
+                </a:solidFill>
+                <a:latin typeface="맑은 고딕" panose="020B0503020000020004" pitchFamily="50" charset="-127"/>
+                <a:ea typeface="맑은 고딕" panose="020B0503020000020004" pitchFamily="50" charset="-127"/>
+              </a:rPr>
+              <a:t>“</a:t>
+            </a:r>
+            <a:r>
+              <a:rPr lang="ko-KR" altLang="en-US" sz="1400" b="1">
+                <a:solidFill>
+                  <a:srgbClr val="000000"/>
+                </a:solidFill>
+                <a:latin typeface="맑은 고딕" panose="020B0503020000020004" pitchFamily="50" charset="-127"/>
+                <a:ea typeface="맑은 고딕" panose="020B0503020000020004" pitchFamily="50" charset="-127"/>
+              </a:rPr>
+              <a:t>대리자를 사용한 비동기 프로그래밍</a:t>
+            </a:r>
+            <a:r>
+              <a:rPr lang="en-US" altLang="ko-KR" sz="1400">
+                <a:solidFill>
+                  <a:srgbClr val="000000"/>
+                </a:solidFill>
+                <a:latin typeface="맑은 고딕" panose="020B0503020000020004" pitchFamily="50" charset="-127"/>
+                <a:ea typeface="맑은 고딕" panose="020B0503020000020004" pitchFamily="50" charset="-127"/>
+              </a:rPr>
+              <a:t>＂</a:t>
+            </a:r>
+            <a:r>
+              <a:rPr lang="ko-KR" altLang="en-US" sz="1400">
+                <a:solidFill>
+                  <a:srgbClr val="000000"/>
+                </a:solidFill>
+                <a:latin typeface="맑은 고딕" panose="020B0503020000020004" pitchFamily="50" charset="-127"/>
+                <a:ea typeface="맑은 고딕" panose="020B0503020000020004" pitchFamily="50" charset="-127"/>
+              </a:rPr>
+              <a:t>이다</a:t>
+            </a:r>
+            <a:r>
+              <a:rPr lang="en-US" altLang="ko-KR" sz="1400">
+                <a:solidFill>
+                  <a:srgbClr val="000000"/>
+                </a:solidFill>
+                <a:latin typeface="맑은 고딕" panose="020B0503020000020004" pitchFamily="50" charset="-127"/>
+                <a:ea typeface="맑은 고딕" panose="020B0503020000020004" pitchFamily="50" charset="-127"/>
+              </a:rPr>
+              <a:t>.</a:t>
+            </a:r>
+          </a:p>
+        </p:txBody>
+      </p:sp>
+      <p:pic>
+        <p:nvPicPr>
+          <p:cNvPr id="9" name="그림 8">
+            <a:extLst>
+              <a:ext uri="{FF2B5EF4-FFF2-40B4-BE49-F238E27FC236}">
+                <a16:creationId xmlns:a16="http://schemas.microsoft.com/office/drawing/2014/main" id="{12851776-EEB8-4C38-ADED-6D0B0500CF02}"/>
+              </a:ext>
+            </a:extLst>
+          </p:cNvPr>
+          <p:cNvPicPr>
+            <a:picLocks noChangeAspect="1"/>
+          </p:cNvPicPr>
+          <p:nvPr/>
+        </p:nvPicPr>
+        <p:blipFill>
+          <a:blip r:embed="rId2"/>
+          <a:stretch>
+            <a:fillRect/>
+          </a:stretch>
+        </p:blipFill>
+        <p:spPr>
+          <a:xfrm>
+            <a:off x="0" y="1916832"/>
+            <a:ext cx="9144000" cy="4171097"/>
+          </a:xfrm>
+          <a:prstGeom prst="rect">
+            <a:avLst/>
+          </a:prstGeom>
+        </p:spPr>
+      </p:pic>
     </p:spTree>
     <p:extLst>
       <p:ext uri="{BB962C8B-B14F-4D97-AF65-F5344CB8AC3E}">
-        <p14:creationId xmlns:p14="http://schemas.microsoft.com/office/powerpoint/2010/main" val="446120770"/>
+        <p14:creationId xmlns:p14="http://schemas.microsoft.com/office/powerpoint/2010/main" val="1195418360"/>
+      </p:ext>
+    </p:extLst>
+  </p:cSld>
+  <p:clrMapOvr>
+    <a:masterClrMapping/>
+  </p:clrMapOvr>
+  <mc:AlternateContent xmlns:mc="http://schemas.openxmlformats.org/markup-compatibility/2006">
+    <mc:Choice xmlns:p14="http://schemas.microsoft.com/office/powerpoint/2010/main" Requires="p14">
+      <p:transition p14:dur="10"/>
+    </mc:Choice>
+    <mc:Fallback>
+      <p:transition/>
+    </mc:Fallback>
+  </mc:AlternateContent>
+</p:sld>
+</file>
+
+<file path=ppt/slides/slide12.xml><?xml version="1.0" encoding="utf-8"?>
+<p:sld xmlns:a="http://schemas.openxmlformats.org/drawingml/2006/main" xmlns:r="http://schemas.openxmlformats.org/officeDocument/2006/relationships" xmlns:p="http://schemas.openxmlformats.org/presentationml/2006/main">
+  <p:cSld>
+    <p:spTree>
+      <p:nvGrpSpPr>
+        <p:cNvPr id="1" name=""/>
+        <p:cNvGrpSpPr/>
+        <p:nvPr/>
+      </p:nvGrpSpPr>
+      <p:grpSpPr>
+        <a:xfrm>
+          <a:off x="0" y="0"/>
+          <a:ext cx="0" cy="0"/>
+          <a:chOff x="0" y="0"/>
+          <a:chExt cx="0" cy="0"/>
+        </a:xfrm>
+      </p:grpSpPr>
+      <p:sp>
+        <p:nvSpPr>
+          <p:cNvPr id="9" name="Rectangle 150">
+            <a:extLst>
+              <a:ext uri="{FF2B5EF4-FFF2-40B4-BE49-F238E27FC236}">
+                <a16:creationId xmlns:a16="http://schemas.microsoft.com/office/drawing/2014/main" id="{B6D2B44A-A8AF-419F-A2C5-7317925249E9}"/>
+              </a:ext>
+            </a:extLst>
+          </p:cNvPr>
+          <p:cNvSpPr txBox="1">
+            <a:spLocks noChangeArrowheads="1"/>
+          </p:cNvSpPr>
+          <p:nvPr/>
+        </p:nvSpPr>
+        <p:spPr bwMode="auto">
+          <a:xfrm>
+            <a:off x="1925737" y="2852936"/>
+            <a:ext cx="5292526" cy="647700"/>
+          </a:xfrm>
+          <a:prstGeom prst="rect">
+            <a:avLst/>
+          </a:prstGeom>
+          <a:noFill/>
+          <a:ln>
+            <a:noFill/>
+          </a:ln>
+          <a:effectLst/>
+          <a:extLst>
+            <a:ext uri="{909E8E84-426E-40DD-AFC4-6F175D3DCCD1}">
+              <a14:hiddenFill xmlns:a14="http://schemas.microsoft.com/office/drawing/2010/main">
+                <a:solidFill>
+                  <a:schemeClr val="accent1"/>
+                </a:solidFill>
+              </a14:hiddenFill>
+            </a:ext>
+            <a:ext uri="{91240B29-F687-4F45-9708-019B960494DF}">
+              <a14:hiddenLine xmlns:a14="http://schemas.microsoft.com/office/drawing/2010/main" w="9525">
+                <a:solidFill>
+                  <a:schemeClr val="tx1"/>
+                </a:solidFill>
+                <a:miter lim="800000"/>
+                <a:headEnd/>
+                <a:tailEnd/>
+              </a14:hiddenLine>
+            </a:ext>
+            <a:ext uri="{AF507438-7753-43E0-B8FC-AC1667EBCBE1}">
+              <a14:hiddenEffects xmlns:a14="http://schemas.microsoft.com/office/drawing/2010/main">
+                <a:effectLst>
+                  <a:outerShdw dist="35921" dir="2700000" algn="ctr" rotWithShape="0">
+                    <a:schemeClr val="bg2"/>
+                  </a:outerShdw>
+                </a:effectLst>
+              </a14:hiddenEffects>
+            </a:ext>
+          </a:extLst>
+        </p:spPr>
+        <p:txBody>
+          <a:bodyPr vert="horz" wrap="square" lIns="91440" tIns="45720" rIns="91440" bIns="45720" numCol="1" anchor="ctr" anchorCtr="0" compatLnSpc="1">
+            <a:prstTxWarp prst="textNoShape">
+              <a:avLst/>
+            </a:prstTxWarp>
+          </a:bodyPr>
+          <a:lstStyle>
+            <a:lvl1pPr algn="ctr" rtl="0" eaLnBrk="0" fontAlgn="base" hangingPunct="0">
+              <a:spcBef>
+                <a:spcPct val="0"/>
+              </a:spcBef>
+              <a:spcAft>
+                <a:spcPct val="0"/>
+              </a:spcAft>
+              <a:defRPr sz="4400" kern="1200">
+                <a:solidFill>
+                  <a:schemeClr val="tx2"/>
+                </a:solidFill>
+                <a:latin typeface="맑은 고딕" panose="020B0503020000020004" pitchFamily="50" charset="-127"/>
+                <a:ea typeface="맑은 고딕" panose="020B0503020000020004" pitchFamily="50" charset="-127"/>
+                <a:cs typeface="+mj-cs"/>
+              </a:defRPr>
+            </a:lvl1pPr>
+            <a:lvl2pPr algn="ctr" rtl="0" eaLnBrk="0" fontAlgn="base" hangingPunct="0">
+              <a:spcBef>
+                <a:spcPct val="0"/>
+              </a:spcBef>
+              <a:spcAft>
+                <a:spcPct val="0"/>
+              </a:spcAft>
+              <a:defRPr sz="4400">
+                <a:solidFill>
+                  <a:schemeClr val="tx2"/>
+                </a:solidFill>
+                <a:latin typeface="Arial" panose="020B0604020202020204" pitchFamily="34" charset="0"/>
+                <a:ea typeface="Arial Unicode MS" panose="020B0604020202020204" pitchFamily="50" charset="-127"/>
+                <a:cs typeface="Arial" panose="020B0604020202020204" pitchFamily="34" charset="0"/>
+              </a:defRPr>
+            </a:lvl2pPr>
+            <a:lvl3pPr algn="ctr" rtl="0" eaLnBrk="0" fontAlgn="base" hangingPunct="0">
+              <a:spcBef>
+                <a:spcPct val="0"/>
+              </a:spcBef>
+              <a:spcAft>
+                <a:spcPct val="0"/>
+              </a:spcAft>
+              <a:defRPr sz="4400">
+                <a:solidFill>
+                  <a:schemeClr val="tx2"/>
+                </a:solidFill>
+                <a:latin typeface="Arial" panose="020B0604020202020204" pitchFamily="34" charset="0"/>
+                <a:ea typeface="Arial Unicode MS" panose="020B0604020202020204" pitchFamily="50" charset="-127"/>
+                <a:cs typeface="Arial" panose="020B0604020202020204" pitchFamily="34" charset="0"/>
+              </a:defRPr>
+            </a:lvl3pPr>
+            <a:lvl4pPr algn="ctr" rtl="0" eaLnBrk="0" fontAlgn="base" hangingPunct="0">
+              <a:spcBef>
+                <a:spcPct val="0"/>
+              </a:spcBef>
+              <a:spcAft>
+                <a:spcPct val="0"/>
+              </a:spcAft>
+              <a:defRPr sz="4400">
+                <a:solidFill>
+                  <a:schemeClr val="tx2"/>
+                </a:solidFill>
+                <a:latin typeface="Arial" panose="020B0604020202020204" pitchFamily="34" charset="0"/>
+                <a:ea typeface="Arial Unicode MS" panose="020B0604020202020204" pitchFamily="50" charset="-127"/>
+                <a:cs typeface="Arial" panose="020B0604020202020204" pitchFamily="34" charset="0"/>
+              </a:defRPr>
+            </a:lvl4pPr>
+            <a:lvl5pPr algn="ctr" rtl="0" eaLnBrk="0" fontAlgn="base" hangingPunct="0">
+              <a:spcBef>
+                <a:spcPct val="0"/>
+              </a:spcBef>
+              <a:spcAft>
+                <a:spcPct val="0"/>
+              </a:spcAft>
+              <a:defRPr sz="4400">
+                <a:solidFill>
+                  <a:schemeClr val="tx2"/>
+                </a:solidFill>
+                <a:latin typeface="Arial" panose="020B0604020202020204" pitchFamily="34" charset="0"/>
+                <a:ea typeface="Arial Unicode MS" panose="020B0604020202020204" pitchFamily="50" charset="-127"/>
+                <a:cs typeface="Arial" panose="020B0604020202020204" pitchFamily="34" charset="0"/>
+              </a:defRPr>
+            </a:lvl5pPr>
+            <a:lvl6pPr marL="457200" algn="ctr" rtl="0" fontAlgn="base">
+              <a:spcBef>
+                <a:spcPct val="0"/>
+              </a:spcBef>
+              <a:spcAft>
+                <a:spcPct val="0"/>
+              </a:spcAft>
+              <a:defRPr sz="4400">
+                <a:solidFill>
+                  <a:schemeClr val="tx2"/>
+                </a:solidFill>
+                <a:latin typeface="Arial" panose="020B0604020202020204" pitchFamily="34" charset="0"/>
+                <a:cs typeface="Arial" panose="020B0604020202020204" pitchFamily="34" charset="0"/>
+              </a:defRPr>
+            </a:lvl6pPr>
+            <a:lvl7pPr marL="914400" algn="ctr" rtl="0" fontAlgn="base">
+              <a:spcBef>
+                <a:spcPct val="0"/>
+              </a:spcBef>
+              <a:spcAft>
+                <a:spcPct val="0"/>
+              </a:spcAft>
+              <a:defRPr sz="4400">
+                <a:solidFill>
+                  <a:schemeClr val="tx2"/>
+                </a:solidFill>
+                <a:latin typeface="Arial" panose="020B0604020202020204" pitchFamily="34" charset="0"/>
+                <a:cs typeface="Arial" panose="020B0604020202020204" pitchFamily="34" charset="0"/>
+              </a:defRPr>
+            </a:lvl7pPr>
+            <a:lvl8pPr marL="1371600" algn="ctr" rtl="0" fontAlgn="base">
+              <a:spcBef>
+                <a:spcPct val="0"/>
+              </a:spcBef>
+              <a:spcAft>
+                <a:spcPct val="0"/>
+              </a:spcAft>
+              <a:defRPr sz="4400">
+                <a:solidFill>
+                  <a:schemeClr val="tx2"/>
+                </a:solidFill>
+                <a:latin typeface="Arial" panose="020B0604020202020204" pitchFamily="34" charset="0"/>
+                <a:cs typeface="Arial" panose="020B0604020202020204" pitchFamily="34" charset="0"/>
+              </a:defRPr>
+            </a:lvl8pPr>
+            <a:lvl9pPr marL="1828800" algn="ctr" rtl="0" fontAlgn="base">
+              <a:spcBef>
+                <a:spcPct val="0"/>
+              </a:spcBef>
+              <a:spcAft>
+                <a:spcPct val="0"/>
+              </a:spcAft>
+              <a:defRPr sz="4400">
+                <a:solidFill>
+                  <a:schemeClr val="tx2"/>
+                </a:solidFill>
+                <a:latin typeface="Arial" panose="020B0604020202020204" pitchFamily="34" charset="0"/>
+                <a:cs typeface="Arial" panose="020B0604020202020204" pitchFamily="34" charset="0"/>
+              </a:defRPr>
+            </a:lvl9pPr>
+          </a:lstStyle>
+          <a:p>
+            <a:pPr eaLnBrk="1" hangingPunct="1"/>
+            <a:r>
+              <a:rPr lang="en-US" altLang="ko-KR" sz="3200" b="1">
+                <a:solidFill>
+                  <a:schemeClr val="tx1"/>
+                </a:solidFill>
+              </a:rPr>
+              <a:t>HTTP</a:t>
+            </a:r>
+            <a:r>
+              <a:rPr lang="ko-KR" altLang="en-US" sz="3200" b="1">
+                <a:solidFill>
+                  <a:schemeClr val="tx1"/>
+                </a:solidFill>
+              </a:rPr>
+              <a:t> 버전별 특징</a:t>
+            </a:r>
+            <a:endParaRPr lang="es-ES" altLang="ko-KR" sz="3200" b="1">
+              <a:solidFill>
+                <a:schemeClr val="tx1"/>
+              </a:solidFill>
+            </a:endParaRPr>
+          </a:p>
+        </p:txBody>
+      </p:sp>
+    </p:spTree>
+    <p:extLst>
+      <p:ext uri="{BB962C8B-B14F-4D97-AF65-F5344CB8AC3E}">
+        <p14:creationId xmlns:p14="http://schemas.microsoft.com/office/powerpoint/2010/main" val="3114659128"/>
       </p:ext>
     </p:extLst>
   </p:cSld>
@@ -5332,7 +9113,16 @@
                 </a:solidFill>
                 <a:latin typeface="-apple-system"/>
               </a:rPr>
-              <a:t>HTTP 2 ver</a:t>
+              <a:t>HTTP </a:t>
+            </a:r>
+            <a:r>
+              <a:rPr lang="ko-KR" altLang="en-US" sz="3200">
+                <a:solidFill>
+                  <a:srgbClr val="24292F"/>
+                </a:solidFill>
+                <a:latin typeface="-apple-system"/>
+              </a:rPr>
+              <a:t>버전별 특징</a:t>
             </a:r>
             <a:endParaRPr lang="en-US" altLang="ko-KR" sz="3200" i="0">
               <a:solidFill>
@@ -5390,10 +9180,40 @@
           </a:extLst>
         </p:spPr>
       </p:cxnSp>
+      <p:pic>
+        <p:nvPicPr>
+          <p:cNvPr id="4" name="그림 3">
+            <a:extLst>
+              <a:ext uri="{FF2B5EF4-FFF2-40B4-BE49-F238E27FC236}">
+                <a16:creationId xmlns:a16="http://schemas.microsoft.com/office/drawing/2014/main" id="{BE98D829-669C-4FA7-B4A9-16DE5EB68CC7}"/>
+              </a:ext>
+            </a:extLst>
+          </p:cNvPr>
+          <p:cNvPicPr>
+            <a:picLocks noChangeAspect="1"/>
+          </p:cNvPicPr>
+          <p:nvPr/>
+        </p:nvPicPr>
+        <p:blipFill>
+          <a:blip r:embed="rId2"/>
+          <a:stretch>
+            <a:fillRect/>
+          </a:stretch>
+        </p:blipFill>
+        <p:spPr>
+          <a:xfrm>
+            <a:off x="0" y="1484313"/>
+            <a:ext cx="9144000" cy="4523491"/>
+          </a:xfrm>
+          <a:prstGeom prst="rect">
+            <a:avLst/>
+          </a:prstGeom>
+        </p:spPr>
+      </p:pic>
     </p:spTree>
     <p:extLst>
       <p:ext uri="{BB962C8B-B14F-4D97-AF65-F5344CB8AC3E}">
-        <p14:creationId xmlns:p14="http://schemas.microsoft.com/office/powerpoint/2010/main" val="3210437838"/>
+        <p14:creationId xmlns:p14="http://schemas.microsoft.com/office/powerpoint/2010/main" val="446120770"/>
       </p:ext>
     </p:extLst>
   </p:cSld>
@@ -6512,67 +10332,6 @@
           </a:p>
         </p:txBody>
       </p:sp>
-      <p:sp>
-        <p:nvSpPr>
-          <p:cNvPr id="26" name="TextBox 25">
-            <a:extLst>
-              <a:ext uri="{FF2B5EF4-FFF2-40B4-BE49-F238E27FC236}">
-                <a16:creationId xmlns:a16="http://schemas.microsoft.com/office/drawing/2014/main" id="{DB6D31B9-4F75-44A5-9D8E-C2578307A4B1}"/>
-              </a:ext>
-            </a:extLst>
-          </p:cNvPr>
-          <p:cNvSpPr txBox="1"/>
-          <p:nvPr/>
-        </p:nvSpPr>
-        <p:spPr>
-          <a:xfrm>
-            <a:off x="606082" y="4625826"/>
-            <a:ext cx="3270250" cy="369332"/>
-          </a:xfrm>
-          <a:prstGeom prst="rect">
-            <a:avLst/>
-          </a:prstGeom>
-          <a:noFill/>
-          <a:scene3d>
-            <a:camera prst="obliqueTopLeft"/>
-            <a:lightRig rig="threePt" dir="t"/>
-          </a:scene3d>
-        </p:spPr>
-        <p:txBody>
-          <a:bodyPr>
-            <a:spAutoFit/>
-          </a:bodyPr>
-          <a:lstStyle>
-            <a:defPPr>
-              <a:defRPr lang="ko-KR"/>
-            </a:defPPr>
-            <a:lvl1pPr>
-              <a:defRPr sz="2800" spc="-150">
-                <a:latin typeface="나눔스퀘어 ExtraBold" panose="020B0600000101010101" pitchFamily="50" charset="-127"/>
-                <a:ea typeface="나눔스퀘어 ExtraBold" panose="020B0600000101010101" pitchFamily="50" charset="-127"/>
-              </a:defRPr>
-            </a:lvl1pPr>
-          </a:lstStyle>
-          <a:p>
-            <a:pPr eaLnBrk="1" hangingPunct="1">
-              <a:defRPr/>
-            </a:pPr>
-            <a:r>
-              <a:rPr lang="en-US" altLang="ko-KR" sz="1800" b="1" dirty="0">
-                <a:latin typeface="맑은 고딕" panose="020B0503020000020004" pitchFamily="50" charset="-127"/>
-                <a:ea typeface="맑은 고딕" panose="020B0503020000020004" pitchFamily="50" charset="-127"/>
-                <a:cs typeface="Arial" panose="020B0604020202020204" pitchFamily="34" charset="0"/>
-              </a:rPr>
-              <a:t>4</a:t>
-            </a:r>
-            <a:endParaRPr lang="ko-KR" altLang="en-US" sz="1800" b="1" dirty="0">
-              <a:latin typeface="맑은 고딕" panose="020B0503020000020004" pitchFamily="50" charset="-127"/>
-              <a:ea typeface="맑은 고딕" panose="020B0503020000020004" pitchFamily="50" charset="-127"/>
-              <a:cs typeface="Arial" panose="020B0604020202020204" pitchFamily="34" charset="0"/>
-            </a:endParaRPr>
-          </a:p>
-        </p:txBody>
-      </p:sp>
       <p:grpSp>
         <p:nvGrpSpPr>
           <p:cNvPr id="38" name="그룹 37">
@@ -6668,133 +10427,6 @@
               <a:extLst>
                 <a:ext uri="{FF2B5EF4-FFF2-40B4-BE49-F238E27FC236}">
                   <a16:creationId xmlns:a16="http://schemas.microsoft.com/office/drawing/2014/main" id="{D4BE8289-2002-4328-BF6E-03E596660CBD}"/>
-                </a:ext>
-              </a:extLst>
-            </p:cNvPr>
-            <p:cNvSpPr txBox="1"/>
-            <p:nvPr/>
-          </p:nvSpPr>
-          <p:spPr>
-            <a:xfrm>
-              <a:off x="2422182" y="2773278"/>
-              <a:ext cx="7918450" cy="307777"/>
-            </a:xfrm>
-            <a:prstGeom prst="rect">
-              <a:avLst/>
-            </a:prstGeom>
-            <a:noFill/>
-            <a:scene3d>
-              <a:camera prst="obliqueTopLeft"/>
-              <a:lightRig rig="threePt" dir="t"/>
-            </a:scene3d>
-          </p:spPr>
-          <p:txBody>
-            <a:bodyPr>
-              <a:spAutoFit/>
-            </a:bodyPr>
-            <a:lstStyle>
-              <a:defPPr>
-                <a:defRPr lang="ko-KR"/>
-              </a:defPPr>
-              <a:lvl1pPr>
-                <a:defRPr sz="2800" spc="-150">
-                  <a:latin typeface="나눔스퀘어 ExtraBold" panose="020B0600000101010101" pitchFamily="50" charset="-127"/>
-                  <a:ea typeface="나눔스퀘어 ExtraBold" panose="020B0600000101010101" pitchFamily="50" charset="-127"/>
-                </a:defRPr>
-              </a:lvl1pPr>
-            </a:lstStyle>
-            <a:p>
-              <a:pPr defTabSz="720000" eaLnBrk="1" hangingPunct="1">
-                <a:defRPr/>
-              </a:pPr>
-              <a:endParaRPr lang="ko-KR" altLang="en-US" sz="1400">
-                <a:latin typeface="맑은 고딕" panose="020B0503020000020004" pitchFamily="50" charset="-127"/>
-                <a:ea typeface="맑은 고딕" panose="020B0503020000020004" pitchFamily="50" charset="-127"/>
-                <a:cs typeface="Arial" panose="020B0604020202020204" pitchFamily="34" charset="0"/>
-              </a:endParaRPr>
-            </a:p>
-          </p:txBody>
-        </p:sp>
-      </p:grpSp>
-      <p:grpSp>
-        <p:nvGrpSpPr>
-          <p:cNvPr id="43" name="그룹 42">
-            <a:extLst>
-              <a:ext uri="{FF2B5EF4-FFF2-40B4-BE49-F238E27FC236}">
-                <a16:creationId xmlns:a16="http://schemas.microsoft.com/office/drawing/2014/main" id="{10B3B7F3-615A-468D-985C-A7237370F1DD}"/>
-              </a:ext>
-            </a:extLst>
-          </p:cNvPr>
-          <p:cNvGrpSpPr/>
-          <p:nvPr/>
-        </p:nvGrpSpPr>
-        <p:grpSpPr>
-          <a:xfrm>
-            <a:off x="2422182" y="4644537"/>
-            <a:ext cx="7918450" cy="806150"/>
-            <a:chOff x="2422182" y="2274905"/>
-            <a:chExt cx="7918450" cy="806150"/>
-          </a:xfrm>
-        </p:grpSpPr>
-        <p:sp>
-          <p:nvSpPr>
-            <p:cNvPr id="44" name="TextBox 43">
-              <a:extLst>
-                <a:ext uri="{FF2B5EF4-FFF2-40B4-BE49-F238E27FC236}">
-                  <a16:creationId xmlns:a16="http://schemas.microsoft.com/office/drawing/2014/main" id="{39311AB1-6B5B-4E98-8AF0-8EEC74C5DFE7}"/>
-                </a:ext>
-              </a:extLst>
-            </p:cNvPr>
-            <p:cNvSpPr txBox="1"/>
-            <p:nvPr/>
-          </p:nvSpPr>
-          <p:spPr>
-            <a:xfrm>
-              <a:off x="2422182" y="2274905"/>
-              <a:ext cx="4094034" cy="369332"/>
-            </a:xfrm>
-            <a:prstGeom prst="rect">
-              <a:avLst/>
-            </a:prstGeom>
-            <a:noFill/>
-            <a:scene3d>
-              <a:camera prst="obliqueTopLeft"/>
-              <a:lightRig rig="threePt" dir="t"/>
-            </a:scene3d>
-          </p:spPr>
-          <p:txBody>
-            <a:bodyPr wrap="square">
-              <a:spAutoFit/>
-            </a:bodyPr>
-            <a:lstStyle>
-              <a:defPPr>
-                <a:defRPr lang="ko-KR"/>
-              </a:defPPr>
-              <a:lvl1pPr>
-                <a:defRPr sz="2800" spc="-150">
-                  <a:latin typeface="나눔스퀘어 ExtraBold" panose="020B0600000101010101" pitchFamily="50" charset="-127"/>
-                  <a:ea typeface="나눔스퀘어 ExtraBold" panose="020B0600000101010101" pitchFamily="50" charset="-127"/>
-                </a:defRPr>
-              </a:lvl1pPr>
-            </a:lstStyle>
-            <a:p>
-              <a:pPr eaLnBrk="1" hangingPunct="1">
-                <a:defRPr/>
-              </a:pPr>
-              <a:endParaRPr lang="ko-KR" altLang="en-US" sz="1800" dirty="0">
-                <a:latin typeface="맑은 고딕" panose="020B0503020000020004" pitchFamily="50" charset="-127"/>
-                <a:ea typeface="맑은 고딕" panose="020B0503020000020004" pitchFamily="50" charset="-127"/>
-                <a:cs typeface="Arial" panose="020B0604020202020204" pitchFamily="34" charset="0"/>
-              </a:endParaRPr>
-            </a:p>
-          </p:txBody>
-        </p:sp>
-        <p:sp>
-          <p:nvSpPr>
-            <p:cNvPr id="45" name="TextBox 44">
-              <a:extLst>
-                <a:ext uri="{FF2B5EF4-FFF2-40B4-BE49-F238E27FC236}">
-                  <a16:creationId xmlns:a16="http://schemas.microsoft.com/office/drawing/2014/main" id="{6DD649AA-E1D1-47EB-B585-1D58D67B20BC}"/>
                 </a:ext>
               </a:extLst>
             </p:cNvPr>
@@ -9034,7 +12666,7 @@
         <p:spPr bwMode="auto">
           <a:xfrm>
             <a:off x="565684" y="1435903"/>
-            <a:ext cx="8229600" cy="1600438"/>
+            <a:ext cx="3502260" cy="307777"/>
           </a:xfrm>
           <a:prstGeom prst="rect">
             <a:avLst/>
@@ -9064,7 +12696,7 @@
           </a:extLst>
         </p:spPr>
         <p:txBody>
-          <a:bodyPr>
+          <a:bodyPr wrap="square">
             <a:spAutoFit/>
           </a:bodyPr>
           <a:lstStyle>
@@ -9215,34 +12847,6 @@
               <a:buNone/>
             </a:pPr>
             <a:r>
-              <a:rPr lang="ko-KR" altLang="en-US" sz="1400">
-                <a:solidFill>
-                  <a:srgbClr val="000000"/>
-                </a:solidFill>
-                <a:latin typeface="맑은 고딕" panose="020B0503020000020004" pitchFamily="50" charset="-127"/>
-                <a:ea typeface="맑은 고딕" panose="020B0503020000020004" pitchFamily="50" charset="-127"/>
-              </a:rPr>
-              <a:t>서버는 </a:t>
-            </a:r>
-            <a:br>
-              <a:rPr lang="en-US" altLang="ko-KR" sz="1400">
-                <a:solidFill>
-                  <a:srgbClr val="000000"/>
-                </a:solidFill>
-                <a:latin typeface="맑은 고딕" panose="020B0503020000020004" pitchFamily="50" charset="-127"/>
-                <a:ea typeface="맑은 고딕" panose="020B0503020000020004" pitchFamily="50" charset="-127"/>
-              </a:rPr>
-            </a:br>
-            <a:br>
-              <a:rPr lang="en-US" altLang="ko-KR" sz="1400">
-                <a:solidFill>
-                  <a:srgbClr val="000000"/>
-                </a:solidFill>
-                <a:latin typeface="맑은 고딕" panose="020B0503020000020004" pitchFamily="50" charset="-127"/>
-                <a:ea typeface="맑은 고딕" panose="020B0503020000020004" pitchFamily="50" charset="-127"/>
-              </a:rPr>
-            </a:br>
-            <a:r>
               <a:rPr lang="en-US" altLang="ko-KR" sz="1400">
                 <a:solidFill>
                   <a:srgbClr val="000000"/>
@@ -9260,26 +12864,225 @@
                 <a:latin typeface="맑은 고딕" panose="020B0503020000020004" pitchFamily="50" charset="-127"/>
                 <a:ea typeface="맑은 고딕" panose="020B0503020000020004" pitchFamily="50" charset="-127"/>
               </a:rPr>
-              <a:t>클라이언트의 접속을 기다리는 소켓과</a:t>
-            </a:r>
-            <a:br>
-              <a:rPr lang="en-US" altLang="ko-KR" sz="1400">
+              <a:t>클라이언트들의 </a:t>
+            </a:r>
+            <a:r>
+              <a:rPr lang="ko-KR" altLang="en-US" sz="1400" b="1">
                 <a:solidFill>
                   <a:srgbClr val="000000"/>
                 </a:solidFill>
                 <a:latin typeface="맑은 고딕" panose="020B0503020000020004" pitchFamily="50" charset="-127"/>
                 <a:ea typeface="맑은 고딕" panose="020B0503020000020004" pitchFamily="50" charset="-127"/>
               </a:rPr>
-            </a:br>
-            <a:br>
-              <a:rPr lang="en-US" altLang="ko-KR" sz="1400">
+              <a:t>접속을 담당하는 소켓</a:t>
+            </a:r>
+            <a:endParaRPr lang="en-US" altLang="ko-KR" sz="1400" b="1">
+              <a:solidFill>
+                <a:srgbClr val="000000"/>
+              </a:solidFill>
+              <a:latin typeface="맑은 고딕" panose="020B0503020000020004" pitchFamily="50" charset="-127"/>
+              <a:ea typeface="맑은 고딕" panose="020B0503020000020004" pitchFamily="50" charset="-127"/>
+            </a:endParaRPr>
+          </a:p>
+        </p:txBody>
+      </p:sp>
+      <p:sp>
+        <p:nvSpPr>
+          <p:cNvPr id="5" name="TextBox 4">
+            <a:extLst>
+              <a:ext uri="{FF2B5EF4-FFF2-40B4-BE49-F238E27FC236}">
+                <a16:creationId xmlns:a16="http://schemas.microsoft.com/office/drawing/2014/main" id="{3624C36B-C5DA-4382-830A-9AB2F080F728}"/>
+              </a:ext>
+            </a:extLst>
+          </p:cNvPr>
+          <p:cNvSpPr txBox="1">
+            <a:spLocks noChangeArrowheads="1"/>
+          </p:cNvSpPr>
+          <p:nvPr/>
+        </p:nvSpPr>
+        <p:spPr bwMode="auto">
+          <a:xfrm>
+            <a:off x="574007" y="2348608"/>
+            <a:ext cx="7509520" cy="738664"/>
+          </a:xfrm>
+          <a:prstGeom prst="rect">
+            <a:avLst/>
+          </a:prstGeom>
+          <a:noFill/>
+          <a:ln>
+            <a:noFill/>
+          </a:ln>
+          <a:extLst>
+            <a:ext uri="{909E8E84-426E-40DD-AFC4-6F175D3DCCD1}">
+              <a14:hiddenFill xmlns:a14="http://schemas.microsoft.com/office/drawing/2010/main">
+                <a:solidFill>
+                  <a:srgbClr val="FFFFFF"/>
+                </a:solidFill>
+              </a14:hiddenFill>
+            </a:ext>
+            <a:ext uri="{91240B29-F687-4F45-9708-019B960494DF}">
+              <a14:hiddenLine xmlns:a14="http://schemas.microsoft.com/office/drawing/2010/main" w="9525">
                 <a:solidFill>
                   <a:srgbClr val="000000"/>
                 </a:solidFill>
-                <a:latin typeface="맑은 고딕" panose="020B0503020000020004" pitchFamily="50" charset="-127"/>
-                <a:ea typeface="맑은 고딕" panose="020B0503020000020004" pitchFamily="50" charset="-127"/>
-              </a:rPr>
-            </a:br>
+                <a:miter lim="800000"/>
+                <a:headEnd/>
+                <a:tailEnd/>
+              </a14:hiddenLine>
+            </a:ext>
+          </a:extLst>
+        </p:spPr>
+        <p:txBody>
+          <a:bodyPr wrap="square">
+            <a:spAutoFit/>
+          </a:bodyPr>
+          <a:lstStyle>
+            <a:lvl1pPr>
+              <a:spcBef>
+                <a:spcPct val="20000"/>
+              </a:spcBef>
+              <a:buChar char="•"/>
+              <a:defRPr sz="3200">
+                <a:solidFill>
+                  <a:schemeClr val="tx1"/>
+                </a:solidFill>
+                <a:latin typeface="Arial" panose="020B0604020202020204" pitchFamily="34" charset="0"/>
+                <a:ea typeface="Arial Unicode MS" panose="020B0604020202020204" pitchFamily="50" charset="-127"/>
+                <a:cs typeface="Arial" panose="020B0604020202020204" pitchFamily="34" charset="0"/>
+              </a:defRPr>
+            </a:lvl1pPr>
+            <a:lvl2pPr marL="742950" indent="-285750">
+              <a:spcBef>
+                <a:spcPct val="20000"/>
+              </a:spcBef>
+              <a:buChar char="–"/>
+              <a:defRPr sz="2800">
+                <a:solidFill>
+                  <a:schemeClr val="tx1"/>
+                </a:solidFill>
+                <a:latin typeface="Arial" panose="020B0604020202020204" pitchFamily="34" charset="0"/>
+                <a:ea typeface="Arial Unicode MS" panose="020B0604020202020204" pitchFamily="50" charset="-127"/>
+                <a:cs typeface="Arial" panose="020B0604020202020204" pitchFamily="34" charset="0"/>
+              </a:defRPr>
+            </a:lvl2pPr>
+            <a:lvl3pPr marL="1143000" indent="-228600">
+              <a:spcBef>
+                <a:spcPct val="20000"/>
+              </a:spcBef>
+              <a:buChar char="•"/>
+              <a:defRPr sz="2400">
+                <a:solidFill>
+                  <a:schemeClr val="tx1"/>
+                </a:solidFill>
+                <a:latin typeface="Arial" panose="020B0604020202020204" pitchFamily="34" charset="0"/>
+                <a:ea typeface="Arial Unicode MS" panose="020B0604020202020204" pitchFamily="50" charset="-127"/>
+                <a:cs typeface="Arial" panose="020B0604020202020204" pitchFamily="34" charset="0"/>
+              </a:defRPr>
+            </a:lvl3pPr>
+            <a:lvl4pPr marL="1600200" indent="-228600">
+              <a:spcBef>
+                <a:spcPct val="20000"/>
+              </a:spcBef>
+              <a:buChar char="–"/>
+              <a:defRPr sz="2000">
+                <a:solidFill>
+                  <a:schemeClr val="tx1"/>
+                </a:solidFill>
+                <a:latin typeface="Arial" panose="020B0604020202020204" pitchFamily="34" charset="0"/>
+                <a:ea typeface="Arial Unicode MS" panose="020B0604020202020204" pitchFamily="50" charset="-127"/>
+                <a:cs typeface="Arial" panose="020B0604020202020204" pitchFamily="34" charset="0"/>
+              </a:defRPr>
+            </a:lvl4pPr>
+            <a:lvl5pPr marL="2057400" indent="-228600">
+              <a:spcBef>
+                <a:spcPct val="20000"/>
+              </a:spcBef>
+              <a:buChar char="»"/>
+              <a:defRPr sz="2000">
+                <a:solidFill>
+                  <a:schemeClr val="tx1"/>
+                </a:solidFill>
+                <a:latin typeface="Arial" panose="020B0604020202020204" pitchFamily="34" charset="0"/>
+                <a:ea typeface="Arial Unicode MS" panose="020B0604020202020204" pitchFamily="50" charset="-127"/>
+                <a:cs typeface="Arial" panose="020B0604020202020204" pitchFamily="34" charset="0"/>
+              </a:defRPr>
+            </a:lvl5pPr>
+            <a:lvl6pPr marL="2514600" indent="-228600" eaLnBrk="0" fontAlgn="base" hangingPunct="0">
+              <a:spcBef>
+                <a:spcPct val="20000"/>
+              </a:spcBef>
+              <a:spcAft>
+                <a:spcPct val="0"/>
+              </a:spcAft>
+              <a:buChar char="»"/>
+              <a:defRPr sz="2000">
+                <a:solidFill>
+                  <a:schemeClr val="tx1"/>
+                </a:solidFill>
+                <a:latin typeface="Arial" panose="020B0604020202020204" pitchFamily="34" charset="0"/>
+                <a:ea typeface="Arial Unicode MS" panose="020B0604020202020204" pitchFamily="50" charset="-127"/>
+                <a:cs typeface="Arial" panose="020B0604020202020204" pitchFamily="34" charset="0"/>
+              </a:defRPr>
+            </a:lvl6pPr>
+            <a:lvl7pPr marL="2971800" indent="-228600" eaLnBrk="0" fontAlgn="base" hangingPunct="0">
+              <a:spcBef>
+                <a:spcPct val="20000"/>
+              </a:spcBef>
+              <a:spcAft>
+                <a:spcPct val="0"/>
+              </a:spcAft>
+              <a:buChar char="»"/>
+              <a:defRPr sz="2000">
+                <a:solidFill>
+                  <a:schemeClr val="tx1"/>
+                </a:solidFill>
+                <a:latin typeface="Arial" panose="020B0604020202020204" pitchFamily="34" charset="0"/>
+                <a:ea typeface="Arial Unicode MS" panose="020B0604020202020204" pitchFamily="50" charset="-127"/>
+                <a:cs typeface="Arial" panose="020B0604020202020204" pitchFamily="34" charset="0"/>
+              </a:defRPr>
+            </a:lvl7pPr>
+            <a:lvl8pPr marL="3429000" indent="-228600" eaLnBrk="0" fontAlgn="base" hangingPunct="0">
+              <a:spcBef>
+                <a:spcPct val="20000"/>
+              </a:spcBef>
+              <a:spcAft>
+                <a:spcPct val="0"/>
+              </a:spcAft>
+              <a:buChar char="»"/>
+              <a:defRPr sz="2000">
+                <a:solidFill>
+                  <a:schemeClr val="tx1"/>
+                </a:solidFill>
+                <a:latin typeface="Arial" panose="020B0604020202020204" pitchFamily="34" charset="0"/>
+                <a:ea typeface="Arial Unicode MS" panose="020B0604020202020204" pitchFamily="50" charset="-127"/>
+                <a:cs typeface="Arial" panose="020B0604020202020204" pitchFamily="34" charset="0"/>
+              </a:defRPr>
+            </a:lvl8pPr>
+            <a:lvl9pPr marL="3886200" indent="-228600" eaLnBrk="0" fontAlgn="base" hangingPunct="0">
+              <a:spcBef>
+                <a:spcPct val="20000"/>
+              </a:spcBef>
+              <a:spcAft>
+                <a:spcPct val="0"/>
+              </a:spcAft>
+              <a:buChar char="»"/>
+              <a:defRPr sz="2000">
+                <a:solidFill>
+                  <a:schemeClr val="tx1"/>
+                </a:solidFill>
+                <a:latin typeface="Arial" panose="020B0604020202020204" pitchFamily="34" charset="0"/>
+                <a:ea typeface="Arial Unicode MS" panose="020B0604020202020204" pitchFamily="50" charset="-127"/>
+                <a:cs typeface="Arial" panose="020B0604020202020204" pitchFamily="34" charset="0"/>
+              </a:defRPr>
+            </a:lvl9pPr>
+          </a:lstStyle>
+          <a:p>
+            <a:pPr eaLnBrk="1" hangingPunct="1">
+              <a:spcBef>
+                <a:spcPct val="0"/>
+              </a:spcBef>
+              <a:buNone/>
+            </a:pPr>
             <a:r>
               <a:rPr lang="ko-KR" altLang="en-US" sz="1400">
                 <a:solidFill>
@@ -9378,7 +13181,27 @@
                 <a:latin typeface="맑은 고딕" panose="020B0503020000020004" pitchFamily="50" charset="-127"/>
                 <a:ea typeface="맑은 고딕" panose="020B0503020000020004" pitchFamily="50" charset="-127"/>
               </a:rPr>
-              <a:t>접속을 기다리는 소켓을 복제하여 각 클라이언트의 통신을 담당하는 소켓들로 나눠진다</a:t>
+              <a:t>접속을 기다리는 소켓을 복제하여 각 클라이언트의 </a:t>
+            </a:r>
+            <a:r>
+              <a:rPr lang="ko-KR" altLang="en-US" sz="1400" b="1">
+                <a:solidFill>
+                  <a:srgbClr val="000000"/>
+                </a:solidFill>
+                <a:latin typeface="맑은 고딕" panose="020B0503020000020004" pitchFamily="50" charset="-127"/>
+                <a:ea typeface="맑은 고딕" panose="020B0503020000020004" pitchFamily="50" charset="-127"/>
+              </a:rPr>
+              <a:t>통신을 담당하는 소켓들</a:t>
+            </a:r>
+            <a:r>
+              <a:rPr lang="ko-KR" altLang="en-US" sz="1400">
+                <a:solidFill>
+                  <a:srgbClr val="000000"/>
+                </a:solidFill>
+                <a:latin typeface="맑은 고딕" panose="020B0503020000020004" pitchFamily="50" charset="-127"/>
+                <a:ea typeface="맑은 고딕" panose="020B0503020000020004" pitchFamily="50" charset="-127"/>
+              </a:rPr>
+              <a:t>로 나눠진다</a:t>
             </a:r>
             <a:r>
               <a:rPr lang="en-US" altLang="ko-KR" sz="1400">
@@ -9389,6 +13212,636 @@
                 <a:ea typeface="맑은 고딕" panose="020B0503020000020004" pitchFamily="50" charset="-127"/>
               </a:rPr>
               <a:t>.</a:t>
+            </a:r>
+          </a:p>
+        </p:txBody>
+      </p:sp>
+      <p:sp>
+        <p:nvSpPr>
+          <p:cNvPr id="2" name="직사각형 1">
+            <a:extLst>
+              <a:ext uri="{FF2B5EF4-FFF2-40B4-BE49-F238E27FC236}">
+                <a16:creationId xmlns:a16="http://schemas.microsoft.com/office/drawing/2014/main" id="{32EDC7BF-9DAB-40B6-A97D-6E1AA39B0A0A}"/>
+              </a:ext>
+            </a:extLst>
+          </p:cNvPr>
+          <p:cNvSpPr/>
+          <p:nvPr/>
+        </p:nvSpPr>
+        <p:spPr bwMode="auto">
+          <a:xfrm>
+            <a:off x="6247420" y="4018421"/>
+            <a:ext cx="648072" cy="1584176"/>
+          </a:xfrm>
+          <a:prstGeom prst="rect">
+            <a:avLst/>
+          </a:prstGeom>
+          <a:solidFill>
+            <a:schemeClr val="bg1"/>
+          </a:solidFill>
+          <a:ln w="25400" cap="flat" cmpd="sng" algn="ctr">
+            <a:solidFill>
+              <a:schemeClr val="tx1"/>
+            </a:solidFill>
+            <a:prstDash val="solid"/>
+            <a:round/>
+            <a:headEnd type="none" w="med" len="med"/>
+            <a:tailEnd type="none" w="med" len="med"/>
+          </a:ln>
+          <a:effectLst/>
+        </p:spPr>
+        <p:txBody>
+          <a:bodyPr vert="horz" wrap="square" lIns="91440" tIns="45720" rIns="91440" bIns="45720" numCol="1" rtlCol="0" anchor="ctr" anchorCtr="1" compatLnSpc="1">
+            <a:prstTxWarp prst="textNoShape">
+              <a:avLst/>
+            </a:prstTxWarp>
+          </a:bodyPr>
+          <a:lstStyle/>
+          <a:p>
+            <a:pPr marL="0" marR="0" indent="0" algn="l" defTabSz="914400" rtl="0" eaLnBrk="1" fontAlgn="base" latinLnBrk="0" hangingPunct="1">
+              <a:lnSpc>
+                <a:spcPct val="100000"/>
+              </a:lnSpc>
+              <a:spcBef>
+                <a:spcPct val="0"/>
+              </a:spcBef>
+              <a:spcAft>
+                <a:spcPct val="0"/>
+              </a:spcAft>
+              <a:buClrTx/>
+              <a:buSzTx/>
+              <a:buFontTx/>
+              <a:buNone/>
+              <a:tabLst/>
+            </a:pPr>
+            <a:r>
+              <a:rPr lang="ko-KR" altLang="en-US" sz="1400">
+                <a:cs typeface="Arial" panose="020B0604020202020204" pitchFamily="34" charset="0"/>
+              </a:rPr>
+              <a:t>통신</a:t>
+            </a:r>
+            <a:endParaRPr kumimoji="0" lang="ko-KR" altLang="en-US" sz="1400" b="0" i="0" u="none" strike="noStrike" cap="none" normalizeH="0" baseline="0">
+              <a:ln>
+                <a:noFill/>
+              </a:ln>
+              <a:solidFill>
+                <a:schemeClr val="tx1"/>
+              </a:solidFill>
+              <a:effectLst/>
+              <a:latin typeface="Arial" panose="020B0604020202020204" pitchFamily="34" charset="0"/>
+              <a:cs typeface="Arial" panose="020B0604020202020204" pitchFamily="34" charset="0"/>
+            </a:endParaRPr>
+          </a:p>
+        </p:txBody>
+      </p:sp>
+      <p:sp>
+        <p:nvSpPr>
+          <p:cNvPr id="8" name="직사각형 7">
+            <a:extLst>
+              <a:ext uri="{FF2B5EF4-FFF2-40B4-BE49-F238E27FC236}">
+                <a16:creationId xmlns:a16="http://schemas.microsoft.com/office/drawing/2014/main" id="{BFABD5B8-4463-46B6-AE3A-114922C96CDB}"/>
+              </a:ext>
+            </a:extLst>
+          </p:cNvPr>
+          <p:cNvSpPr/>
+          <p:nvPr/>
+        </p:nvSpPr>
+        <p:spPr bwMode="auto">
+          <a:xfrm>
+            <a:off x="4067944" y="4005064"/>
+            <a:ext cx="648072" cy="1584176"/>
+          </a:xfrm>
+          <a:prstGeom prst="rect">
+            <a:avLst/>
+          </a:prstGeom>
+          <a:solidFill>
+            <a:schemeClr val="bg1"/>
+          </a:solidFill>
+          <a:ln w="25400" cap="flat" cmpd="sng" algn="ctr">
+            <a:solidFill>
+              <a:schemeClr val="tx1"/>
+            </a:solidFill>
+            <a:prstDash val="solid"/>
+            <a:round/>
+            <a:headEnd type="none" w="med" len="med"/>
+            <a:tailEnd type="none" w="med" len="med"/>
+          </a:ln>
+          <a:effectLst/>
+        </p:spPr>
+        <p:txBody>
+          <a:bodyPr vert="horz" wrap="square" lIns="91440" tIns="45720" rIns="91440" bIns="45720" numCol="1" rtlCol="0" anchor="ctr" anchorCtr="1" compatLnSpc="1">
+            <a:prstTxWarp prst="textNoShape">
+              <a:avLst/>
+            </a:prstTxWarp>
+          </a:bodyPr>
+          <a:lstStyle/>
+          <a:p>
+            <a:pPr marL="0" marR="0" indent="0" algn="l" defTabSz="914400" rtl="0" eaLnBrk="1" fontAlgn="base" latinLnBrk="0" hangingPunct="1">
+              <a:lnSpc>
+                <a:spcPct val="100000"/>
+              </a:lnSpc>
+              <a:spcBef>
+                <a:spcPct val="0"/>
+              </a:spcBef>
+              <a:spcAft>
+                <a:spcPct val="0"/>
+              </a:spcAft>
+              <a:buClrTx/>
+              <a:buSzTx/>
+              <a:buFontTx/>
+              <a:buNone/>
+              <a:tabLst/>
+            </a:pPr>
+            <a:r>
+              <a:rPr lang="ko-KR" altLang="en-US" sz="1400">
+                <a:cs typeface="Arial" panose="020B0604020202020204" pitchFamily="34" charset="0"/>
+              </a:rPr>
+              <a:t>접속</a:t>
+            </a:r>
+            <a:endParaRPr lang="en-US" altLang="ko-KR" sz="1400">
+              <a:cs typeface="Arial" panose="020B0604020202020204" pitchFamily="34" charset="0"/>
+            </a:endParaRPr>
+          </a:p>
+          <a:p>
+            <a:pPr marL="0" marR="0" indent="0" algn="l" defTabSz="914400" rtl="0" eaLnBrk="1" fontAlgn="base" latinLnBrk="0" hangingPunct="1">
+              <a:lnSpc>
+                <a:spcPct val="100000"/>
+              </a:lnSpc>
+              <a:spcBef>
+                <a:spcPct val="0"/>
+              </a:spcBef>
+              <a:spcAft>
+                <a:spcPct val="0"/>
+              </a:spcAft>
+              <a:buClrTx/>
+              <a:buSzTx/>
+              <a:buFontTx/>
+              <a:buNone/>
+              <a:tabLst/>
+            </a:pPr>
+            <a:r>
+              <a:rPr lang="ko-KR" altLang="en-US" sz="1400">
+                <a:cs typeface="Arial" panose="020B0604020202020204" pitchFamily="34" charset="0"/>
+              </a:rPr>
+              <a:t>소켓</a:t>
+            </a:r>
+            <a:endParaRPr kumimoji="0" lang="ko-KR" altLang="en-US" sz="1400" b="0" i="0" u="none" strike="noStrike" cap="none" normalizeH="0" baseline="0">
+              <a:ln>
+                <a:noFill/>
+              </a:ln>
+              <a:solidFill>
+                <a:schemeClr val="tx1"/>
+              </a:solidFill>
+              <a:effectLst/>
+              <a:latin typeface="Arial" panose="020B0604020202020204" pitchFamily="34" charset="0"/>
+              <a:cs typeface="Arial" panose="020B0604020202020204" pitchFamily="34" charset="0"/>
+            </a:endParaRPr>
+          </a:p>
+        </p:txBody>
+      </p:sp>
+      <p:sp>
+        <p:nvSpPr>
+          <p:cNvPr id="12" name="직사각형 11">
+            <a:extLst>
+              <a:ext uri="{FF2B5EF4-FFF2-40B4-BE49-F238E27FC236}">
+                <a16:creationId xmlns:a16="http://schemas.microsoft.com/office/drawing/2014/main" id="{EB02C592-D504-4180-B6FB-4EAFB931B16A}"/>
+              </a:ext>
+            </a:extLst>
+          </p:cNvPr>
+          <p:cNvSpPr/>
+          <p:nvPr/>
+        </p:nvSpPr>
+        <p:spPr bwMode="auto">
+          <a:xfrm>
+            <a:off x="6399820" y="4170821"/>
+            <a:ext cx="648072" cy="1584176"/>
+          </a:xfrm>
+          <a:prstGeom prst="rect">
+            <a:avLst/>
+          </a:prstGeom>
+          <a:solidFill>
+            <a:schemeClr val="bg1"/>
+          </a:solidFill>
+          <a:ln w="25400" cap="flat" cmpd="sng" algn="ctr">
+            <a:solidFill>
+              <a:schemeClr val="tx1"/>
+            </a:solidFill>
+            <a:prstDash val="solid"/>
+            <a:round/>
+            <a:headEnd type="none" w="med" len="med"/>
+            <a:tailEnd type="none" w="med" len="med"/>
+          </a:ln>
+          <a:effectLst/>
+        </p:spPr>
+        <p:txBody>
+          <a:bodyPr vert="horz" wrap="square" lIns="91440" tIns="45720" rIns="91440" bIns="45720" numCol="1" rtlCol="0" anchor="ctr" anchorCtr="1" compatLnSpc="1">
+            <a:prstTxWarp prst="textNoShape">
+              <a:avLst/>
+            </a:prstTxWarp>
+          </a:bodyPr>
+          <a:lstStyle/>
+          <a:p>
+            <a:pPr marL="0" marR="0" indent="0" algn="l" defTabSz="914400" rtl="0" eaLnBrk="1" fontAlgn="base" latinLnBrk="0" hangingPunct="1">
+              <a:lnSpc>
+                <a:spcPct val="100000"/>
+              </a:lnSpc>
+              <a:spcBef>
+                <a:spcPct val="0"/>
+              </a:spcBef>
+              <a:spcAft>
+                <a:spcPct val="0"/>
+              </a:spcAft>
+              <a:buClrTx/>
+              <a:buSzTx/>
+              <a:buFontTx/>
+              <a:buNone/>
+              <a:tabLst/>
+            </a:pPr>
+            <a:r>
+              <a:rPr lang="ko-KR" altLang="en-US" sz="1400">
+                <a:cs typeface="Arial" panose="020B0604020202020204" pitchFamily="34" charset="0"/>
+              </a:rPr>
+              <a:t>통신</a:t>
+            </a:r>
+            <a:endParaRPr kumimoji="0" lang="ko-KR" altLang="en-US" sz="1400" b="0" i="0" u="none" strike="noStrike" cap="none" normalizeH="0" baseline="0">
+              <a:ln>
+                <a:noFill/>
+              </a:ln>
+              <a:solidFill>
+                <a:schemeClr val="tx1"/>
+              </a:solidFill>
+              <a:effectLst/>
+              <a:latin typeface="Arial" panose="020B0604020202020204" pitchFamily="34" charset="0"/>
+              <a:cs typeface="Arial" panose="020B0604020202020204" pitchFamily="34" charset="0"/>
+            </a:endParaRPr>
+          </a:p>
+        </p:txBody>
+      </p:sp>
+      <p:sp>
+        <p:nvSpPr>
+          <p:cNvPr id="13" name="직사각형 12">
+            <a:extLst>
+              <a:ext uri="{FF2B5EF4-FFF2-40B4-BE49-F238E27FC236}">
+                <a16:creationId xmlns:a16="http://schemas.microsoft.com/office/drawing/2014/main" id="{44857B3A-1BB9-4E6E-817F-A83C4C95D0E3}"/>
+              </a:ext>
+            </a:extLst>
+          </p:cNvPr>
+          <p:cNvSpPr/>
+          <p:nvPr/>
+        </p:nvSpPr>
+        <p:spPr bwMode="auto">
+          <a:xfrm>
+            <a:off x="6552220" y="4323221"/>
+            <a:ext cx="648072" cy="1584176"/>
+          </a:xfrm>
+          <a:prstGeom prst="rect">
+            <a:avLst/>
+          </a:prstGeom>
+          <a:solidFill>
+            <a:schemeClr val="bg1"/>
+          </a:solidFill>
+          <a:ln w="25400" cap="flat" cmpd="sng" algn="ctr">
+            <a:solidFill>
+              <a:schemeClr val="tx1"/>
+            </a:solidFill>
+            <a:prstDash val="solid"/>
+            <a:round/>
+            <a:headEnd type="none" w="med" len="med"/>
+            <a:tailEnd type="none" w="med" len="med"/>
+          </a:ln>
+          <a:effectLst/>
+        </p:spPr>
+        <p:txBody>
+          <a:bodyPr vert="horz" wrap="square" lIns="91440" tIns="45720" rIns="91440" bIns="45720" numCol="1" rtlCol="0" anchor="ctr" anchorCtr="1" compatLnSpc="1">
+            <a:prstTxWarp prst="textNoShape">
+              <a:avLst/>
+            </a:prstTxWarp>
+          </a:bodyPr>
+          <a:lstStyle/>
+          <a:p>
+            <a:pPr marL="0" marR="0" indent="0" algn="l" defTabSz="914400" rtl="0" eaLnBrk="1" fontAlgn="base" latinLnBrk="0" hangingPunct="1">
+              <a:lnSpc>
+                <a:spcPct val="100000"/>
+              </a:lnSpc>
+              <a:spcBef>
+                <a:spcPct val="0"/>
+              </a:spcBef>
+              <a:spcAft>
+                <a:spcPct val="0"/>
+              </a:spcAft>
+              <a:buClrTx/>
+              <a:buSzTx/>
+              <a:buFontTx/>
+              <a:buNone/>
+              <a:tabLst/>
+            </a:pPr>
+            <a:r>
+              <a:rPr lang="ko-KR" altLang="en-US" sz="1400">
+                <a:cs typeface="Arial" panose="020B0604020202020204" pitchFamily="34" charset="0"/>
+              </a:rPr>
+              <a:t>통신</a:t>
+            </a:r>
+            <a:endParaRPr lang="en-US" altLang="ko-KR" sz="1400">
+              <a:cs typeface="Arial" panose="020B0604020202020204" pitchFamily="34" charset="0"/>
+            </a:endParaRPr>
+          </a:p>
+          <a:p>
+            <a:pPr marL="0" marR="0" indent="0" algn="l" defTabSz="914400" rtl="0" eaLnBrk="1" fontAlgn="base" latinLnBrk="0" hangingPunct="1">
+              <a:lnSpc>
+                <a:spcPct val="100000"/>
+              </a:lnSpc>
+              <a:spcBef>
+                <a:spcPct val="0"/>
+              </a:spcBef>
+              <a:spcAft>
+                <a:spcPct val="0"/>
+              </a:spcAft>
+              <a:buClrTx/>
+              <a:buSzTx/>
+              <a:buFontTx/>
+              <a:buNone/>
+              <a:tabLst/>
+            </a:pPr>
+            <a:r>
+              <a:rPr kumimoji="0" lang="ko-KR" altLang="en-US" sz="1400" b="0" i="0" u="none" strike="noStrike" cap="none" normalizeH="0" baseline="0">
+                <a:ln>
+                  <a:noFill/>
+                </a:ln>
+                <a:solidFill>
+                  <a:schemeClr val="tx1"/>
+                </a:solidFill>
+                <a:effectLst/>
+                <a:latin typeface="Arial" panose="020B0604020202020204" pitchFamily="34" charset="0"/>
+                <a:cs typeface="Arial" panose="020B0604020202020204" pitchFamily="34" charset="0"/>
+              </a:rPr>
+              <a:t>소켓</a:t>
+            </a:r>
+          </a:p>
+        </p:txBody>
+      </p:sp>
+      <p:sp>
+        <p:nvSpPr>
+          <p:cNvPr id="14" name="직사각형 13">
+            <a:extLst>
+              <a:ext uri="{FF2B5EF4-FFF2-40B4-BE49-F238E27FC236}">
+                <a16:creationId xmlns:a16="http://schemas.microsoft.com/office/drawing/2014/main" id="{AAD412F4-C4D4-44A8-AC10-6C53E69E926C}"/>
+              </a:ext>
+            </a:extLst>
+          </p:cNvPr>
+          <p:cNvSpPr/>
+          <p:nvPr/>
+        </p:nvSpPr>
+        <p:spPr bwMode="auto">
+          <a:xfrm>
+            <a:off x="1511660" y="4018421"/>
+            <a:ext cx="648072" cy="1584176"/>
+          </a:xfrm>
+          <a:prstGeom prst="rect">
+            <a:avLst/>
+          </a:prstGeom>
+          <a:solidFill>
+            <a:schemeClr val="bg1"/>
+          </a:solidFill>
+          <a:ln w="25400" cap="flat" cmpd="sng" algn="ctr">
+            <a:solidFill>
+              <a:schemeClr val="tx1"/>
+            </a:solidFill>
+            <a:prstDash val="solid"/>
+            <a:round/>
+            <a:headEnd type="none" w="med" len="med"/>
+            <a:tailEnd type="none" w="med" len="med"/>
+          </a:ln>
+          <a:effectLst/>
+        </p:spPr>
+        <p:txBody>
+          <a:bodyPr vert="horz" wrap="square" lIns="91440" tIns="45720" rIns="91440" bIns="45720" numCol="1" rtlCol="0" anchor="ctr" anchorCtr="1" compatLnSpc="1">
+            <a:prstTxWarp prst="textNoShape">
+              <a:avLst/>
+            </a:prstTxWarp>
+          </a:bodyPr>
+          <a:lstStyle/>
+          <a:p>
+            <a:pPr marL="0" marR="0" indent="0" algn="l" defTabSz="914400" rtl="0" eaLnBrk="1" fontAlgn="base" latinLnBrk="0" hangingPunct="1">
+              <a:lnSpc>
+                <a:spcPct val="100000"/>
+              </a:lnSpc>
+              <a:spcBef>
+                <a:spcPct val="0"/>
+              </a:spcBef>
+              <a:spcAft>
+                <a:spcPct val="0"/>
+              </a:spcAft>
+              <a:buClrTx/>
+              <a:buSzTx/>
+              <a:buFontTx/>
+              <a:buNone/>
+              <a:tabLst/>
+            </a:pPr>
+            <a:r>
+              <a:rPr kumimoji="0" lang="en-US" altLang="ko-KR" sz="1400" b="0" i="0" u="none" strike="noStrike" cap="none" normalizeH="0" baseline="0">
+                <a:ln>
+                  <a:noFill/>
+                </a:ln>
+                <a:solidFill>
+                  <a:schemeClr val="tx1"/>
+                </a:solidFill>
+                <a:effectLst/>
+                <a:latin typeface="Arial" panose="020B0604020202020204" pitchFamily="34" charset="0"/>
+                <a:cs typeface="Arial" panose="020B0604020202020204" pitchFamily="34" charset="0"/>
+              </a:rPr>
+              <a:t>Client</a:t>
+            </a:r>
+            <a:r>
+              <a:rPr kumimoji="0" lang="ko-KR" altLang="en-US" sz="1400" b="0" i="0" u="none" strike="noStrike" cap="none" normalizeH="0" baseline="0">
+                <a:ln>
+                  <a:noFill/>
+                </a:ln>
+                <a:solidFill>
+                  <a:schemeClr val="tx1"/>
+                </a:solidFill>
+                <a:effectLst/>
+                <a:latin typeface="Arial" panose="020B0604020202020204" pitchFamily="34" charset="0"/>
+                <a:cs typeface="Arial" panose="020B0604020202020204" pitchFamily="34" charset="0"/>
+              </a:rPr>
+              <a:t> 소켓</a:t>
+            </a:r>
+          </a:p>
+        </p:txBody>
+      </p:sp>
+      <p:sp>
+        <p:nvSpPr>
+          <p:cNvPr id="15" name="직사각형 14">
+            <a:extLst>
+              <a:ext uri="{FF2B5EF4-FFF2-40B4-BE49-F238E27FC236}">
+                <a16:creationId xmlns:a16="http://schemas.microsoft.com/office/drawing/2014/main" id="{DF96B550-0039-470E-A951-0D986BB8590A}"/>
+              </a:ext>
+            </a:extLst>
+          </p:cNvPr>
+          <p:cNvSpPr/>
+          <p:nvPr/>
+        </p:nvSpPr>
+        <p:spPr bwMode="auto">
+          <a:xfrm>
+            <a:off x="1664060" y="4170821"/>
+            <a:ext cx="648072" cy="1584176"/>
+          </a:xfrm>
+          <a:prstGeom prst="rect">
+            <a:avLst/>
+          </a:prstGeom>
+          <a:solidFill>
+            <a:schemeClr val="bg1"/>
+          </a:solidFill>
+          <a:ln w="25400" cap="flat" cmpd="sng" algn="ctr">
+            <a:solidFill>
+              <a:schemeClr val="tx1"/>
+            </a:solidFill>
+            <a:prstDash val="solid"/>
+            <a:round/>
+            <a:headEnd type="none" w="med" len="med"/>
+            <a:tailEnd type="none" w="med" len="med"/>
+          </a:ln>
+          <a:effectLst/>
+        </p:spPr>
+        <p:txBody>
+          <a:bodyPr vert="horz" wrap="square" lIns="91440" tIns="45720" rIns="91440" bIns="45720" numCol="1" rtlCol="0" anchor="ctr" anchorCtr="1" compatLnSpc="1">
+            <a:prstTxWarp prst="textNoShape">
+              <a:avLst/>
+            </a:prstTxWarp>
+          </a:bodyPr>
+          <a:lstStyle/>
+          <a:p>
+            <a:pPr marL="0" marR="0" indent="0" algn="l" defTabSz="914400" rtl="0" eaLnBrk="1" fontAlgn="base" latinLnBrk="0" hangingPunct="1">
+              <a:lnSpc>
+                <a:spcPct val="100000"/>
+              </a:lnSpc>
+              <a:spcBef>
+                <a:spcPct val="0"/>
+              </a:spcBef>
+              <a:spcAft>
+                <a:spcPct val="0"/>
+              </a:spcAft>
+              <a:buClrTx/>
+              <a:buSzTx/>
+              <a:buFontTx/>
+              <a:buNone/>
+              <a:tabLst/>
+            </a:pPr>
+            <a:r>
+              <a:rPr kumimoji="0" lang="en-US" altLang="ko-KR" sz="1400" b="0" i="0" u="none" strike="noStrike" cap="none" normalizeH="0" baseline="0">
+                <a:ln>
+                  <a:noFill/>
+                </a:ln>
+                <a:solidFill>
+                  <a:schemeClr val="tx1"/>
+                </a:solidFill>
+                <a:effectLst/>
+                <a:latin typeface="Arial" panose="020B0604020202020204" pitchFamily="34" charset="0"/>
+                <a:cs typeface="Arial" panose="020B0604020202020204" pitchFamily="34" charset="0"/>
+              </a:rPr>
+              <a:t>Client</a:t>
+            </a:r>
+            <a:r>
+              <a:rPr kumimoji="0" lang="ko-KR" altLang="en-US" sz="1400" b="0" i="0" u="none" strike="noStrike" cap="none" normalizeH="0" baseline="0">
+                <a:ln>
+                  <a:noFill/>
+                </a:ln>
+                <a:solidFill>
+                  <a:schemeClr val="tx1"/>
+                </a:solidFill>
+                <a:effectLst/>
+                <a:latin typeface="Arial" panose="020B0604020202020204" pitchFamily="34" charset="0"/>
+                <a:cs typeface="Arial" panose="020B0604020202020204" pitchFamily="34" charset="0"/>
+              </a:rPr>
+              <a:t> 소켓</a:t>
+            </a:r>
+          </a:p>
+        </p:txBody>
+      </p:sp>
+      <p:sp>
+        <p:nvSpPr>
+          <p:cNvPr id="16" name="직사각형 15">
+            <a:extLst>
+              <a:ext uri="{FF2B5EF4-FFF2-40B4-BE49-F238E27FC236}">
+                <a16:creationId xmlns:a16="http://schemas.microsoft.com/office/drawing/2014/main" id="{6CBD5FA4-A7AB-4E3C-8B2A-EC366F88F02D}"/>
+              </a:ext>
+            </a:extLst>
+          </p:cNvPr>
+          <p:cNvSpPr/>
+          <p:nvPr/>
+        </p:nvSpPr>
+        <p:spPr bwMode="auto">
+          <a:xfrm>
+            <a:off x="1816460" y="4323221"/>
+            <a:ext cx="648072" cy="1584176"/>
+          </a:xfrm>
+          <a:prstGeom prst="rect">
+            <a:avLst/>
+          </a:prstGeom>
+          <a:solidFill>
+            <a:schemeClr val="bg1"/>
+          </a:solidFill>
+          <a:ln w="25400" cap="flat" cmpd="sng" algn="ctr">
+            <a:solidFill>
+              <a:schemeClr val="tx1"/>
+            </a:solidFill>
+            <a:prstDash val="solid"/>
+            <a:round/>
+            <a:headEnd type="none" w="med" len="med"/>
+            <a:tailEnd type="none" w="med" len="med"/>
+          </a:ln>
+          <a:effectLst/>
+        </p:spPr>
+        <p:txBody>
+          <a:bodyPr vert="horz" wrap="square" lIns="91440" tIns="45720" rIns="91440" bIns="45720" numCol="1" rtlCol="0" anchor="ctr" anchorCtr="1" compatLnSpc="1">
+            <a:prstTxWarp prst="textNoShape">
+              <a:avLst/>
+            </a:prstTxWarp>
+          </a:bodyPr>
+          <a:lstStyle/>
+          <a:p>
+            <a:pPr marL="0" marR="0" indent="0" algn="l" defTabSz="914400" rtl="0" eaLnBrk="1" fontAlgn="base" latinLnBrk="0" hangingPunct="1">
+              <a:lnSpc>
+                <a:spcPct val="100000"/>
+              </a:lnSpc>
+              <a:spcBef>
+                <a:spcPct val="0"/>
+              </a:spcBef>
+              <a:spcAft>
+                <a:spcPct val="0"/>
+              </a:spcAft>
+              <a:buClrTx/>
+              <a:buSzTx/>
+              <a:buFontTx/>
+              <a:buNone/>
+              <a:tabLst/>
+            </a:pPr>
+            <a:r>
+              <a:rPr kumimoji="0" lang="en-US" altLang="ko-KR" sz="1400" b="0" i="0" u="none" strike="noStrike" cap="none" normalizeH="0" baseline="0">
+                <a:ln>
+                  <a:noFill/>
+                </a:ln>
+                <a:solidFill>
+                  <a:schemeClr val="tx1"/>
+                </a:solidFill>
+                <a:effectLst/>
+                <a:latin typeface="Arial" panose="020B0604020202020204" pitchFamily="34" charset="0"/>
+                <a:cs typeface="Arial" panose="020B0604020202020204" pitchFamily="34" charset="0"/>
+              </a:rPr>
+              <a:t>Client</a:t>
+            </a:r>
+            <a:r>
+              <a:rPr kumimoji="0" lang="ko-KR" altLang="en-US" sz="1400" b="0" i="0" u="none" strike="noStrike" cap="none" normalizeH="0" baseline="0">
+                <a:ln>
+                  <a:noFill/>
+                </a:ln>
+                <a:solidFill>
+                  <a:schemeClr val="tx1"/>
+                </a:solidFill>
+                <a:effectLst/>
+                <a:latin typeface="Arial" panose="020B0604020202020204" pitchFamily="34" charset="0"/>
+                <a:cs typeface="Arial" panose="020B0604020202020204" pitchFamily="34" charset="0"/>
+              </a:rPr>
+              <a:t> 소켓</a:t>
             </a:r>
           </a:p>
         </p:txBody>
@@ -9532,10 +13985,10 @@
       </p:cxnSp>
       <p:pic>
         <p:nvPicPr>
-          <p:cNvPr id="6" name="그림 5">
+          <p:cNvPr id="8" name="그림 7">
             <a:extLst>
               <a:ext uri="{FF2B5EF4-FFF2-40B4-BE49-F238E27FC236}">
-                <a16:creationId xmlns:a16="http://schemas.microsoft.com/office/drawing/2014/main" id="{7C1AE767-3661-45CA-BE00-32E9658D47BC}"/>
+                <a16:creationId xmlns:a16="http://schemas.microsoft.com/office/drawing/2014/main" id="{55FBB6D9-94D9-4B14-82C0-E2E78AFAE3BA}"/>
               </a:ext>
             </a:extLst>
           </p:cNvPr>
@@ -9552,37 +14005,7 @@
         </p:blipFill>
         <p:spPr>
           <a:xfrm>
-            <a:off x="553851" y="1460316"/>
-            <a:ext cx="7977461" cy="2071551"/>
-          </a:xfrm>
-          <a:prstGeom prst="rect">
-            <a:avLst/>
-          </a:prstGeom>
-        </p:spPr>
-      </p:pic>
-      <p:pic>
-        <p:nvPicPr>
-          <p:cNvPr id="8" name="그림 7">
-            <a:extLst>
-              <a:ext uri="{FF2B5EF4-FFF2-40B4-BE49-F238E27FC236}">
-                <a16:creationId xmlns:a16="http://schemas.microsoft.com/office/drawing/2014/main" id="{55FBB6D9-94D9-4B14-82C0-E2E78AFAE3BA}"/>
-              </a:ext>
-            </a:extLst>
-          </p:cNvPr>
-          <p:cNvPicPr>
-            <a:picLocks noChangeAspect="1"/>
-          </p:cNvPicPr>
-          <p:nvPr/>
-        </p:nvPicPr>
-        <p:blipFill>
-          <a:blip r:embed="rId3"/>
-          <a:stretch>
-            <a:fillRect/>
-          </a:stretch>
-        </p:blipFill>
-        <p:spPr>
-          <a:xfrm>
-            <a:off x="553851" y="5093083"/>
+            <a:off x="553851" y="5311097"/>
             <a:ext cx="5468113" cy="1009791"/>
           </a:xfrm>
           <a:prstGeom prst="rect">
@@ -9606,7 +14029,7 @@
         </p:nvSpPr>
         <p:spPr bwMode="auto">
           <a:xfrm>
-            <a:off x="565684" y="4649381"/>
+            <a:off x="565684" y="4867395"/>
             <a:ext cx="8229600" cy="307777"/>
           </a:xfrm>
           <a:prstGeom prst="rect">
@@ -9810,6 +14233,36 @@
           </a:p>
         </p:txBody>
       </p:sp>
+      <p:pic>
+        <p:nvPicPr>
+          <p:cNvPr id="9" name="그림 8">
+            <a:extLst>
+              <a:ext uri="{FF2B5EF4-FFF2-40B4-BE49-F238E27FC236}">
+                <a16:creationId xmlns:a16="http://schemas.microsoft.com/office/drawing/2014/main" id="{7F750D9D-55D6-4305-83D6-97B0B6DD877B}"/>
+              </a:ext>
+            </a:extLst>
+          </p:cNvPr>
+          <p:cNvPicPr>
+            <a:picLocks noChangeAspect="1"/>
+          </p:cNvPicPr>
+          <p:nvPr/>
+        </p:nvPicPr>
+        <p:blipFill>
+          <a:blip r:embed="rId3"/>
+          <a:stretch>
+            <a:fillRect/>
+          </a:stretch>
+        </p:blipFill>
+        <p:spPr>
+          <a:xfrm>
+            <a:off x="0" y="1311715"/>
+            <a:ext cx="9144000" cy="3436883"/>
+          </a:xfrm>
+          <a:prstGeom prst="rect">
+            <a:avLst/>
+          </a:prstGeom>
+        </p:spPr>
+      </p:pic>
     </p:spTree>
     <p:extLst>
       <p:ext uri="{BB962C8B-B14F-4D97-AF65-F5344CB8AC3E}">

--- a/16/yongki/WebServer.pptx
+++ b/16/yongki/WebServer.pptx
@@ -251,7 +251,7 @@
           <a:p>
             <a:fld id="{278A5395-7299-4714-9E5C-8983F2B9A6E7}" type="datetimeFigureOut">
               <a:rPr lang="ko-KR" altLang="en-US" smtClean="0"/>
-              <a:t>2022-04-16</a:t>
+              <a:t>2022-04-17</a:t>
             </a:fld>
             <a:endParaRPr lang="ko-KR" altLang="en-US"/>
           </a:p>
@@ -516,6 +516,90 @@
     </a:lvl9pPr>
   </p:notesStyle>
 </p:notesMaster>
+</file>
+
+<file path=ppt/notesSlides/notesSlide1.xml><?xml version="1.0" encoding="utf-8"?>
+<p:notes xmlns:a="http://schemas.openxmlformats.org/drawingml/2006/main" xmlns:r="http://schemas.openxmlformats.org/officeDocument/2006/relationships" xmlns:p="http://schemas.openxmlformats.org/presentationml/2006/main">
+  <p:cSld>
+    <p:spTree>
+      <p:nvGrpSpPr>
+        <p:cNvPr id="1" name=""/>
+        <p:cNvGrpSpPr/>
+        <p:nvPr/>
+      </p:nvGrpSpPr>
+      <p:grpSpPr>
+        <a:xfrm>
+          <a:off x="0" y="0"/>
+          <a:ext cx="0" cy="0"/>
+          <a:chOff x="0" y="0"/>
+          <a:chExt cx="0" cy="0"/>
+        </a:xfrm>
+      </p:grpSpPr>
+      <p:sp>
+        <p:nvSpPr>
+          <p:cNvPr id="2" name="슬라이드 이미지 개체 틀 1"/>
+          <p:cNvSpPr>
+            <a:spLocks noGrp="1" noRot="1" noChangeAspect="1"/>
+          </p:cNvSpPr>
+          <p:nvPr>
+            <p:ph type="sldImg"/>
+          </p:nvPr>
+        </p:nvSpPr>
+        <p:spPr/>
+      </p:sp>
+      <p:sp>
+        <p:nvSpPr>
+          <p:cNvPr id="3" name="슬라이드 노트 개체 틀 2"/>
+          <p:cNvSpPr>
+            <a:spLocks noGrp="1"/>
+          </p:cNvSpPr>
+          <p:nvPr>
+            <p:ph type="body" idx="1"/>
+          </p:nvPr>
+        </p:nvSpPr>
+        <p:spPr/>
+        <p:txBody>
+          <a:bodyPr/>
+          <a:lstStyle/>
+          <a:p>
+            <a:endParaRPr lang="ko-KR" altLang="en-US"/>
+          </a:p>
+        </p:txBody>
+      </p:sp>
+      <p:sp>
+        <p:nvSpPr>
+          <p:cNvPr id="4" name="슬라이드 번호 개체 틀 3"/>
+          <p:cNvSpPr>
+            <a:spLocks noGrp="1"/>
+          </p:cNvSpPr>
+          <p:nvPr>
+            <p:ph type="sldNum" sz="quarter" idx="5"/>
+          </p:nvPr>
+        </p:nvSpPr>
+        <p:spPr/>
+        <p:txBody>
+          <a:bodyPr/>
+          <a:lstStyle/>
+          <a:p>
+            <a:fld id="{135C8A8A-C00E-495C-AA78-E91BBCD525AD}" type="slidenum">
+              <a:rPr lang="ko-KR" altLang="en-US" smtClean="0"/>
+              <a:t>3</a:t>
+            </a:fld>
+            <a:endParaRPr lang="ko-KR" altLang="en-US"/>
+          </a:p>
+        </p:txBody>
+      </p:sp>
+    </p:spTree>
+    <p:extLst>
+      <p:ext uri="{BB962C8B-B14F-4D97-AF65-F5344CB8AC3E}">
+        <p14:creationId xmlns:p14="http://schemas.microsoft.com/office/powerpoint/2010/main" val="3220991876"/>
+      </p:ext>
+    </p:extLst>
+  </p:cSld>
+  <p:clrMapOvr>
+    <a:masterClrMapping/>
+  </p:clrMapOvr>
+</p:notes>
 </file>
 
 <file path=ppt/slideLayouts/slideLayout1.xml><?xml version="1.0" encoding="utf-8"?>
@@ -4550,11 +4634,144 @@
           </a:p>
         </p:txBody>
       </p:sp>
+      <p:pic>
+        <p:nvPicPr>
+          <p:cNvPr id="2" name="오디오 1">
+            <a:hlinkClick r:id="" action="ppaction://media"/>
+            <a:extLst>
+              <a:ext uri="{FF2B5EF4-FFF2-40B4-BE49-F238E27FC236}">
+                <a16:creationId xmlns:a16="http://schemas.microsoft.com/office/drawing/2014/main" id="{270BAA96-0873-4F72-BDC8-6BF12F34A882}"/>
+              </a:ext>
+            </a:extLst>
+          </p:cNvPr>
+          <p:cNvPicPr>
+            <a:picLocks noChangeAspect="1"/>
+          </p:cNvPicPr>
+          <p:nvPr>
+            <a:audioFile r:link="rId2"/>
+            <p:extLst>
+              <p:ext uri="{DAA4B4D4-6D71-4841-9C94-3DE7FCFB9230}">
+                <p14:media xmlns:p14="http://schemas.microsoft.com/office/powerpoint/2010/main" r:embed="rId1"/>
+              </p:ext>
+            </p:extLst>
+          </p:nvPr>
+        </p:nvPicPr>
+        <p:blipFill>
+          <a:blip r:embed="rId4"/>
+          <a:stretch>
+            <a:fillRect/>
+          </a:stretch>
+        </p:blipFill>
+        <p:spPr>
+          <a:xfrm>
+            <a:off x="8521700" y="6235700"/>
+            <a:ext cx="406400" cy="406400"/>
+          </a:xfrm>
+          <a:prstGeom prst="rect">
+            <a:avLst/>
+          </a:prstGeom>
+        </p:spPr>
+      </p:pic>
     </p:spTree>
   </p:cSld>
   <p:clrMapOvr>
     <a:masterClrMapping/>
   </p:clrMapOvr>
+  <mc:AlternateContent xmlns:mc="http://schemas.openxmlformats.org/markup-compatibility/2006" xmlns:p14="http://schemas.microsoft.com/office/powerpoint/2010/main">
+    <mc:Choice Requires="p14">
+      <p:transition spd="slow" p14:dur="2000" advTm="7310"/>
+    </mc:Choice>
+    <mc:Fallback xmlns="">
+      <p:transition spd="slow" advTm="7310"/>
+    </mc:Fallback>
+  </mc:AlternateContent>
+  <p:timing>
+    <p:tnLst>
+      <p:par>
+        <p:cTn id="1" dur="indefinite" restart="never" nodeType="tmRoot">
+          <p:childTnLst>
+            <p:seq concurrent="1" nextAc="seek">
+              <p:cTn id="2" dur="indefinite" nodeType="mainSeq">
+                <p:childTnLst>
+                  <p:par>
+                    <p:cTn id="3" fill="hold">
+                      <p:stCondLst>
+                        <p:cond delay="indefinite"/>
+                        <p:cond evt="onBegin" delay="0">
+                          <p:tn val="2"/>
+                        </p:cond>
+                      </p:stCondLst>
+                      <p:childTnLst>
+                        <p:par>
+                          <p:cTn id="4" fill="hold">
+                            <p:stCondLst>
+                              <p:cond delay="0"/>
+                            </p:stCondLst>
+                            <p:childTnLst>
+                              <p:par>
+                                <p:cTn id="5" presetID="1" presetClass="mediacall" presetSubtype="0" fill="hold" nodeType="afterEffect">
+                                  <p:stCondLst>
+                                    <p:cond delay="0"/>
+                                  </p:stCondLst>
+                                  <p:childTnLst>
+                                    <p:cmd type="call" cmd="playFrom(0.0)">
+                                      <p:cBhvr>
+                                        <p:cTn id="6" dur="1" fill="hold"/>
+                                        <p:tgtEl>
+                                          <p:spTgt spid="2"/>
+                                        </p:tgtEl>
+                                      </p:cBhvr>
+                                    </p:cmd>
+                                  </p:childTnLst>
+                                </p:cTn>
+                              </p:par>
+                            </p:childTnLst>
+                          </p:cTn>
+                        </p:par>
+                      </p:childTnLst>
+                    </p:cTn>
+                  </p:par>
+                </p:childTnLst>
+              </p:cTn>
+              <p:prevCondLst>
+                <p:cond evt="onPrev" delay="0">
+                  <p:tgtEl>
+                    <p:sldTgt/>
+                  </p:tgtEl>
+                </p:cond>
+              </p:prevCondLst>
+              <p:nextCondLst>
+                <p:cond evt="onNext" delay="0">
+                  <p:tgtEl>
+                    <p:sldTgt/>
+                  </p:tgtEl>
+                </p:cond>
+              </p:nextCondLst>
+            </p:seq>
+            <p:audio isNarration="1">
+              <p:cMediaNode vol="80000" showWhenStopped="0">
+                <p:cTn id="7" fill="hold" display="0">
+                  <p:stCondLst>
+                    <p:cond delay="indefinite"/>
+                  </p:stCondLst>
+                  <p:endCondLst>
+                    <p:cond evt="onStopAudio" delay="0">
+                      <p:tgtEl>
+                        <p:sldTgt/>
+                      </p:tgtEl>
+                    </p:cond>
+                  </p:endCondLst>
+                </p:cTn>
+                <p:tgtEl>
+                  <p:spTgt spid="2"/>
+                </p:tgtEl>
+              </p:cMediaNode>
+            </p:audio>
+          </p:childTnLst>
+        </p:cTn>
+      </p:par>
+    </p:tnLst>
+  </p:timing>
 </p:sld>
 </file>
 
@@ -8753,10 +8970,10 @@
       </p:sp>
       <p:pic>
         <p:nvPicPr>
-          <p:cNvPr id="9" name="그림 8">
+          <p:cNvPr id="4" name="그림 3">
             <a:extLst>
               <a:ext uri="{FF2B5EF4-FFF2-40B4-BE49-F238E27FC236}">
-                <a16:creationId xmlns:a16="http://schemas.microsoft.com/office/drawing/2014/main" id="{12851776-EEB8-4C38-ADED-6D0B0500CF02}"/>
+                <a16:creationId xmlns:a16="http://schemas.microsoft.com/office/drawing/2014/main" id="{FA581408-571F-442B-8B4B-93E9784A3D8C}"/>
               </a:ext>
             </a:extLst>
           </p:cNvPr>
@@ -8773,8 +8990,8 @@
         </p:blipFill>
         <p:spPr>
           <a:xfrm>
-            <a:off x="0" y="1916832"/>
-            <a:ext cx="9144000" cy="4171097"/>
+            <a:off x="688758" y="1988840"/>
+            <a:ext cx="7998042" cy="4740990"/>
           </a:xfrm>
           <a:prstGeom prst="rect">
             <a:avLst/>
@@ -8791,11 +9008,11 @@
   <p:clrMapOvr>
     <a:masterClrMapping/>
   </p:clrMapOvr>
-  <mc:AlternateContent xmlns:mc="http://schemas.openxmlformats.org/markup-compatibility/2006">
-    <mc:Choice xmlns:p14="http://schemas.microsoft.com/office/powerpoint/2010/main" Requires="p14">
+  <mc:AlternateContent xmlns:mc="http://schemas.openxmlformats.org/markup-compatibility/2006" xmlns:p14="http://schemas.microsoft.com/office/powerpoint/2010/main">
+    <mc:Choice Requires="p14">
       <p:transition p14:dur="10"/>
     </mc:Choice>
-    <mc:Fallback>
+    <mc:Fallback xmlns="">
       <p:transition/>
     </mc:Fallback>
   </mc:AlternateContent>
@@ -9194,16 +9411,15 @@
           </p:cNvPicPr>
           <p:nvPr/>
         </p:nvPicPr>
-        <p:blipFill>
+        <p:blipFill rotWithShape="1">
           <a:blip r:embed="rId2"/>
-          <a:stretch>
-            <a:fillRect/>
-          </a:stretch>
+          <a:srcRect l="5000"/>
+          <a:stretch/>
         </p:blipFill>
         <p:spPr>
           <a:xfrm>
-            <a:off x="0" y="1484313"/>
-            <a:ext cx="9144000" cy="4523491"/>
+            <a:off x="21628" y="1282669"/>
+            <a:ext cx="9100743" cy="4739044"/>
           </a:xfrm>
           <a:prstGeom prst="rect">
             <a:avLst/>
@@ -10475,11 +10691,144 @@
           </p:txBody>
         </p:sp>
       </p:grpSp>
+      <p:pic>
+        <p:nvPicPr>
+          <p:cNvPr id="5" name="오디오 4">
+            <a:hlinkClick r:id="" action="ppaction://media"/>
+            <a:extLst>
+              <a:ext uri="{FF2B5EF4-FFF2-40B4-BE49-F238E27FC236}">
+                <a16:creationId xmlns:a16="http://schemas.microsoft.com/office/drawing/2014/main" id="{2F587EA6-9A86-496E-A745-3808011EE54E}"/>
+              </a:ext>
+            </a:extLst>
+          </p:cNvPr>
+          <p:cNvPicPr>
+            <a:picLocks noChangeAspect="1"/>
+          </p:cNvPicPr>
+          <p:nvPr>
+            <a:audioFile r:link="rId2"/>
+            <p:extLst>
+              <p:ext uri="{DAA4B4D4-6D71-4841-9C94-3DE7FCFB9230}">
+                <p14:media xmlns:p14="http://schemas.microsoft.com/office/powerpoint/2010/main" r:embed="rId1"/>
+              </p:ext>
+            </p:extLst>
+          </p:nvPr>
+        </p:nvPicPr>
+        <p:blipFill>
+          <a:blip r:embed="rId4"/>
+          <a:stretch>
+            <a:fillRect/>
+          </a:stretch>
+        </p:blipFill>
+        <p:spPr>
+          <a:xfrm>
+            <a:off x="8521700" y="6235700"/>
+            <a:ext cx="406400" cy="406400"/>
+          </a:xfrm>
+          <a:prstGeom prst="rect">
+            <a:avLst/>
+          </a:prstGeom>
+        </p:spPr>
+      </p:pic>
     </p:spTree>
   </p:cSld>
   <p:clrMapOvr>
     <a:masterClrMapping/>
   </p:clrMapOvr>
+  <mc:AlternateContent xmlns:mc="http://schemas.openxmlformats.org/markup-compatibility/2006" xmlns:p14="http://schemas.microsoft.com/office/powerpoint/2010/main">
+    <mc:Choice Requires="p14">
+      <p:transition spd="slow" p14:dur="2000" advTm="564"/>
+    </mc:Choice>
+    <mc:Fallback xmlns="">
+      <p:transition spd="slow" advTm="564"/>
+    </mc:Fallback>
+  </mc:AlternateContent>
+  <p:timing>
+    <p:tnLst>
+      <p:par>
+        <p:cTn id="1" dur="indefinite" restart="never" nodeType="tmRoot">
+          <p:childTnLst>
+            <p:seq concurrent="1" nextAc="seek">
+              <p:cTn id="2" dur="indefinite" nodeType="mainSeq">
+                <p:childTnLst>
+                  <p:par>
+                    <p:cTn id="3" fill="hold">
+                      <p:stCondLst>
+                        <p:cond delay="indefinite"/>
+                        <p:cond evt="onBegin" delay="0">
+                          <p:tn val="2"/>
+                        </p:cond>
+                      </p:stCondLst>
+                      <p:childTnLst>
+                        <p:par>
+                          <p:cTn id="4" fill="hold">
+                            <p:stCondLst>
+                              <p:cond delay="0"/>
+                            </p:stCondLst>
+                            <p:childTnLst>
+                              <p:par>
+                                <p:cTn id="5" presetID="1" presetClass="mediacall" presetSubtype="0" fill="hold" nodeType="afterEffect">
+                                  <p:stCondLst>
+                                    <p:cond delay="0"/>
+                                  </p:stCondLst>
+                                  <p:childTnLst>
+                                    <p:cmd type="call" cmd="playFrom(0.0)">
+                                      <p:cBhvr>
+                                        <p:cTn id="6" dur="1" fill="hold"/>
+                                        <p:tgtEl>
+                                          <p:spTgt spid="5"/>
+                                        </p:tgtEl>
+                                      </p:cBhvr>
+                                    </p:cmd>
+                                  </p:childTnLst>
+                                </p:cTn>
+                              </p:par>
+                            </p:childTnLst>
+                          </p:cTn>
+                        </p:par>
+                      </p:childTnLst>
+                    </p:cTn>
+                  </p:par>
+                </p:childTnLst>
+              </p:cTn>
+              <p:prevCondLst>
+                <p:cond evt="onPrev" delay="0">
+                  <p:tgtEl>
+                    <p:sldTgt/>
+                  </p:tgtEl>
+                </p:cond>
+              </p:prevCondLst>
+              <p:nextCondLst>
+                <p:cond evt="onNext" delay="0">
+                  <p:tgtEl>
+                    <p:sldTgt/>
+                  </p:tgtEl>
+                </p:cond>
+              </p:nextCondLst>
+            </p:seq>
+            <p:audio isNarration="1">
+              <p:cMediaNode vol="80000" showWhenStopped="0">
+                <p:cTn id="7" fill="hold" display="0">
+                  <p:stCondLst>
+                    <p:cond delay="indefinite"/>
+                  </p:stCondLst>
+                  <p:endCondLst>
+                    <p:cond evt="onStopAudio" delay="0">
+                      <p:tgtEl>
+                        <p:sldTgt/>
+                      </p:tgtEl>
+                    </p:cond>
+                  </p:endCondLst>
+                </p:cTn>
+                <p:tgtEl>
+                  <p:spTgt spid="5"/>
+                </p:tgtEl>
+              </p:cMediaNode>
+            </p:audio>
+          </p:childTnLst>
+        </p:cTn>
+      </p:par>
+    </p:tnLst>
+  </p:timing>
 </p:sld>
 </file>
 
@@ -10743,6 +11092,14 @@
   <p:clrMapOvr>
     <a:masterClrMapping/>
   </p:clrMapOvr>
+  <mc:AlternateContent xmlns:mc="http://schemas.openxmlformats.org/markup-compatibility/2006" xmlns:p14="http://schemas.microsoft.com/office/powerpoint/2010/main">
+    <mc:Choice Requires="p14">
+      <p:transition spd="slow" p14:dur="2000" advTm="6633"/>
+    </mc:Choice>
+    <mc:Fallback xmlns="">
+      <p:transition spd="slow" advTm="6633"/>
+    </mc:Fallback>
+  </mc:AlternateContent>
 </p:sld>
 </file>
 
@@ -11639,36 +11996,6 @@
           <a:chExt cx="0" cy="0"/>
         </a:xfrm>
       </p:grpSpPr>
-      <p:pic>
-        <p:nvPicPr>
-          <p:cNvPr id="5" name="그림 4">
-            <a:extLst>
-              <a:ext uri="{FF2B5EF4-FFF2-40B4-BE49-F238E27FC236}">
-                <a16:creationId xmlns:a16="http://schemas.microsoft.com/office/drawing/2014/main" id="{3592E9CD-9BBC-4804-A5DE-07154FDCF517}"/>
-              </a:ext>
-            </a:extLst>
-          </p:cNvPr>
-          <p:cNvPicPr>
-            <a:picLocks noChangeAspect="1"/>
-          </p:cNvPicPr>
-          <p:nvPr/>
-        </p:nvPicPr>
-        <p:blipFill>
-          <a:blip r:embed="rId2"/>
-          <a:stretch>
-            <a:fillRect/>
-          </a:stretch>
-        </p:blipFill>
-        <p:spPr>
-          <a:xfrm>
-            <a:off x="166443" y="1889068"/>
-            <a:ext cx="4315987" cy="4947178"/>
-          </a:xfrm>
-          <a:prstGeom prst="rect">
-            <a:avLst/>
-          </a:prstGeom>
-        </p:spPr>
-      </p:pic>
       <p:sp>
         <p:nvSpPr>
           <p:cNvPr id="5122" name="Rectangle 2">
@@ -11976,27 +12303,7 @@
                 <a:latin typeface="맑은 고딕" panose="020B0503020000020004" pitchFamily="50" charset="-127"/>
                 <a:ea typeface="맑은 고딕" panose="020B0503020000020004" pitchFamily="50" charset="-127"/>
               </a:rPr>
-              <a:t>교재를 통해 교안이 맞았음을 알게되었고</a:t>
-            </a:r>
-            <a:r>
-              <a:rPr lang="en-US" altLang="ko-KR" sz="1400">
-                <a:solidFill>
-                  <a:srgbClr val="000000"/>
-                </a:solidFill>
-                <a:latin typeface="맑은 고딕" panose="020B0503020000020004" pitchFamily="50" charset="-127"/>
-                <a:ea typeface="맑은 고딕" panose="020B0503020000020004" pitchFamily="50" charset="-127"/>
-              </a:rPr>
-              <a:t>, </a:t>
-            </a:r>
-            <a:r>
-              <a:rPr lang="ko-KR" altLang="en-US" sz="1400">
-                <a:solidFill>
-                  <a:srgbClr val="000000"/>
-                </a:solidFill>
-                <a:latin typeface="맑은 고딕" panose="020B0503020000020004" pitchFamily="50" charset="-127"/>
-                <a:ea typeface="맑은 고딕" panose="020B0503020000020004" pitchFamily="50" charset="-127"/>
-              </a:rPr>
-              <a:t>해당 교안을 고도화시킬 수 있었다</a:t>
+              <a:t>당시 둘다 답변을 들었다</a:t>
             </a:r>
             <a:r>
               <a:rPr lang="en-US" altLang="ko-KR" sz="1400">
@@ -12011,86 +12318,12 @@
           </a:p>
         </p:txBody>
       </p:sp>
-      <p:sp>
-        <p:nvSpPr>
-          <p:cNvPr id="11" name="액자 10">
+      <p:pic>
+        <p:nvPicPr>
+          <p:cNvPr id="11" name="그림 10">
             <a:extLst>
               <a:ext uri="{FF2B5EF4-FFF2-40B4-BE49-F238E27FC236}">
-                <a16:creationId xmlns:a16="http://schemas.microsoft.com/office/drawing/2014/main" id="{680DBF0D-8036-484A-ADC9-06ED15DF8E40}"/>
-              </a:ext>
-            </a:extLst>
-          </p:cNvPr>
-          <p:cNvSpPr/>
-          <p:nvPr/>
-        </p:nvSpPr>
-        <p:spPr bwMode="auto">
-          <a:xfrm>
-            <a:off x="94435" y="4344361"/>
-            <a:ext cx="4536504" cy="1532911"/>
-          </a:xfrm>
-          <a:prstGeom prst="frame">
-            <a:avLst>
-              <a:gd name="adj1" fmla="val 4822"/>
-            </a:avLst>
-          </a:prstGeom>
-          <a:solidFill>
-            <a:srgbClr val="FF5050"/>
-          </a:solidFill>
-          <a:ln w="9525" cap="flat" cmpd="sng" algn="ctr">
-            <a:solidFill>
-              <a:schemeClr val="tx1"/>
-            </a:solidFill>
-            <a:prstDash val="solid"/>
-            <a:round/>
-            <a:headEnd type="none" w="med" len="med"/>
-            <a:tailEnd type="none" w="med" len="med"/>
-          </a:ln>
-          <a:effectLst/>
-        </p:spPr>
-        <p:txBody>
-          <a:bodyPr vert="horz" wrap="square" lIns="91440" tIns="45720" rIns="91440" bIns="45720" numCol="1" rtlCol="0" anchor="t" anchorCtr="0" compatLnSpc="1">
-            <a:prstTxWarp prst="textNoShape">
-              <a:avLst/>
-            </a:prstTxWarp>
-          </a:bodyPr>
-          <a:lstStyle/>
-          <a:p>
-            <a:pPr marL="0" marR="0" indent="0" algn="l" defTabSz="914400" rtl="0" eaLnBrk="1" fontAlgn="base" latinLnBrk="0" hangingPunct="1">
-              <a:lnSpc>
-                <a:spcPct val="100000"/>
-              </a:lnSpc>
-              <a:spcBef>
-                <a:spcPct val="0"/>
-              </a:spcBef>
-              <a:spcAft>
-                <a:spcPct val="0"/>
-              </a:spcAft>
-              <a:buClrTx/>
-              <a:buSzTx/>
-              <a:buFontTx/>
-              <a:buNone/>
-              <a:tabLst/>
-            </a:pPr>
-            <a:endParaRPr kumimoji="0" lang="ko-KR" altLang="en-US" sz="1800" b="0" i="0" u="none" strike="noStrike" cap="none" normalizeH="0" baseline="0">
-              <a:ln>
-                <a:noFill/>
-              </a:ln>
-              <a:solidFill>
-                <a:schemeClr val="tx1"/>
-              </a:solidFill>
-              <a:effectLst/>
-              <a:latin typeface="Arial" panose="020B0604020202020204" pitchFamily="34" charset="0"/>
-              <a:cs typeface="Arial" panose="020B0604020202020204" pitchFamily="34" charset="0"/>
-            </a:endParaRPr>
-          </a:p>
-        </p:txBody>
-      </p:sp>
-      <p:pic>
-        <p:nvPicPr>
-          <p:cNvPr id="7" name="그림 6">
-            <a:extLst>
-              <a:ext uri="{FF2B5EF4-FFF2-40B4-BE49-F238E27FC236}">
-                <a16:creationId xmlns:a16="http://schemas.microsoft.com/office/drawing/2014/main" id="{60BAA3F0-B195-46D1-9038-25CEEBDEE083}"/>
+                <a16:creationId xmlns:a16="http://schemas.microsoft.com/office/drawing/2014/main" id="{40AE23E7-2A89-4F30-890F-19FEC0189214}"/>
               </a:ext>
             </a:extLst>
           </p:cNvPr>
@@ -12100,159 +12333,21 @@
           <p:nvPr/>
         </p:nvPicPr>
         <p:blipFill>
-          <a:blip r:embed="rId3"/>
+          <a:blip r:embed="rId2"/>
           <a:stretch>
             <a:fillRect/>
           </a:stretch>
         </p:blipFill>
         <p:spPr>
           <a:xfrm>
-            <a:off x="4797574" y="2731303"/>
-            <a:ext cx="4091298" cy="3030346"/>
+            <a:off x="1025860" y="1743680"/>
+            <a:ext cx="7092280" cy="4821419"/>
           </a:xfrm>
           <a:prstGeom prst="rect">
             <a:avLst/>
           </a:prstGeom>
         </p:spPr>
       </p:pic>
-      <p:cxnSp>
-        <p:nvCxnSpPr>
-          <p:cNvPr id="14" name="직선 연결선 13">
-            <a:extLst>
-              <a:ext uri="{FF2B5EF4-FFF2-40B4-BE49-F238E27FC236}">
-                <a16:creationId xmlns:a16="http://schemas.microsoft.com/office/drawing/2014/main" id="{E967AB7B-7458-4B35-98C0-96D095A62CFC}"/>
-              </a:ext>
-            </a:extLst>
-          </p:cNvPr>
-          <p:cNvCxnSpPr/>
-          <p:nvPr/>
-        </p:nvCxnSpPr>
-        <p:spPr bwMode="auto">
-          <a:xfrm>
-            <a:off x="4932040" y="3861048"/>
-            <a:ext cx="1008112" cy="0"/>
-          </a:xfrm>
-          <a:prstGeom prst="line">
-            <a:avLst/>
-          </a:prstGeom>
-          <a:solidFill>
-            <a:schemeClr val="accent1"/>
-          </a:solidFill>
-          <a:ln w="25400" cap="flat" cmpd="sng" algn="ctr">
-            <a:solidFill>
-              <a:srgbClr val="FF5050"/>
-            </a:solidFill>
-            <a:prstDash val="solid"/>
-            <a:round/>
-            <a:headEnd type="none" w="med" len="med"/>
-            <a:tailEnd type="none" w="med" len="med"/>
-          </a:ln>
-          <a:effectLst/>
-          <a:extLst>
-            <a:ext uri="{AF507438-7753-43E0-B8FC-AC1667EBCBE1}">
-              <a14:hiddenEffects xmlns:a14="http://schemas.microsoft.com/office/drawing/2010/main">
-                <a:effectLst>
-                  <a:outerShdw dist="35921" dir="2700000" algn="ctr" rotWithShape="0">
-                    <a:schemeClr val="bg2"/>
-                  </a:outerShdw>
-                </a:effectLst>
-              </a14:hiddenEffects>
-            </a:ext>
-          </a:extLst>
-        </p:spPr>
-      </p:cxnSp>
-      <p:cxnSp>
-        <p:nvCxnSpPr>
-          <p:cNvPr id="16" name="직선 연결선 15">
-            <a:extLst>
-              <a:ext uri="{FF2B5EF4-FFF2-40B4-BE49-F238E27FC236}">
-                <a16:creationId xmlns:a16="http://schemas.microsoft.com/office/drawing/2014/main" id="{3D128CA1-5BA6-4EAC-AC02-689EC8A2FFC2}"/>
-              </a:ext>
-            </a:extLst>
-          </p:cNvPr>
-          <p:cNvCxnSpPr/>
-          <p:nvPr/>
-        </p:nvCxnSpPr>
-        <p:spPr bwMode="auto">
-          <a:xfrm>
-            <a:off x="4932040" y="4149080"/>
-            <a:ext cx="2088232" cy="0"/>
-          </a:xfrm>
-          <a:prstGeom prst="line">
-            <a:avLst/>
-          </a:prstGeom>
-          <a:solidFill>
-            <a:schemeClr val="accent1"/>
-          </a:solidFill>
-          <a:ln w="25400" cap="flat" cmpd="sng" algn="ctr">
-            <a:solidFill>
-              <a:srgbClr val="FF5050"/>
-            </a:solidFill>
-            <a:prstDash val="solid"/>
-            <a:round/>
-            <a:headEnd type="none" w="med" len="med"/>
-            <a:tailEnd type="none" w="med" len="med"/>
-          </a:ln>
-          <a:effectLst/>
-          <a:extLst>
-            <a:ext uri="{AF507438-7753-43E0-B8FC-AC1667EBCBE1}">
-              <a14:hiddenEffects xmlns:a14="http://schemas.microsoft.com/office/drawing/2010/main">
-                <a:effectLst>
-                  <a:outerShdw dist="35921" dir="2700000" algn="ctr" rotWithShape="0">
-                    <a:schemeClr val="bg2"/>
-                  </a:outerShdw>
-                </a:effectLst>
-              </a14:hiddenEffects>
-            </a:ext>
-          </a:extLst>
-        </p:spPr>
-      </p:cxnSp>
-      <p:cxnSp>
-        <p:nvCxnSpPr>
-          <p:cNvPr id="17" name="직선 연결선 16">
-            <a:extLst>
-              <a:ext uri="{FF2B5EF4-FFF2-40B4-BE49-F238E27FC236}">
-                <a16:creationId xmlns:a16="http://schemas.microsoft.com/office/drawing/2014/main" id="{E6CE5406-25AC-4409-BF79-85062705AEE6}"/>
-              </a:ext>
-            </a:extLst>
-          </p:cNvPr>
-          <p:cNvCxnSpPr/>
-          <p:nvPr/>
-        </p:nvCxnSpPr>
-        <p:spPr bwMode="auto">
-          <a:xfrm>
-            <a:off x="5004048" y="5765449"/>
-            <a:ext cx="2088232" cy="0"/>
-          </a:xfrm>
-          <a:prstGeom prst="line">
-            <a:avLst/>
-          </a:prstGeom>
-          <a:solidFill>
-            <a:schemeClr val="accent1"/>
-          </a:solidFill>
-          <a:ln w="25400" cap="flat" cmpd="sng" algn="ctr">
-            <a:solidFill>
-              <a:srgbClr val="FF5050"/>
-            </a:solidFill>
-            <a:prstDash val="solid"/>
-            <a:round/>
-            <a:headEnd type="none" w="med" len="med"/>
-            <a:tailEnd type="none" w="med" len="med"/>
-          </a:ln>
-          <a:effectLst/>
-          <a:extLst>
-            <a:ext uri="{AF507438-7753-43E0-B8FC-AC1667EBCBE1}">
-              <a14:hiddenEffects xmlns:a14="http://schemas.microsoft.com/office/drawing/2010/main">
-                <a:effectLst>
-                  <a:outerShdw dist="35921" dir="2700000" algn="ctr" rotWithShape="0">
-                    <a:schemeClr val="bg2"/>
-                  </a:outerShdw>
-                </a:effectLst>
-              </a14:hiddenEffects>
-            </a:ext>
-          </a:extLst>
-        </p:spPr>
-      </p:cxnSp>
     </p:spTree>
     <p:extLst>
       <p:ext uri="{BB962C8B-B14F-4D97-AF65-F5344CB8AC3E}">
